--- a/sbml-level-3/version-1/comp/Submodel.pptx
+++ b/sbml-level-3/version-1/comp/Submodel.pptx
@@ -192,7 +192,7 @@
           <a:p>
             <a:fld id="{7754A941-C6C2-4027-B1F4-A5E937B2245F}" type="datetimeFigureOut">
               <a:rPr lang="en-US" smtClean="0"/>
-              <a:t>9/16/2010</a:t>
+              <a:t>9/28/2010</a:t>
             </a:fld>
             <a:endParaRPr lang="en-US"/>
           </a:p>
@@ -730,7 +730,7 @@
           <a:p>
             <a:fld id="{F0172217-DC24-48CD-AE89-68C8C8D878B4}" type="datetimeFigureOut">
               <a:rPr lang="en-US" smtClean="0"/>
-              <a:t>9/16/2010</a:t>
+              <a:t>9/28/2010</a:t>
             </a:fld>
             <a:endParaRPr lang="en-US"/>
           </a:p>
@@ -900,7 +900,7 @@
           <a:p>
             <a:fld id="{F0172217-DC24-48CD-AE89-68C8C8D878B4}" type="datetimeFigureOut">
               <a:rPr lang="en-US" smtClean="0"/>
-              <a:t>9/16/2010</a:t>
+              <a:t>9/28/2010</a:t>
             </a:fld>
             <a:endParaRPr lang="en-US"/>
           </a:p>
@@ -1080,7 +1080,7 @@
           <a:p>
             <a:fld id="{F0172217-DC24-48CD-AE89-68C8C8D878B4}" type="datetimeFigureOut">
               <a:rPr lang="en-US" smtClean="0"/>
-              <a:t>9/16/2010</a:t>
+              <a:t>9/28/2010</a:t>
             </a:fld>
             <a:endParaRPr lang="en-US"/>
           </a:p>
@@ -1250,7 +1250,7 @@
           <a:p>
             <a:fld id="{F0172217-DC24-48CD-AE89-68C8C8D878B4}" type="datetimeFigureOut">
               <a:rPr lang="en-US" smtClean="0"/>
-              <a:t>9/16/2010</a:t>
+              <a:t>9/28/2010</a:t>
             </a:fld>
             <a:endParaRPr lang="en-US"/>
           </a:p>
@@ -1496,7 +1496,7 @@
           <a:p>
             <a:fld id="{F0172217-DC24-48CD-AE89-68C8C8D878B4}" type="datetimeFigureOut">
               <a:rPr lang="en-US" smtClean="0"/>
-              <a:t>9/16/2010</a:t>
+              <a:t>9/28/2010</a:t>
             </a:fld>
             <a:endParaRPr lang="en-US"/>
           </a:p>
@@ -1784,7 +1784,7 @@
           <a:p>
             <a:fld id="{F0172217-DC24-48CD-AE89-68C8C8D878B4}" type="datetimeFigureOut">
               <a:rPr lang="en-US" smtClean="0"/>
-              <a:t>9/16/2010</a:t>
+              <a:t>9/28/2010</a:t>
             </a:fld>
             <a:endParaRPr lang="en-US"/>
           </a:p>
@@ -2206,7 +2206,7 @@
           <a:p>
             <a:fld id="{F0172217-DC24-48CD-AE89-68C8C8D878B4}" type="datetimeFigureOut">
               <a:rPr lang="en-US" smtClean="0"/>
-              <a:t>9/16/2010</a:t>
+              <a:t>9/28/2010</a:t>
             </a:fld>
             <a:endParaRPr lang="en-US"/>
           </a:p>
@@ -2324,7 +2324,7 @@
           <a:p>
             <a:fld id="{F0172217-DC24-48CD-AE89-68C8C8D878B4}" type="datetimeFigureOut">
               <a:rPr lang="en-US" smtClean="0"/>
-              <a:t>9/16/2010</a:t>
+              <a:t>9/28/2010</a:t>
             </a:fld>
             <a:endParaRPr lang="en-US"/>
           </a:p>
@@ -2419,7 +2419,7 @@
           <a:p>
             <a:fld id="{F0172217-DC24-48CD-AE89-68C8C8D878B4}" type="datetimeFigureOut">
               <a:rPr lang="en-US" smtClean="0"/>
-              <a:t>9/16/2010</a:t>
+              <a:t>9/28/2010</a:t>
             </a:fld>
             <a:endParaRPr lang="en-US"/>
           </a:p>
@@ -2696,7 +2696,7 @@
           <a:p>
             <a:fld id="{F0172217-DC24-48CD-AE89-68C8C8D878B4}" type="datetimeFigureOut">
               <a:rPr lang="en-US" smtClean="0"/>
-              <a:t>9/16/2010</a:t>
+              <a:t>9/28/2010</a:t>
             </a:fld>
             <a:endParaRPr lang="en-US"/>
           </a:p>
@@ -2949,7 +2949,7 @@
           <a:p>
             <a:fld id="{F0172217-DC24-48CD-AE89-68C8C8D878B4}" type="datetimeFigureOut">
               <a:rPr lang="en-US" smtClean="0"/>
-              <a:t>9/16/2010</a:t>
+              <a:t>9/28/2010</a:t>
             </a:fld>
             <a:endParaRPr lang="en-US"/>
           </a:p>
@@ -3162,7 +3162,7 @@
           <a:p>
             <a:fld id="{F0172217-DC24-48CD-AE89-68C8C8D878B4}" type="datetimeFigureOut">
               <a:rPr lang="en-US" smtClean="0"/>
-              <a:t>9/16/2010</a:t>
+              <a:t>9/28/2010</a:t>
             </a:fld>
             <a:endParaRPr lang="en-US"/>
           </a:p>
@@ -3539,7 +3539,7 @@
       </p:grpSpPr>
       <p:grpSp>
         <p:nvGrpSpPr>
-          <p:cNvPr id="16" name="Group 15"/>
+          <p:cNvPr id="2" name="Group 1"/>
           <p:cNvGrpSpPr/>
           <p:nvPr/>
         </p:nvGrpSpPr>
@@ -3547,7 +3547,7 @@
           <a:xfrm>
             <a:off x="51292" y="145916"/>
             <a:ext cx="3920140" cy="3730892"/>
-            <a:chOff x="58707" y="109269"/>
+            <a:chOff x="51292" y="145916"/>
             <a:chExt cx="3920140" cy="3730892"/>
           </a:xfrm>
         </p:grpSpPr>
@@ -3559,7 +3559,7 @@
           </p:nvCxnSpPr>
           <p:spPr>
             <a:xfrm>
-              <a:off x="98622" y="294554"/>
+              <a:off x="91207" y="331201"/>
               <a:ext cx="2764770" cy="0"/>
             </a:xfrm>
             <a:prstGeom prst="line">
@@ -3567,7 +3567,7 @@
             </a:prstGeom>
             <a:ln w="6350">
               <a:solidFill>
-                <a:schemeClr val="tx1"/>
+                <a:srgbClr val="0070C0"/>
               </a:solidFill>
             </a:ln>
           </p:spPr>
@@ -3594,7 +3594,7 @@
           </p:nvGrpSpPr>
           <p:grpSpPr>
             <a:xfrm>
-              <a:off x="65187" y="109269"/>
+              <a:off x="57772" y="145916"/>
               <a:ext cx="2798205" cy="1279748"/>
               <a:chOff x="65187" y="109269"/>
               <a:chExt cx="2798205" cy="1161479"/>
@@ -3617,7 +3617,7 @@
               <a:noFill/>
               <a:ln w="6350">
                 <a:solidFill>
-                  <a:srgbClr val="002060"/>
+                  <a:srgbClr val="0070C0"/>
                 </a:solidFill>
               </a:ln>
             </p:spPr>
@@ -3645,14 +3645,14 @@
                 <a:r>
                   <a:rPr lang="en-US" sz="1100" b="1" dirty="0" smtClean="0">
                     <a:solidFill>
-                      <a:schemeClr val="tx1"/>
+                      <a:srgbClr val="0070C0"/>
                     </a:solidFill>
                   </a:rPr>
                   <a:t>Submodel</a:t>
                 </a:r>
                 <a:endParaRPr lang="en-US" sz="1100" b="1" dirty="0">
                   <a:solidFill>
-                    <a:schemeClr val="tx1"/>
+                    <a:srgbClr val="0070C0"/>
                   </a:solidFill>
                 </a:endParaRPr>
               </a:p>
@@ -3660,7 +3660,7 @@
                 <a:r>
                   <a:rPr lang="en-US" sz="900" dirty="0" smtClean="0">
                     <a:solidFill>
-                      <a:schemeClr val="tx1"/>
+                      <a:srgbClr val="0070C0"/>
                     </a:solidFill>
                   </a:rPr>
                   <a:t>id: </a:t>
@@ -3668,7 +3668,7 @@
                 <a:r>
                   <a:rPr lang="en-US" sz="900" dirty="0" err="1" smtClean="0">
                     <a:solidFill>
-                      <a:schemeClr val="tx1"/>
+                      <a:srgbClr val="0070C0"/>
                     </a:solidFill>
                   </a:rPr>
                   <a:t>SId</a:t>
@@ -3676,25 +3676,17 @@
                 <a:r>
                   <a:rPr lang="en-US" sz="900" dirty="0" smtClean="0">
                     <a:solidFill>
-                      <a:schemeClr val="tx1"/>
+                      <a:srgbClr val="0070C0"/>
                     </a:solidFill>
                   </a:rPr>
-                  <a:t> </a:t>
-                </a:r>
-                <a:r>
-                  <a:rPr lang="en-US" sz="900" dirty="0" smtClean="0">
-                    <a:solidFill>
-                      <a:schemeClr val="tx1"/>
-                    </a:solidFill>
-                  </a:rPr>
-                  <a:t>{use=“optional”}</a:t>
+                  <a:t> {use=“optional”}</a:t>
                 </a:r>
               </a:p>
               <a:p>
                 <a:r>
                   <a:rPr lang="en-US" sz="900" dirty="0" err="1" smtClean="0">
                     <a:solidFill>
-                      <a:schemeClr val="tx1"/>
+                      <a:srgbClr val="0070C0"/>
                     </a:solidFill>
                   </a:rPr>
                   <a:t>areaConversionFactor</a:t>
@@ -3702,7 +3694,7 @@
                 <a:r>
                   <a:rPr lang="en-US" sz="900" dirty="0" smtClean="0">
                     <a:solidFill>
-                      <a:schemeClr val="tx1"/>
+                      <a:srgbClr val="0070C0"/>
                     </a:solidFill>
                   </a:rPr>
                   <a:t>: </a:t>
@@ -3710,7 +3702,7 @@
                 <a:r>
                   <a:rPr lang="en-US" sz="900" dirty="0" err="1" smtClean="0">
                     <a:solidFill>
-                      <a:schemeClr val="tx1"/>
+                      <a:srgbClr val="0070C0"/>
                     </a:solidFill>
                   </a:rPr>
                   <a:t>SIdRef</a:t>
@@ -3718,25 +3710,17 @@
                 <a:r>
                   <a:rPr lang="en-US" sz="900" dirty="0" smtClean="0">
                     <a:solidFill>
-                      <a:schemeClr val="tx1"/>
+                      <a:srgbClr val="0070C0"/>
                     </a:solidFill>
                   </a:rPr>
-                  <a:t> </a:t>
-                </a:r>
-                <a:r>
-                  <a:rPr lang="en-US" sz="900" dirty="0" smtClean="0">
-                    <a:solidFill>
-                      <a:schemeClr val="tx1"/>
-                    </a:solidFill>
-                  </a:rPr>
-                  <a:t>{use=“optional”}</a:t>
+                  <a:t> {use=“optional”}</a:t>
                 </a:r>
               </a:p>
               <a:p>
                 <a:r>
                   <a:rPr lang="en-US" sz="900" dirty="0" err="1" smtClean="0">
                     <a:solidFill>
-                      <a:schemeClr val="tx1"/>
+                      <a:srgbClr val="0070C0"/>
                     </a:solidFill>
                   </a:rPr>
                   <a:t>lengthConversionFactor</a:t>
@@ -3744,7 +3728,7 @@
                 <a:r>
                   <a:rPr lang="en-US" sz="900" dirty="0" smtClean="0">
                     <a:solidFill>
-                      <a:schemeClr val="tx1"/>
+                      <a:srgbClr val="0070C0"/>
                     </a:solidFill>
                   </a:rPr>
                   <a:t>: </a:t>
@@ -3752,7 +3736,7 @@
                 <a:r>
                   <a:rPr lang="en-US" sz="900" dirty="0" err="1" smtClean="0">
                     <a:solidFill>
-                      <a:schemeClr val="tx1"/>
+                      <a:srgbClr val="0070C0"/>
                     </a:solidFill>
                   </a:rPr>
                   <a:t>SIdRef</a:t>
@@ -3760,25 +3744,17 @@
                 <a:r>
                   <a:rPr lang="en-US" sz="900" dirty="0" smtClean="0">
                     <a:solidFill>
-                      <a:schemeClr val="tx1"/>
+                      <a:srgbClr val="0070C0"/>
                     </a:solidFill>
                   </a:rPr>
-                  <a:t> </a:t>
-                </a:r>
-                <a:r>
-                  <a:rPr lang="en-US" sz="900" dirty="0" smtClean="0">
-                    <a:solidFill>
-                      <a:schemeClr val="tx1"/>
-                    </a:solidFill>
-                  </a:rPr>
-                  <a:t>{use=“optional”}</a:t>
+                  <a:t> {use=“optional”}</a:t>
                 </a:r>
               </a:p>
               <a:p>
                 <a:r>
                   <a:rPr lang="en-US" sz="900" dirty="0" err="1" smtClean="0">
                     <a:solidFill>
-                      <a:schemeClr val="tx1"/>
+                      <a:srgbClr val="0070C0"/>
                     </a:solidFill>
                   </a:rPr>
                   <a:t>substanceConversionFactor</a:t>
@@ -3786,7 +3762,7 @@
                 <a:r>
                   <a:rPr lang="en-US" sz="900" dirty="0" smtClean="0">
                     <a:solidFill>
-                      <a:schemeClr val="tx1"/>
+                      <a:srgbClr val="0070C0"/>
                     </a:solidFill>
                   </a:rPr>
                   <a:t>: </a:t>
@@ -3794,7 +3770,7 @@
                 <a:r>
                   <a:rPr lang="en-US" sz="900" dirty="0" err="1" smtClean="0">
                     <a:solidFill>
-                      <a:schemeClr val="tx1"/>
+                      <a:srgbClr val="0070C0"/>
                     </a:solidFill>
                   </a:rPr>
                   <a:t>SIdRef</a:t>
@@ -3802,25 +3778,17 @@
                 <a:r>
                   <a:rPr lang="en-US" sz="900" dirty="0" smtClean="0">
                     <a:solidFill>
-                      <a:schemeClr val="tx1"/>
+                      <a:srgbClr val="0070C0"/>
                     </a:solidFill>
                   </a:rPr>
-                  <a:t> </a:t>
-                </a:r>
-                <a:r>
-                  <a:rPr lang="en-US" sz="900" dirty="0" smtClean="0">
-                    <a:solidFill>
-                      <a:schemeClr val="tx1"/>
-                    </a:solidFill>
-                  </a:rPr>
-                  <a:t>{use=“optional”}</a:t>
+                  <a:t> {use=“optional”}</a:t>
                 </a:r>
               </a:p>
               <a:p>
                 <a:r>
                   <a:rPr lang="en-US" sz="900" dirty="0" err="1" smtClean="0">
                     <a:solidFill>
-                      <a:schemeClr val="tx1"/>
+                      <a:srgbClr val="0070C0"/>
                     </a:solidFill>
                   </a:rPr>
                   <a:t>timeConversionFactor</a:t>
@@ -3828,7 +3796,7 @@
                 <a:r>
                   <a:rPr lang="en-US" sz="900" dirty="0" smtClean="0">
                     <a:solidFill>
-                      <a:schemeClr val="tx1"/>
+                      <a:srgbClr val="0070C0"/>
                     </a:solidFill>
                   </a:rPr>
                   <a:t>: </a:t>
@@ -3836,7 +3804,7 @@
                 <a:r>
                   <a:rPr lang="en-US" sz="900" dirty="0" err="1" smtClean="0">
                     <a:solidFill>
-                      <a:schemeClr val="tx1"/>
+                      <a:srgbClr val="0070C0"/>
                     </a:solidFill>
                   </a:rPr>
                   <a:t>SIdRef</a:t>
@@ -3844,25 +3812,17 @@
                 <a:r>
                   <a:rPr lang="en-US" sz="900" dirty="0" smtClean="0">
                     <a:solidFill>
-                      <a:schemeClr val="tx1"/>
+                      <a:srgbClr val="0070C0"/>
                     </a:solidFill>
                   </a:rPr>
-                  <a:t> </a:t>
-                </a:r>
-                <a:r>
-                  <a:rPr lang="en-US" sz="900" dirty="0" smtClean="0">
-                    <a:solidFill>
-                      <a:schemeClr val="tx1"/>
-                    </a:solidFill>
-                  </a:rPr>
-                  <a:t>{use=“optional”}</a:t>
+                  <a:t> {use=“optional”}</a:t>
                 </a:r>
               </a:p>
               <a:p>
                 <a:r>
                   <a:rPr lang="en-US" sz="900" dirty="0" err="1" smtClean="0">
                     <a:solidFill>
-                      <a:schemeClr val="tx1"/>
+                      <a:srgbClr val="0070C0"/>
                     </a:solidFill>
                   </a:rPr>
                   <a:t>volumeConversionFactor</a:t>
@@ -3870,7 +3830,7 @@
                 <a:r>
                   <a:rPr lang="en-US" sz="900" dirty="0" smtClean="0">
                     <a:solidFill>
-                      <a:schemeClr val="tx1"/>
+                      <a:srgbClr val="0070C0"/>
                     </a:solidFill>
                   </a:rPr>
                   <a:t>: </a:t>
@@ -3878,7 +3838,7 @@
                 <a:r>
                   <a:rPr lang="en-US" sz="900" dirty="0" err="1" smtClean="0">
                     <a:solidFill>
-                      <a:schemeClr val="tx1"/>
+                      <a:srgbClr val="0070C0"/>
                     </a:solidFill>
                   </a:rPr>
                   <a:t>SIdRef</a:t>
@@ -3886,24 +3846,16 @@
                 <a:r>
                   <a:rPr lang="en-US" sz="900" dirty="0" smtClean="0">
                     <a:solidFill>
-                      <a:schemeClr val="tx1"/>
+                      <a:srgbClr val="0070C0"/>
                     </a:solidFill>
                   </a:rPr>
-                  <a:t> </a:t>
-                </a:r>
-                <a:r>
-                  <a:rPr lang="en-US" sz="900" dirty="0" smtClean="0">
-                    <a:solidFill>
-                      <a:schemeClr val="tx1"/>
-                    </a:solidFill>
-                  </a:rPr>
-                  <a:t>{use=“optional”}</a:t>
+                  <a:t> {use=“optional”}</a:t>
                 </a:r>
               </a:p>
               <a:p>
                 <a:endParaRPr lang="en-US" sz="900" dirty="0">
                   <a:solidFill>
-                    <a:schemeClr val="tx1"/>
+                    <a:srgbClr val="0070C0"/>
                   </a:solidFill>
                 </a:endParaRPr>
               </a:p>
@@ -3924,11 +3876,11 @@
                 <a:avLst/>
               </a:prstGeom>
               <a:solidFill>
-                <a:schemeClr val="tx1"/>
+                <a:srgbClr val="0070C0"/>
               </a:solidFill>
               <a:ln w="6350">
                 <a:solidFill>
-                  <a:schemeClr val="tx1"/>
+                  <a:srgbClr val="0070C0"/>
                 </a:solidFill>
               </a:ln>
             </p:spPr>
@@ -3953,7 +3905,11 @@
               <a:lstStyle/>
               <a:p>
                 <a:pPr algn="ctr"/>
-                <a:endParaRPr lang="en-US"/>
+                <a:endParaRPr lang="en-US">
+                  <a:solidFill>
+                    <a:srgbClr val="0070C0"/>
+                  </a:solidFill>
+                </a:endParaRPr>
               </a:p>
             </p:txBody>
           </p:sp>
@@ -3969,7 +3925,7 @@
           </p:nvCxnSpPr>
           <p:spPr>
             <a:xfrm rot="16200000" flipH="1">
-              <a:off x="503969" y="983669"/>
+              <a:off x="496554" y="1020316"/>
               <a:ext cx="162758" cy="973453"/>
             </a:xfrm>
             <a:prstGeom prst="bentConnector3">
@@ -3979,7 +3935,7 @@
             </a:prstGeom>
             <a:ln w="6350">
               <a:solidFill>
-                <a:schemeClr val="tx1"/>
+                <a:srgbClr val="0070C0"/>
               </a:solidFill>
             </a:ln>
           </p:spPr>
@@ -4009,7 +3965,7 @@
           </p:nvCxnSpPr>
           <p:spPr>
             <a:xfrm rot="16200000" flipH="1">
-              <a:off x="562239" y="2719398"/>
+              <a:off x="554824" y="2756045"/>
               <a:ext cx="282302" cy="1014661"/>
             </a:xfrm>
             <a:prstGeom prst="bentConnector3">
@@ -4019,7 +3975,7 @@
             </a:prstGeom>
             <a:ln w="6350">
               <a:solidFill>
-                <a:schemeClr val="tx1"/>
+                <a:srgbClr val="0070C0"/>
               </a:solidFill>
             </a:ln>
           </p:spPr>
@@ -4049,7 +4005,7 @@
           </p:nvCxnSpPr>
           <p:spPr>
             <a:xfrm rot="16200000" flipH="1">
-              <a:off x="-107288" y="1594926"/>
+              <a:off x="-114703" y="1631573"/>
               <a:ext cx="1236982" cy="825163"/>
             </a:xfrm>
             <a:prstGeom prst="bentConnector3">
@@ -4059,7 +4015,7 @@
             </a:prstGeom>
             <a:ln w="6350">
               <a:solidFill>
-                <a:schemeClr val="tx1"/>
+                <a:srgbClr val="0070C0"/>
               </a:solidFill>
             </a:ln>
           </p:spPr>
@@ -4086,7 +4042,7 @@
           </p:nvGrpSpPr>
           <p:grpSpPr>
             <a:xfrm>
-              <a:off x="3396678" y="109269"/>
+              <a:off x="3389263" y="145916"/>
               <a:ext cx="582169" cy="422032"/>
               <a:chOff x="4453762" y="214881"/>
               <a:chExt cx="582169" cy="422032"/>
@@ -4207,7 +4163,7 @@
           </p:nvCxnSpPr>
           <p:spPr>
             <a:xfrm flipV="1">
-              <a:off x="1652298" y="531301"/>
+              <a:off x="1644883" y="567948"/>
               <a:ext cx="2052582" cy="2247098"/>
             </a:xfrm>
             <a:prstGeom prst="bentConnector2">
@@ -4215,7 +4171,7 @@
             </a:prstGeom>
             <a:ln w="6350">
               <a:solidFill>
-                <a:schemeClr val="tx1"/>
+                <a:srgbClr val="0070C0"/>
               </a:solidFill>
             </a:ln>
           </p:spPr>
@@ -4242,12 +4198,15 @@
           </p:nvSpPr>
           <p:spPr>
             <a:xfrm>
-              <a:off x="65288" y="2273199"/>
+              <a:off x="57873" y="2309846"/>
               <a:ext cx="880369" cy="369332"/>
             </a:xfrm>
             <a:prstGeom prst="rect">
               <a:avLst/>
             </a:prstGeom>
+            <a:ln>
+              <a:noFill/>
+            </a:ln>
           </p:spPr>
           <p:txBody>
             <a:bodyPr wrap="none" lIns="91440" tIns="45720" rIns="91440" bIns="45720">
@@ -4256,14 +4215,26 @@
             <a:lstStyle/>
             <a:p>
               <a:r>
-                <a:rPr lang="en-US" sz="900" dirty="0" err="1" smtClean="0"/>
+                <a:rPr lang="en-US" sz="900" dirty="0" err="1" smtClean="0">
+                  <a:solidFill>
+                    <a:srgbClr val="0070C0"/>
+                  </a:solidFill>
+                </a:rPr>
                 <a:t>listOfDeletions</a:t>
               </a:r>
-              <a:endParaRPr lang="en-US" sz="900" dirty="0"/>
+              <a:endParaRPr lang="en-US" sz="900" dirty="0">
+                <a:solidFill>
+                  <a:srgbClr val="0070C0"/>
+                </a:solidFill>
+              </a:endParaRPr>
             </a:p>
             <a:p>
               <a:r>
-                <a:rPr lang="en-US" sz="900" dirty="0"/>
+                <a:rPr lang="en-US" sz="900" dirty="0">
+                  <a:solidFill>
+                    <a:srgbClr val="0070C0"/>
+                  </a:solidFill>
+                </a:rPr>
                 <a:t>0,1</a:t>
               </a:r>
             </a:p>
@@ -4277,12 +4248,15 @@
           </p:nvSpPr>
           <p:spPr>
             <a:xfrm>
-              <a:off x="58707" y="1283534"/>
+              <a:off x="51292" y="1320181"/>
               <a:ext cx="639919" cy="230832"/>
             </a:xfrm>
             <a:prstGeom prst="rect">
               <a:avLst/>
             </a:prstGeom>
+            <a:ln>
+              <a:noFill/>
+            </a:ln>
           </p:spPr>
           <p:txBody>
             <a:bodyPr wrap="none" lIns="91440" tIns="45720" rIns="91440" bIns="45720">
@@ -4291,10 +4265,18 @@
             <a:lstStyle/>
             <a:p>
               <a:r>
-                <a:rPr lang="en-US" sz="900" dirty="0" err="1" smtClean="0"/>
+                <a:rPr lang="en-US" sz="900" dirty="0" err="1" smtClean="0">
+                  <a:solidFill>
+                    <a:srgbClr val="0070C0"/>
+                  </a:solidFill>
+                </a:rPr>
                 <a:t>modelRef</a:t>
               </a:r>
-              <a:endParaRPr lang="en-US" sz="900" dirty="0"/>
+              <a:endParaRPr lang="en-US" sz="900" dirty="0">
+                <a:solidFill>
+                  <a:srgbClr val="0070C0"/>
+                </a:solidFill>
+              </a:endParaRPr>
             </a:p>
           </p:txBody>
         </p:sp>
@@ -4306,7 +4288,7 @@
           </p:nvSpPr>
           <p:spPr>
             <a:xfrm>
-              <a:off x="386236" y="3367880"/>
+              <a:off x="378821" y="3404527"/>
               <a:ext cx="1648969" cy="472281"/>
             </a:xfrm>
             <a:prstGeom prst="rect">
@@ -4315,7 +4297,7 @@
             <a:noFill/>
             <a:ln w="6350">
               <a:solidFill>
-                <a:srgbClr val="002060"/>
+                <a:srgbClr val="0070C0"/>
               </a:solidFill>
             </a:ln>
           </p:spPr>
@@ -4343,7 +4325,7 @@
               <a:r>
                 <a:rPr lang="en-US" sz="1100" b="1" dirty="0" smtClean="0">
                   <a:solidFill>
-                    <a:schemeClr val="tx1"/>
+                    <a:srgbClr val="0070C0"/>
                   </a:solidFill>
                 </a:rPr>
                 <a:t>Deletion</a:t>
@@ -4353,7 +4335,7 @@
               <a:r>
                 <a:rPr lang="en-US" sz="900" dirty="0">
                   <a:solidFill>
-                    <a:schemeClr val="tx1"/>
+                    <a:srgbClr val="0070C0"/>
                   </a:solidFill>
                 </a:rPr>
                 <a:t>id: </a:t>
@@ -4361,7 +4343,7 @@
               <a:r>
                 <a:rPr lang="en-US" sz="900" dirty="0" err="1" smtClean="0">
                   <a:solidFill>
-                    <a:schemeClr val="tx1"/>
+                    <a:srgbClr val="0070C0"/>
                   </a:solidFill>
                 </a:rPr>
                 <a:t>SId</a:t>
@@ -4369,7 +4351,7 @@
               <a:r>
                 <a:rPr lang="en-US" sz="900" dirty="0" smtClean="0">
                   <a:solidFill>
-                    <a:schemeClr val="tx1"/>
+                    <a:srgbClr val="0070C0"/>
                   </a:solidFill>
                 </a:rPr>
                 <a:t> </a:t>
@@ -4377,7 +4359,7 @@
               <a:r>
                 <a:rPr lang="en-US" sz="900" dirty="0">
                   <a:solidFill>
-                    <a:schemeClr val="tx1"/>
+                    <a:srgbClr val="0070C0"/>
                   </a:solidFill>
                 </a:rPr>
                 <a:t>{use=“optional</a:t>
@@ -4385,14 +4367,14 @@
               <a:r>
                 <a:rPr lang="en-US" sz="900" dirty="0" smtClean="0">
                   <a:solidFill>
-                    <a:schemeClr val="tx1"/>
+                    <a:srgbClr val="0070C0"/>
                   </a:solidFill>
                 </a:rPr>
                 <a:t>”}</a:t>
               </a:r>
               <a:endParaRPr lang="en-US" sz="900" dirty="0">
                 <a:solidFill>
-                  <a:schemeClr val="tx1"/>
+                  <a:srgbClr val="0070C0"/>
                 </a:solidFill>
               </a:endParaRPr>
             </a:p>
@@ -4406,12 +4388,15 @@
           </p:nvSpPr>
           <p:spPr>
             <a:xfrm>
-              <a:off x="141927" y="3027457"/>
+              <a:off x="134512" y="3064104"/>
               <a:ext cx="575799" cy="369332"/>
             </a:xfrm>
             <a:prstGeom prst="rect">
               <a:avLst/>
             </a:prstGeom>
+            <a:ln>
+              <a:noFill/>
+            </a:ln>
           </p:spPr>
           <p:txBody>
             <a:bodyPr wrap="none" lIns="91440" tIns="45720" rIns="91440" bIns="45720">
@@ -4420,14 +4405,26 @@
             <a:lstStyle/>
             <a:p>
               <a:r>
-                <a:rPr lang="en-US" sz="900" dirty="0" smtClean="0"/>
+                <a:rPr lang="en-US" sz="900" dirty="0" smtClean="0">
+                  <a:solidFill>
+                    <a:srgbClr val="0070C0"/>
+                  </a:solidFill>
+                </a:rPr>
                 <a:t>deletion</a:t>
               </a:r>
-              <a:endParaRPr lang="en-US" sz="900" dirty="0"/>
+              <a:endParaRPr lang="en-US" sz="900" dirty="0">
+                <a:solidFill>
+                  <a:srgbClr val="0070C0"/>
+                </a:solidFill>
+              </a:endParaRPr>
             </a:p>
             <a:p>
               <a:r>
-                <a:rPr lang="en-US" sz="900" dirty="0"/>
+                <a:rPr lang="en-US" sz="900" dirty="0">
+                  <a:solidFill>
+                    <a:srgbClr val="0070C0"/>
+                  </a:solidFill>
+                </a:rPr>
                 <a:t>0,…,*</a:t>
               </a:r>
             </a:p>
@@ -4444,7 +4441,7 @@
           </p:nvCxnSpPr>
           <p:spPr>
             <a:xfrm flipV="1">
-              <a:off x="1948878" y="531301"/>
+              <a:off x="1941463" y="567948"/>
               <a:ext cx="1756002" cy="1357024"/>
             </a:xfrm>
             <a:prstGeom prst="bentConnector2">
@@ -4452,7 +4449,7 @@
             </a:prstGeom>
             <a:ln w="6350">
               <a:solidFill>
-                <a:schemeClr val="tx1"/>
+                <a:srgbClr val="0070C0"/>
               </a:solidFill>
             </a:ln>
           </p:spPr>
@@ -4482,7 +4479,7 @@
           </p:nvCxnSpPr>
           <p:spPr>
             <a:xfrm flipV="1">
-              <a:off x="3439768" y="531301"/>
+              <a:off x="3432353" y="567948"/>
               <a:ext cx="265112" cy="2572133"/>
             </a:xfrm>
             <a:prstGeom prst="bentConnector2">
@@ -4490,7 +4487,7 @@
             </a:prstGeom>
             <a:ln w="6350">
               <a:solidFill>
-                <a:schemeClr val="tx1"/>
+                <a:srgbClr val="0070C0"/>
               </a:solidFill>
             </a:ln>
           </p:spPr>
@@ -4517,7 +4514,7 @@
           </p:nvGrpSpPr>
           <p:grpSpPr>
             <a:xfrm>
-              <a:off x="162625" y="2625999"/>
+              <a:off x="155210" y="2662646"/>
               <a:ext cx="1489673" cy="459579"/>
               <a:chOff x="162625" y="2625999"/>
               <a:chExt cx="1489673" cy="459579"/>
@@ -4540,7 +4537,7 @@
               <a:noFill/>
               <a:ln w="6350">
                 <a:solidFill>
-                  <a:srgbClr val="002060"/>
+                  <a:srgbClr val="0070C0"/>
                 </a:solidFill>
               </a:ln>
             </p:spPr>
@@ -4568,14 +4565,14 @@
                 <a:r>
                   <a:rPr lang="en-US" sz="1100" b="1" dirty="0" err="1" smtClean="0">
                     <a:solidFill>
-                      <a:schemeClr val="tx1"/>
+                      <a:srgbClr val="0070C0"/>
                     </a:solidFill>
                   </a:rPr>
                   <a:t>ListOfDeletions</a:t>
                 </a:r>
                 <a:endParaRPr lang="en-US" sz="1100" b="1" dirty="0">
                   <a:solidFill>
-                    <a:schemeClr val="tx1"/>
+                    <a:srgbClr val="0070C0"/>
                   </a:solidFill>
                 </a:endParaRPr>
               </a:p>
@@ -4596,11 +4593,11 @@
                 <a:avLst/>
               </a:prstGeom>
               <a:solidFill>
-                <a:schemeClr val="tx1"/>
+                <a:srgbClr val="0070C0"/>
               </a:solidFill>
               <a:ln w="6350">
                 <a:solidFill>
-                  <a:schemeClr val="tx1"/>
+                  <a:srgbClr val="0070C0"/>
                 </a:solidFill>
               </a:ln>
             </p:spPr>
@@ -4625,7 +4622,11 @@
               <a:lstStyle/>
               <a:p>
                 <a:pPr algn="ctr"/>
-                <a:endParaRPr lang="en-US"/>
+                <a:endParaRPr lang="en-US">
+                  <a:solidFill>
+                    <a:srgbClr val="0070C0"/>
+                  </a:solidFill>
+                </a:endParaRPr>
               </a:p>
             </p:txBody>
           </p:sp>
@@ -4641,7 +4642,7 @@
           </p:nvCxnSpPr>
           <p:spPr>
             <a:xfrm flipV="1">
-              <a:off x="2863392" y="531301"/>
+              <a:off x="2855977" y="567948"/>
               <a:ext cx="841488" cy="132815"/>
             </a:xfrm>
             <a:prstGeom prst="bentConnector2">
@@ -4649,7 +4650,7 @@
             </a:prstGeom>
             <a:ln w="6350">
               <a:solidFill>
-                <a:schemeClr val="tx1"/>
+                <a:srgbClr val="0070C0"/>
               </a:solidFill>
             </a:ln>
           </p:spPr>
@@ -4676,7 +4677,7 @@
           </p:nvGrpSpPr>
           <p:grpSpPr>
             <a:xfrm>
-              <a:off x="195272" y="1551775"/>
+              <a:off x="187857" y="1588422"/>
               <a:ext cx="1753606" cy="673100"/>
               <a:chOff x="195272" y="1551775"/>
               <a:chExt cx="1753606" cy="673100"/>
@@ -4699,7 +4700,7 @@
               <a:noFill/>
               <a:ln w="6350">
                 <a:solidFill>
-                  <a:srgbClr val="002060"/>
+                  <a:srgbClr val="0070C0"/>
                 </a:solidFill>
               </a:ln>
             </p:spPr>
@@ -4727,38 +4728,30 @@
                 <a:r>
                   <a:rPr lang="en-US" sz="1100" b="1" dirty="0" err="1" smtClean="0">
                     <a:solidFill>
-                      <a:schemeClr val="tx1"/>
+                      <a:srgbClr val="0070C0"/>
                     </a:solidFill>
                   </a:rPr>
                   <a:t>ModelRef</a:t>
                 </a:r>
                 <a:endParaRPr lang="en-US" sz="1100" b="1" dirty="0" smtClean="0">
                   <a:solidFill>
-                    <a:schemeClr val="tx1"/>
+                    <a:srgbClr val="0070C0"/>
                   </a:solidFill>
                 </a:endParaRPr>
               </a:p>
               <a:p>
                 <a:r>
-                  <a:rPr lang="en-US" sz="900" dirty="0" err="1" smtClean="0">
+                  <a:rPr lang="en-US" sz="900" dirty="0" smtClean="0">
                     <a:solidFill>
-                      <a:schemeClr val="tx1"/>
+                      <a:srgbClr val="0070C0"/>
                     </a:solidFill>
                   </a:rPr>
-                  <a:t>modelID</a:t>
-                </a:r>
-                <a:r>
-                  <a:rPr lang="en-US" sz="900" dirty="0" smtClean="0">
-                    <a:solidFill>
-                      <a:schemeClr val="tx1"/>
-                    </a:solidFill>
-                  </a:rPr>
-                  <a:t>: </a:t>
+                  <a:t>model: </a:t>
                 </a:r>
                 <a:r>
                   <a:rPr lang="en-US" sz="900" dirty="0" err="1" smtClean="0">
                     <a:solidFill>
-                      <a:schemeClr val="tx1"/>
+                      <a:srgbClr val="0070C0"/>
                     </a:solidFill>
                   </a:rPr>
                   <a:t>SIdRef</a:t>
@@ -4766,25 +4759,17 @@
                 <a:r>
                   <a:rPr lang="en-US" sz="900" dirty="0" smtClean="0">
                     <a:solidFill>
-                      <a:schemeClr val="tx1"/>
+                      <a:srgbClr val="0070C0"/>
                     </a:solidFill>
                   </a:rPr>
-                  <a:t> </a:t>
-                </a:r>
-                <a:r>
-                  <a:rPr lang="en-US" sz="900" dirty="0" smtClean="0">
-                    <a:solidFill>
-                      <a:schemeClr val="tx1"/>
-                    </a:solidFill>
-                  </a:rPr>
-                  <a:t>{use=“optional”}</a:t>
+                  <a:t> {use=“optional”}</a:t>
                 </a:r>
               </a:p>
               <a:p>
                 <a:r>
                   <a:rPr lang="en-US" sz="900" dirty="0" err="1" smtClean="0">
                     <a:solidFill>
-                      <a:schemeClr val="tx1"/>
+                      <a:srgbClr val="0070C0"/>
                     </a:solidFill>
                   </a:rPr>
                   <a:t>xlink:href</a:t>
@@ -4792,7 +4777,7 @@
                 <a:r>
                   <a:rPr lang="en-US" sz="900" dirty="0" smtClean="0">
                     <a:solidFill>
-                      <a:schemeClr val="tx1"/>
+                      <a:srgbClr val="0070C0"/>
                     </a:solidFill>
                   </a:rPr>
                   <a:t>: string {use=“optional”}</a:t>
@@ -4802,14 +4787,14 @@
                 <a:r>
                   <a:rPr lang="en-US" sz="900" dirty="0" smtClean="0">
                     <a:solidFill>
-                      <a:schemeClr val="tx1"/>
+                      <a:srgbClr val="0070C0"/>
                     </a:solidFill>
                   </a:rPr>
                   <a:t>md5: string {use=“optional”}</a:t>
                 </a:r>
                 <a:endParaRPr lang="en-US" sz="900" dirty="0">
                   <a:solidFill>
-                    <a:schemeClr val="tx1"/>
+                    <a:srgbClr val="0070C0"/>
                   </a:solidFill>
                 </a:endParaRPr>
               </a:p>
@@ -4831,7 +4816,7 @@
               </a:prstGeom>
               <a:ln w="6350">
                 <a:solidFill>
-                  <a:schemeClr val="tx1"/>
+                  <a:srgbClr val="0070C0"/>
                 </a:solidFill>
               </a:ln>
             </p:spPr>
@@ -4859,7 +4844,7 @@
           </p:nvSpPr>
           <p:spPr>
             <a:xfrm>
-              <a:off x="2489787" y="2951034"/>
+              <a:off x="2482372" y="2987681"/>
               <a:ext cx="949981" cy="304800"/>
             </a:xfrm>
             <a:prstGeom prst="rect">
@@ -4868,7 +4853,7 @@
             <a:noFill/>
             <a:ln w="6350">
               <a:solidFill>
-                <a:srgbClr val="002060"/>
+                <a:srgbClr val="0070C0"/>
               </a:solidFill>
             </a:ln>
           </p:spPr>
@@ -4896,14 +4881,14 @@
               <a:r>
                 <a:rPr lang="en-US" sz="1100" b="1" dirty="0" err="1" smtClean="0">
                   <a:solidFill>
-                    <a:schemeClr val="tx1"/>
+                    <a:srgbClr val="0070C0"/>
                   </a:solidFill>
                 </a:rPr>
                 <a:t>Subelement</a:t>
               </a:r>
               <a:endParaRPr lang="en-US" sz="1100" b="1" dirty="0">
                 <a:solidFill>
-                  <a:schemeClr val="tx1"/>
+                  <a:srgbClr val="0070C0"/>
                 </a:solidFill>
               </a:endParaRPr>
             </a:p>
@@ -4917,7 +4902,7 @@
           </p:nvSpPr>
           <p:spPr>
             <a:xfrm>
-              <a:off x="2885177" y="3255834"/>
+              <a:off x="2877762" y="3292481"/>
               <a:ext cx="159199" cy="114300"/>
             </a:xfrm>
             <a:prstGeom prst="triangle">
@@ -4926,7 +4911,7 @@
             <a:noFill/>
             <a:ln w="6350">
               <a:solidFill>
-                <a:srgbClr val="002060"/>
+                <a:srgbClr val="0070C0"/>
               </a:solidFill>
             </a:ln>
           </p:spPr>
@@ -4953,7 +4938,7 @@
               <a:pPr algn="ctr"/>
               <a:endParaRPr lang="en-US" sz="1100" b="1" dirty="0">
                 <a:solidFill>
-                  <a:schemeClr val="tx1"/>
+                  <a:srgbClr val="0070C0"/>
                 </a:solidFill>
               </a:endParaRPr>
             </a:p>
@@ -4970,7 +4955,7 @@
           </p:nvCxnSpPr>
           <p:spPr>
             <a:xfrm flipV="1">
-              <a:off x="2035205" y="3370134"/>
+              <a:off x="2027790" y="3406781"/>
               <a:ext cx="929572" cy="233887"/>
             </a:xfrm>
             <a:prstGeom prst="bentConnector2">
@@ -4978,7 +4963,7 @@
             </a:prstGeom>
             <a:ln w="6350">
               <a:solidFill>
-                <a:schemeClr val="tx1"/>
+                <a:srgbClr val="0070C0"/>
               </a:solidFill>
             </a:ln>
           </p:spPr>
@@ -5005,7 +4990,7 @@
           </p:nvCxnSpPr>
           <p:spPr>
             <a:xfrm>
-              <a:off x="386236" y="3558300"/>
+              <a:off x="378821" y="3594947"/>
               <a:ext cx="1648969" cy="0"/>
             </a:xfrm>
             <a:prstGeom prst="line">
@@ -5013,7 +4998,7 @@
             </a:prstGeom>
             <a:ln w="6350">
               <a:solidFill>
-                <a:schemeClr val="tx1"/>
+                <a:srgbClr val="0070C0"/>
               </a:solidFill>
             </a:ln>
           </p:spPr>

--- a/sbml-level-3/version-1/comp/Submodel.pptx
+++ b/sbml-level-3/version-1/comp/Submodel.pptx
@@ -192,7 +192,7 @@
           <a:p>
             <a:fld id="{7754A941-C6C2-4027-B1F4-A5E937B2245F}" type="datetimeFigureOut">
               <a:rPr lang="en-US" smtClean="0"/>
-              <a:t>9/28/2010</a:t>
+              <a:t>9/30/2010</a:t>
             </a:fld>
             <a:endParaRPr lang="en-US"/>
           </a:p>
@@ -730,7 +730,7 @@
           <a:p>
             <a:fld id="{F0172217-DC24-48CD-AE89-68C8C8D878B4}" type="datetimeFigureOut">
               <a:rPr lang="en-US" smtClean="0"/>
-              <a:t>9/28/2010</a:t>
+              <a:t>9/30/2010</a:t>
             </a:fld>
             <a:endParaRPr lang="en-US"/>
           </a:p>
@@ -900,7 +900,7 @@
           <a:p>
             <a:fld id="{F0172217-DC24-48CD-AE89-68C8C8D878B4}" type="datetimeFigureOut">
               <a:rPr lang="en-US" smtClean="0"/>
-              <a:t>9/28/2010</a:t>
+              <a:t>9/30/2010</a:t>
             </a:fld>
             <a:endParaRPr lang="en-US"/>
           </a:p>
@@ -1080,7 +1080,7 @@
           <a:p>
             <a:fld id="{F0172217-DC24-48CD-AE89-68C8C8D878B4}" type="datetimeFigureOut">
               <a:rPr lang="en-US" smtClean="0"/>
-              <a:t>9/28/2010</a:t>
+              <a:t>9/30/2010</a:t>
             </a:fld>
             <a:endParaRPr lang="en-US"/>
           </a:p>
@@ -1250,7 +1250,7 @@
           <a:p>
             <a:fld id="{F0172217-DC24-48CD-AE89-68C8C8D878B4}" type="datetimeFigureOut">
               <a:rPr lang="en-US" smtClean="0"/>
-              <a:t>9/28/2010</a:t>
+              <a:t>9/30/2010</a:t>
             </a:fld>
             <a:endParaRPr lang="en-US"/>
           </a:p>
@@ -1496,7 +1496,7 @@
           <a:p>
             <a:fld id="{F0172217-DC24-48CD-AE89-68C8C8D878B4}" type="datetimeFigureOut">
               <a:rPr lang="en-US" smtClean="0"/>
-              <a:t>9/28/2010</a:t>
+              <a:t>9/30/2010</a:t>
             </a:fld>
             <a:endParaRPr lang="en-US"/>
           </a:p>
@@ -1784,7 +1784,7 @@
           <a:p>
             <a:fld id="{F0172217-DC24-48CD-AE89-68C8C8D878B4}" type="datetimeFigureOut">
               <a:rPr lang="en-US" smtClean="0"/>
-              <a:t>9/28/2010</a:t>
+              <a:t>9/30/2010</a:t>
             </a:fld>
             <a:endParaRPr lang="en-US"/>
           </a:p>
@@ -2206,7 +2206,7 @@
           <a:p>
             <a:fld id="{F0172217-DC24-48CD-AE89-68C8C8D878B4}" type="datetimeFigureOut">
               <a:rPr lang="en-US" smtClean="0"/>
-              <a:t>9/28/2010</a:t>
+              <a:t>9/30/2010</a:t>
             </a:fld>
             <a:endParaRPr lang="en-US"/>
           </a:p>
@@ -2324,7 +2324,7 @@
           <a:p>
             <a:fld id="{F0172217-DC24-48CD-AE89-68C8C8D878B4}" type="datetimeFigureOut">
               <a:rPr lang="en-US" smtClean="0"/>
-              <a:t>9/28/2010</a:t>
+              <a:t>9/30/2010</a:t>
             </a:fld>
             <a:endParaRPr lang="en-US"/>
           </a:p>
@@ -2419,7 +2419,7 @@
           <a:p>
             <a:fld id="{F0172217-DC24-48CD-AE89-68C8C8D878B4}" type="datetimeFigureOut">
               <a:rPr lang="en-US" smtClean="0"/>
-              <a:t>9/28/2010</a:t>
+              <a:t>9/30/2010</a:t>
             </a:fld>
             <a:endParaRPr lang="en-US"/>
           </a:p>
@@ -2696,7 +2696,7 @@
           <a:p>
             <a:fld id="{F0172217-DC24-48CD-AE89-68C8C8D878B4}" type="datetimeFigureOut">
               <a:rPr lang="en-US" smtClean="0"/>
-              <a:t>9/28/2010</a:t>
+              <a:t>9/30/2010</a:t>
             </a:fld>
             <a:endParaRPr lang="en-US"/>
           </a:p>
@@ -2949,7 +2949,7 @@
           <a:p>
             <a:fld id="{F0172217-DC24-48CD-AE89-68C8C8D878B4}" type="datetimeFigureOut">
               <a:rPr lang="en-US" smtClean="0"/>
-              <a:t>9/28/2010</a:t>
+              <a:t>9/30/2010</a:t>
             </a:fld>
             <a:endParaRPr lang="en-US"/>
           </a:p>
@@ -3162,7 +3162,7 @@
           <a:p>
             <a:fld id="{F0172217-DC24-48CD-AE89-68C8C8D878B4}" type="datetimeFigureOut">
               <a:rPr lang="en-US" smtClean="0"/>
-              <a:t>9/28/2010</a:t>
+              <a:t>9/30/2010</a:t>
             </a:fld>
             <a:endParaRPr lang="en-US"/>
           </a:p>
@@ -3537,1315 +3537,1002 @@
           <a:chExt cx="0" cy="0"/>
         </a:xfrm>
       </p:grpSpPr>
+      <p:cxnSp>
+        <p:nvCxnSpPr>
+          <p:cNvPr id="31" name="Straight Connector 30"/>
+          <p:cNvCxnSpPr/>
+          <p:nvPr/>
+        </p:nvCxnSpPr>
+        <p:spPr>
+          <a:xfrm>
+            <a:off x="91207" y="285229"/>
+            <a:ext cx="2764770" cy="0"/>
+          </a:xfrm>
+          <a:prstGeom prst="line">
+            <a:avLst/>
+          </a:prstGeom>
+          <a:ln w="6350">
+            <a:solidFill>
+              <a:srgbClr val="0070C0"/>
+            </a:solidFill>
+          </a:ln>
+        </p:spPr>
+        <p:style>
+          <a:lnRef idx="1">
+            <a:schemeClr val="accent1"/>
+          </a:lnRef>
+          <a:fillRef idx="0">
+            <a:schemeClr val="accent1"/>
+          </a:fillRef>
+          <a:effectRef idx="0">
+            <a:schemeClr val="accent1"/>
+          </a:effectRef>
+          <a:fontRef idx="minor">
+            <a:schemeClr val="tx1"/>
+          </a:fontRef>
+        </p:style>
+      </p:cxnSp>
+      <p:sp>
+        <p:nvSpPr>
+          <p:cNvPr id="33" name="Rectangle 32"/>
+          <p:cNvSpPr/>
+          <p:nvPr/>
+        </p:nvSpPr>
+        <p:spPr>
+          <a:xfrm>
+            <a:off x="91207" y="84619"/>
+            <a:ext cx="2764770" cy="1174265"/>
+          </a:xfrm>
+          <a:prstGeom prst="rect">
+            <a:avLst/>
+          </a:prstGeom>
+          <a:noFill/>
+          <a:ln w="6350">
+            <a:solidFill>
+              <a:srgbClr val="0070C0"/>
+            </a:solidFill>
+          </a:ln>
+        </p:spPr>
+        <p:style>
+          <a:lnRef idx="2">
+            <a:schemeClr val="accent1">
+              <a:shade val="50000"/>
+            </a:schemeClr>
+          </a:lnRef>
+          <a:fillRef idx="1">
+            <a:schemeClr val="accent1"/>
+          </a:fillRef>
+          <a:effectRef idx="0">
+            <a:schemeClr val="accent1"/>
+          </a:effectRef>
+          <a:fontRef idx="minor">
+            <a:schemeClr val="lt1"/>
+          </a:fontRef>
+        </p:style>
+        <p:txBody>
+          <a:bodyPr rtlCol="0" anchor="t"/>
+          <a:lstStyle/>
+          <a:p>
+            <a:pPr algn="ctr"/>
+            <a:r>
+              <a:rPr lang="en-US" sz="1100" b="1" dirty="0" smtClean="0">
+                <a:solidFill>
+                  <a:srgbClr val="0070C0"/>
+                </a:solidFill>
+              </a:rPr>
+              <a:t>Submodel</a:t>
+            </a:r>
+            <a:endParaRPr lang="en-US" sz="1100" b="1" dirty="0">
+              <a:solidFill>
+                <a:srgbClr val="0070C0"/>
+              </a:solidFill>
+            </a:endParaRPr>
+          </a:p>
+          <a:p>
+            <a:r>
+              <a:rPr lang="en-US" sz="900" dirty="0" smtClean="0">
+                <a:solidFill>
+                  <a:srgbClr val="0070C0"/>
+                </a:solidFill>
+              </a:rPr>
+              <a:t>id: </a:t>
+            </a:r>
+            <a:r>
+              <a:rPr lang="en-US" sz="900" dirty="0" err="1" smtClean="0">
+                <a:solidFill>
+                  <a:srgbClr val="0070C0"/>
+                </a:solidFill>
+              </a:rPr>
+              <a:t>SId</a:t>
+            </a:r>
+            <a:r>
+              <a:rPr lang="en-US" sz="900" dirty="0" smtClean="0">
+                <a:solidFill>
+                  <a:srgbClr val="0070C0"/>
+                </a:solidFill>
+              </a:rPr>
+              <a:t> {use=“optional”}</a:t>
+            </a:r>
+          </a:p>
+          <a:p>
+            <a:r>
+              <a:rPr lang="en-US" sz="900" dirty="0" err="1">
+                <a:solidFill>
+                  <a:srgbClr val="0070C0"/>
+                </a:solidFill>
+              </a:rPr>
+              <a:t>lengthConversionFactor</a:t>
+            </a:r>
+            <a:r>
+              <a:rPr lang="en-US" sz="900" dirty="0">
+                <a:solidFill>
+                  <a:srgbClr val="0070C0"/>
+                </a:solidFill>
+              </a:rPr>
+              <a:t>: </a:t>
+            </a:r>
+            <a:r>
+              <a:rPr lang="en-US" sz="900" dirty="0" err="1">
+                <a:solidFill>
+                  <a:srgbClr val="0070C0"/>
+                </a:solidFill>
+              </a:rPr>
+              <a:t>SIdRef</a:t>
+            </a:r>
+            <a:r>
+              <a:rPr lang="en-US" sz="900" dirty="0">
+                <a:solidFill>
+                  <a:srgbClr val="0070C0"/>
+                </a:solidFill>
+              </a:rPr>
+              <a:t> {use=“optional”}</a:t>
+            </a:r>
+          </a:p>
+          <a:p>
+            <a:r>
+              <a:rPr lang="en-US" sz="900" dirty="0" err="1">
+                <a:solidFill>
+                  <a:srgbClr val="0070C0"/>
+                </a:solidFill>
+              </a:rPr>
+              <a:t>volumeConversionFactor</a:t>
+            </a:r>
+            <a:r>
+              <a:rPr lang="en-US" sz="900" dirty="0">
+                <a:solidFill>
+                  <a:srgbClr val="0070C0"/>
+                </a:solidFill>
+              </a:rPr>
+              <a:t>: </a:t>
+            </a:r>
+            <a:r>
+              <a:rPr lang="en-US" sz="900" dirty="0" err="1">
+                <a:solidFill>
+                  <a:srgbClr val="0070C0"/>
+                </a:solidFill>
+              </a:rPr>
+              <a:t>SIdRef</a:t>
+            </a:r>
+            <a:r>
+              <a:rPr lang="en-US" sz="900" dirty="0">
+                <a:solidFill>
+                  <a:srgbClr val="0070C0"/>
+                </a:solidFill>
+              </a:rPr>
+              <a:t> {use=“optional”}</a:t>
+            </a:r>
+          </a:p>
+          <a:p>
+            <a:r>
+              <a:rPr lang="en-US" sz="900" dirty="0" err="1" smtClean="0">
+                <a:solidFill>
+                  <a:srgbClr val="0070C0"/>
+                </a:solidFill>
+              </a:rPr>
+              <a:t>areaConversionFactor</a:t>
+            </a:r>
+            <a:r>
+              <a:rPr lang="en-US" sz="900" dirty="0" smtClean="0">
+                <a:solidFill>
+                  <a:srgbClr val="0070C0"/>
+                </a:solidFill>
+              </a:rPr>
+              <a:t>: </a:t>
+            </a:r>
+            <a:r>
+              <a:rPr lang="en-US" sz="900" dirty="0" err="1" smtClean="0">
+                <a:solidFill>
+                  <a:srgbClr val="0070C0"/>
+                </a:solidFill>
+              </a:rPr>
+              <a:t>SIdRef</a:t>
+            </a:r>
+            <a:r>
+              <a:rPr lang="en-US" sz="900" dirty="0" smtClean="0">
+                <a:solidFill>
+                  <a:srgbClr val="0070C0"/>
+                </a:solidFill>
+              </a:rPr>
+              <a:t> {use=“optional”}</a:t>
+            </a:r>
+          </a:p>
+          <a:p>
+            <a:r>
+              <a:rPr lang="en-US" sz="900" dirty="0" err="1" smtClean="0">
+                <a:solidFill>
+                  <a:srgbClr val="0070C0"/>
+                </a:solidFill>
+              </a:rPr>
+              <a:t>substanceConversionFactor</a:t>
+            </a:r>
+            <a:r>
+              <a:rPr lang="en-US" sz="900" dirty="0" smtClean="0">
+                <a:solidFill>
+                  <a:srgbClr val="0070C0"/>
+                </a:solidFill>
+              </a:rPr>
+              <a:t>: </a:t>
+            </a:r>
+            <a:r>
+              <a:rPr lang="en-US" sz="900" dirty="0" err="1" smtClean="0">
+                <a:solidFill>
+                  <a:srgbClr val="0070C0"/>
+                </a:solidFill>
+              </a:rPr>
+              <a:t>SIdRef</a:t>
+            </a:r>
+            <a:r>
+              <a:rPr lang="en-US" sz="900" dirty="0" smtClean="0">
+                <a:solidFill>
+                  <a:srgbClr val="0070C0"/>
+                </a:solidFill>
+              </a:rPr>
+              <a:t> {use=“optional”}</a:t>
+            </a:r>
+          </a:p>
+          <a:p>
+            <a:r>
+              <a:rPr lang="en-US" sz="900" dirty="0" err="1" smtClean="0">
+                <a:solidFill>
+                  <a:srgbClr val="0070C0"/>
+                </a:solidFill>
+              </a:rPr>
+              <a:t>timeConversionFactor</a:t>
+            </a:r>
+            <a:r>
+              <a:rPr lang="en-US" sz="900" dirty="0" smtClean="0">
+                <a:solidFill>
+                  <a:srgbClr val="0070C0"/>
+                </a:solidFill>
+              </a:rPr>
+              <a:t>: </a:t>
+            </a:r>
+            <a:r>
+              <a:rPr lang="en-US" sz="900" dirty="0" err="1" smtClean="0">
+                <a:solidFill>
+                  <a:srgbClr val="0070C0"/>
+                </a:solidFill>
+              </a:rPr>
+              <a:t>SIdRef</a:t>
+            </a:r>
+            <a:r>
+              <a:rPr lang="en-US" sz="900" dirty="0" smtClean="0">
+                <a:solidFill>
+                  <a:srgbClr val="0070C0"/>
+                </a:solidFill>
+              </a:rPr>
+              <a:t> {use=“optional</a:t>
+            </a:r>
+            <a:r>
+              <a:rPr lang="en-US" sz="900" dirty="0" smtClean="0">
+                <a:solidFill>
+                  <a:srgbClr val="0070C0"/>
+                </a:solidFill>
+              </a:rPr>
+              <a:t>”}</a:t>
+            </a:r>
+          </a:p>
+          <a:p>
+            <a:r>
+              <a:rPr lang="en-US" sz="900" dirty="0" err="1" smtClean="0">
+                <a:solidFill>
+                  <a:srgbClr val="0070C0"/>
+                </a:solidFill>
+              </a:rPr>
+              <a:t>extentConversionFactor</a:t>
+            </a:r>
+            <a:r>
+              <a:rPr lang="en-US" sz="900" dirty="0" smtClean="0">
+                <a:solidFill>
+                  <a:srgbClr val="0070C0"/>
+                </a:solidFill>
+              </a:rPr>
+              <a:t>: </a:t>
+            </a:r>
+            <a:r>
+              <a:rPr lang="en-US" sz="900" dirty="0" err="1" smtClean="0">
+                <a:solidFill>
+                  <a:srgbClr val="0070C0"/>
+                </a:solidFill>
+              </a:rPr>
+              <a:t>SIdRef</a:t>
+            </a:r>
+            <a:r>
+              <a:rPr lang="en-US" sz="900" dirty="0" smtClean="0">
+                <a:solidFill>
+                  <a:srgbClr val="0070C0"/>
+                </a:solidFill>
+              </a:rPr>
+              <a:t> {use=“optional”}</a:t>
+            </a:r>
+            <a:endParaRPr lang="en-US" sz="900" dirty="0" smtClean="0">
+              <a:solidFill>
+                <a:srgbClr val="0070C0"/>
+              </a:solidFill>
+            </a:endParaRPr>
+          </a:p>
+          <a:p>
+            <a:endParaRPr lang="en-US" sz="900" dirty="0">
+              <a:solidFill>
+                <a:srgbClr val="0070C0"/>
+              </a:solidFill>
+            </a:endParaRPr>
+          </a:p>
+        </p:txBody>
+      </p:sp>
+      <p:sp>
+        <p:nvSpPr>
+          <p:cNvPr id="34" name="Diamond 33"/>
+          <p:cNvSpPr/>
+          <p:nvPr/>
+        </p:nvSpPr>
+        <p:spPr>
+          <a:xfrm>
+            <a:off x="57847" y="1261265"/>
+            <a:ext cx="66869" cy="167916"/>
+          </a:xfrm>
+          <a:prstGeom prst="diamond">
+            <a:avLst/>
+          </a:prstGeom>
+          <a:solidFill>
+            <a:srgbClr val="0070C0"/>
+          </a:solidFill>
+          <a:ln w="6350">
+            <a:solidFill>
+              <a:srgbClr val="0070C0"/>
+            </a:solidFill>
+          </a:ln>
+        </p:spPr>
+        <p:style>
+          <a:lnRef idx="2">
+            <a:schemeClr val="accent1">
+              <a:shade val="50000"/>
+            </a:schemeClr>
+          </a:lnRef>
+          <a:fillRef idx="1">
+            <a:schemeClr val="accent1"/>
+          </a:fillRef>
+          <a:effectRef idx="0">
+            <a:schemeClr val="accent1"/>
+          </a:effectRef>
+          <a:fontRef idx="minor">
+            <a:schemeClr val="lt1"/>
+          </a:fontRef>
+        </p:style>
+        <p:txBody>
+          <a:bodyPr lIns="91440" tIns="45720" rIns="91440" bIns="45720" spcCol="0" rtlCol="0" anchor="ctr"/>
+          <a:lstStyle/>
+          <a:p>
+            <a:pPr algn="ctr"/>
+            <a:endParaRPr lang="en-US">
+              <a:solidFill>
+                <a:srgbClr val="0070C0"/>
+              </a:solidFill>
+            </a:endParaRPr>
+          </a:p>
+        </p:txBody>
+      </p:sp>
+      <p:cxnSp>
+        <p:nvCxnSpPr>
+          <p:cNvPr id="35" name="Elbow Connector 34"/>
+          <p:cNvCxnSpPr>
+            <a:stCxn id="34" idx="2"/>
+            <a:endCxn id="53" idx="0"/>
+          </p:cNvCxnSpPr>
+          <p:nvPr/>
+        </p:nvCxnSpPr>
+        <p:spPr>
+          <a:xfrm rot="16200000" flipH="1">
+            <a:off x="498351" y="1022112"/>
+            <a:ext cx="159241" cy="973378"/>
+          </a:xfrm>
+          <a:prstGeom prst="bentConnector3">
+            <a:avLst>
+              <a:gd name="adj1" fmla="val 50000"/>
+            </a:avLst>
+          </a:prstGeom>
+          <a:ln w="6350">
+            <a:solidFill>
+              <a:srgbClr val="0070C0"/>
+            </a:solidFill>
+          </a:ln>
+        </p:spPr>
+        <p:style>
+          <a:lnRef idx="1">
+            <a:schemeClr val="accent1"/>
+          </a:lnRef>
+          <a:fillRef idx="0">
+            <a:schemeClr val="accent1"/>
+          </a:fillRef>
+          <a:effectRef idx="0">
+            <a:schemeClr val="accent1"/>
+          </a:effectRef>
+          <a:fontRef idx="minor">
+            <a:schemeClr val="tx1"/>
+          </a:fontRef>
+        </p:style>
+      </p:cxnSp>
+      <p:cxnSp>
+        <p:nvCxnSpPr>
+          <p:cNvPr id="36" name="Elbow Connector 35"/>
+          <p:cNvCxnSpPr>
+            <a:stCxn id="50" idx="2"/>
+            <a:endCxn id="44" idx="0"/>
+          </p:cNvCxnSpPr>
+          <p:nvPr/>
+        </p:nvCxnSpPr>
+        <p:spPr>
+          <a:xfrm rot="16200000" flipH="1">
+            <a:off x="554824" y="2756045"/>
+            <a:ext cx="282302" cy="1014661"/>
+          </a:xfrm>
+          <a:prstGeom prst="bentConnector3">
+            <a:avLst>
+              <a:gd name="adj1" fmla="val 50000"/>
+            </a:avLst>
+          </a:prstGeom>
+          <a:ln w="6350">
+            <a:solidFill>
+              <a:srgbClr val="0070C0"/>
+            </a:solidFill>
+          </a:ln>
+        </p:spPr>
+        <p:style>
+          <a:lnRef idx="1">
+            <a:schemeClr val="accent1"/>
+          </a:lnRef>
+          <a:fillRef idx="0">
+            <a:schemeClr val="accent1"/>
+          </a:fillRef>
+          <a:effectRef idx="0">
+            <a:schemeClr val="accent1"/>
+          </a:effectRef>
+          <a:fontRef idx="minor">
+            <a:schemeClr val="tx1"/>
+          </a:fontRef>
+        </p:style>
+      </p:cxnSp>
+      <p:cxnSp>
+        <p:nvCxnSpPr>
+          <p:cNvPr id="37" name="Elbow Connector 36"/>
+          <p:cNvCxnSpPr>
+            <a:stCxn id="34" idx="2"/>
+            <a:endCxn id="49" idx="0"/>
+          </p:cNvCxnSpPr>
+          <p:nvPr/>
+        </p:nvCxnSpPr>
+        <p:spPr>
+          <a:xfrm rot="16200000" flipH="1">
+            <a:off x="-112906" y="1633369"/>
+            <a:ext cx="1233465" cy="825088"/>
+          </a:xfrm>
+          <a:prstGeom prst="bentConnector3">
+            <a:avLst>
+              <a:gd name="adj1" fmla="val 85203"/>
+            </a:avLst>
+          </a:prstGeom>
+          <a:ln w="6350">
+            <a:solidFill>
+              <a:srgbClr val="0070C0"/>
+            </a:solidFill>
+          </a:ln>
+        </p:spPr>
+        <p:style>
+          <a:lnRef idx="1">
+            <a:schemeClr val="accent1"/>
+          </a:lnRef>
+          <a:fillRef idx="0">
+            <a:schemeClr val="accent1"/>
+          </a:fillRef>
+          <a:effectRef idx="0">
+            <a:schemeClr val="accent1"/>
+          </a:effectRef>
+          <a:fontRef idx="minor">
+            <a:schemeClr val="tx1"/>
+          </a:fontRef>
+        </p:style>
+      </p:cxnSp>
+      <p:sp>
+        <p:nvSpPr>
+          <p:cNvPr id="39" name="Rectangle 38"/>
+          <p:cNvSpPr/>
+          <p:nvPr/>
+        </p:nvSpPr>
+        <p:spPr>
+          <a:xfrm>
+            <a:off x="3389263" y="145916"/>
+            <a:ext cx="582169" cy="304800"/>
+          </a:xfrm>
+          <a:prstGeom prst="rect">
+            <a:avLst/>
+          </a:prstGeom>
+          <a:noFill/>
+          <a:ln w="6350">
+            <a:solidFill>
+              <a:srgbClr val="002060"/>
+            </a:solidFill>
+          </a:ln>
+        </p:spPr>
+        <p:style>
+          <a:lnRef idx="2">
+            <a:schemeClr val="accent1">
+              <a:shade val="50000"/>
+            </a:schemeClr>
+          </a:lnRef>
+          <a:fillRef idx="1">
+            <a:schemeClr val="accent1"/>
+          </a:fillRef>
+          <a:effectRef idx="0">
+            <a:schemeClr val="accent1"/>
+          </a:effectRef>
+          <a:fontRef idx="minor">
+            <a:schemeClr val="lt1"/>
+          </a:fontRef>
+        </p:style>
+        <p:txBody>
+          <a:bodyPr lIns="91440" tIns="45720" rIns="91440" bIns="45720" spcCol="0" rtlCol="0" anchor="ctr"/>
+          <a:lstStyle/>
+          <a:p>
+            <a:pPr algn="ctr"/>
+            <a:r>
+              <a:rPr lang="en-US" sz="1100" b="1" dirty="0">
+                <a:solidFill>
+                  <a:schemeClr val="tx1"/>
+                </a:solidFill>
+              </a:rPr>
+              <a:t>SBase</a:t>
+            </a:r>
+          </a:p>
+        </p:txBody>
+      </p:sp>
+      <p:sp>
+        <p:nvSpPr>
+          <p:cNvPr id="40" name="Isosceles Triangle 39"/>
+          <p:cNvSpPr/>
+          <p:nvPr/>
+        </p:nvSpPr>
+        <p:spPr>
+          <a:xfrm>
+            <a:off x="3617865" y="453648"/>
+            <a:ext cx="159199" cy="114300"/>
+          </a:xfrm>
+          <a:prstGeom prst="triangle">
+            <a:avLst/>
+          </a:prstGeom>
+          <a:noFill/>
+          <a:ln w="6350">
+            <a:solidFill>
+              <a:schemeClr val="accent1"/>
+            </a:solidFill>
+          </a:ln>
+        </p:spPr>
+        <p:style>
+          <a:lnRef idx="2">
+            <a:schemeClr val="accent1">
+              <a:shade val="50000"/>
+            </a:schemeClr>
+          </a:lnRef>
+          <a:fillRef idx="1">
+            <a:schemeClr val="accent1"/>
+          </a:fillRef>
+          <a:effectRef idx="0">
+            <a:schemeClr val="accent1"/>
+          </a:effectRef>
+          <a:fontRef idx="minor">
+            <a:schemeClr val="lt1"/>
+          </a:fontRef>
+        </p:style>
+        <p:txBody>
+          <a:bodyPr lIns="91440" tIns="45720" rIns="91440" bIns="45720" spcCol="0" rtlCol="0" anchor="ctr"/>
+          <a:lstStyle/>
+          <a:p>
+            <a:pPr algn="ctr"/>
+            <a:endParaRPr lang="en-US" sz="1100" b="1" dirty="0">
+              <a:solidFill>
+                <a:schemeClr val="tx1"/>
+              </a:solidFill>
+            </a:endParaRPr>
+          </a:p>
+        </p:txBody>
+      </p:sp>
+      <p:cxnSp>
+        <p:nvCxnSpPr>
+          <p:cNvPr id="41" name="Elbow Connector 40"/>
+          <p:cNvCxnSpPr>
+            <a:stCxn id="49" idx="3"/>
+            <a:endCxn id="40" idx="3"/>
+          </p:cNvCxnSpPr>
+          <p:nvPr/>
+        </p:nvCxnSpPr>
+        <p:spPr>
+          <a:xfrm flipV="1">
+            <a:off x="1644883" y="567948"/>
+            <a:ext cx="2052582" cy="2247098"/>
+          </a:xfrm>
+          <a:prstGeom prst="bentConnector2">
+            <a:avLst/>
+          </a:prstGeom>
+          <a:ln w="6350">
+            <a:solidFill>
+              <a:srgbClr val="0070C0"/>
+            </a:solidFill>
+          </a:ln>
+        </p:spPr>
+        <p:style>
+          <a:lnRef idx="1">
+            <a:schemeClr val="accent1"/>
+          </a:lnRef>
+          <a:fillRef idx="0">
+            <a:schemeClr val="accent1"/>
+          </a:fillRef>
+          <a:effectRef idx="0">
+            <a:schemeClr val="accent1"/>
+          </a:effectRef>
+          <a:fontRef idx="minor">
+            <a:schemeClr val="tx1"/>
+          </a:fontRef>
+        </p:style>
+      </p:cxnSp>
+      <p:sp>
+        <p:nvSpPr>
+          <p:cNvPr id="42" name="Rectangle 41"/>
+          <p:cNvSpPr/>
+          <p:nvPr/>
+        </p:nvSpPr>
+        <p:spPr>
+          <a:xfrm>
+            <a:off x="57873" y="2309846"/>
+            <a:ext cx="880369" cy="369332"/>
+          </a:xfrm>
+          <a:prstGeom prst="rect">
+            <a:avLst/>
+          </a:prstGeom>
+          <a:ln>
+            <a:noFill/>
+          </a:ln>
+        </p:spPr>
+        <p:txBody>
+          <a:bodyPr wrap="none" lIns="91440" tIns="45720" rIns="91440" bIns="45720">
+            <a:spAutoFit/>
+          </a:bodyPr>
+          <a:lstStyle/>
+          <a:p>
+            <a:r>
+              <a:rPr lang="en-US" sz="900" dirty="0" err="1" smtClean="0">
+                <a:solidFill>
+                  <a:srgbClr val="0070C0"/>
+                </a:solidFill>
+              </a:rPr>
+              <a:t>listOfDeletions</a:t>
+            </a:r>
+            <a:endParaRPr lang="en-US" sz="900" dirty="0">
+              <a:solidFill>
+                <a:srgbClr val="0070C0"/>
+              </a:solidFill>
+            </a:endParaRPr>
+          </a:p>
+          <a:p>
+            <a:r>
+              <a:rPr lang="en-US" sz="900" dirty="0">
+                <a:solidFill>
+                  <a:srgbClr val="0070C0"/>
+                </a:solidFill>
+              </a:rPr>
+              <a:t>0,1</a:t>
+            </a:r>
+          </a:p>
+        </p:txBody>
+      </p:sp>
+      <p:sp>
+        <p:nvSpPr>
+          <p:cNvPr id="43" name="Rectangle 42"/>
+          <p:cNvSpPr/>
+          <p:nvPr/>
+        </p:nvSpPr>
+        <p:spPr>
+          <a:xfrm>
+            <a:off x="51292" y="1320181"/>
+            <a:ext cx="639919" cy="230832"/>
+          </a:xfrm>
+          <a:prstGeom prst="rect">
+            <a:avLst/>
+          </a:prstGeom>
+          <a:ln>
+            <a:noFill/>
+          </a:ln>
+        </p:spPr>
+        <p:txBody>
+          <a:bodyPr wrap="none" lIns="91440" tIns="45720" rIns="91440" bIns="45720">
+            <a:spAutoFit/>
+          </a:bodyPr>
+          <a:lstStyle/>
+          <a:p>
+            <a:r>
+              <a:rPr lang="en-US" sz="900" dirty="0" err="1" smtClean="0">
+                <a:solidFill>
+                  <a:srgbClr val="0070C0"/>
+                </a:solidFill>
+              </a:rPr>
+              <a:t>modelRef</a:t>
+            </a:r>
+            <a:endParaRPr lang="en-US" sz="900" dirty="0">
+              <a:solidFill>
+                <a:srgbClr val="0070C0"/>
+              </a:solidFill>
+            </a:endParaRPr>
+          </a:p>
+        </p:txBody>
+      </p:sp>
+      <p:sp>
+        <p:nvSpPr>
+          <p:cNvPr id="44" name="Rectangle 43"/>
+          <p:cNvSpPr/>
+          <p:nvPr/>
+        </p:nvSpPr>
+        <p:spPr>
+          <a:xfrm>
+            <a:off x="378821" y="3404527"/>
+            <a:ext cx="1648969" cy="472281"/>
+          </a:xfrm>
+          <a:prstGeom prst="rect">
+            <a:avLst/>
+          </a:prstGeom>
+          <a:noFill/>
+          <a:ln w="6350">
+            <a:solidFill>
+              <a:srgbClr val="0070C0"/>
+            </a:solidFill>
+          </a:ln>
+        </p:spPr>
+        <p:style>
+          <a:lnRef idx="2">
+            <a:schemeClr val="accent1">
+              <a:shade val="50000"/>
+            </a:schemeClr>
+          </a:lnRef>
+          <a:fillRef idx="1">
+            <a:schemeClr val="accent1"/>
+          </a:fillRef>
+          <a:effectRef idx="0">
+            <a:schemeClr val="accent1"/>
+          </a:effectRef>
+          <a:fontRef idx="minor">
+            <a:schemeClr val="lt1"/>
+          </a:fontRef>
+        </p:style>
+        <p:txBody>
+          <a:bodyPr lIns="91440" tIns="45720" rIns="91440" bIns="45720" spcCol="0" rtlCol="0" anchor="t"/>
+          <a:lstStyle/>
+          <a:p>
+            <a:pPr algn="ctr"/>
+            <a:r>
+              <a:rPr lang="en-US" sz="1100" b="1" dirty="0" smtClean="0">
+                <a:solidFill>
+                  <a:srgbClr val="0070C0"/>
+                </a:solidFill>
+              </a:rPr>
+              <a:t>Deletion</a:t>
+            </a:r>
+          </a:p>
+          <a:p>
+            <a:r>
+              <a:rPr lang="en-US" sz="900" dirty="0">
+                <a:solidFill>
+                  <a:srgbClr val="0070C0"/>
+                </a:solidFill>
+              </a:rPr>
+              <a:t>id: </a:t>
+            </a:r>
+            <a:r>
+              <a:rPr lang="en-US" sz="900" dirty="0" err="1" smtClean="0">
+                <a:solidFill>
+                  <a:srgbClr val="0070C0"/>
+                </a:solidFill>
+              </a:rPr>
+              <a:t>SId</a:t>
+            </a:r>
+            <a:r>
+              <a:rPr lang="en-US" sz="900" dirty="0" smtClean="0">
+                <a:solidFill>
+                  <a:srgbClr val="0070C0"/>
+                </a:solidFill>
+              </a:rPr>
+              <a:t> </a:t>
+            </a:r>
+            <a:r>
+              <a:rPr lang="en-US" sz="900" dirty="0">
+                <a:solidFill>
+                  <a:srgbClr val="0070C0"/>
+                </a:solidFill>
+              </a:rPr>
+              <a:t>{use=“optional</a:t>
+            </a:r>
+            <a:r>
+              <a:rPr lang="en-US" sz="900" dirty="0" smtClean="0">
+                <a:solidFill>
+                  <a:srgbClr val="0070C0"/>
+                </a:solidFill>
+              </a:rPr>
+              <a:t>”}</a:t>
+            </a:r>
+            <a:endParaRPr lang="en-US" sz="900" dirty="0">
+              <a:solidFill>
+                <a:srgbClr val="0070C0"/>
+              </a:solidFill>
+            </a:endParaRPr>
+          </a:p>
+        </p:txBody>
+      </p:sp>
+      <p:sp>
+        <p:nvSpPr>
+          <p:cNvPr id="45" name="Rectangle 44"/>
+          <p:cNvSpPr/>
+          <p:nvPr/>
+        </p:nvSpPr>
+        <p:spPr>
+          <a:xfrm>
+            <a:off x="134512" y="3064104"/>
+            <a:ext cx="575799" cy="369332"/>
+          </a:xfrm>
+          <a:prstGeom prst="rect">
+            <a:avLst/>
+          </a:prstGeom>
+          <a:ln>
+            <a:noFill/>
+          </a:ln>
+        </p:spPr>
+        <p:txBody>
+          <a:bodyPr wrap="none" lIns="91440" tIns="45720" rIns="91440" bIns="45720">
+            <a:spAutoFit/>
+          </a:bodyPr>
+          <a:lstStyle/>
+          <a:p>
+            <a:r>
+              <a:rPr lang="en-US" sz="900" dirty="0" smtClean="0">
+                <a:solidFill>
+                  <a:srgbClr val="0070C0"/>
+                </a:solidFill>
+              </a:rPr>
+              <a:t>deletion</a:t>
+            </a:r>
+            <a:endParaRPr lang="en-US" sz="900" dirty="0">
+              <a:solidFill>
+                <a:srgbClr val="0070C0"/>
+              </a:solidFill>
+            </a:endParaRPr>
+          </a:p>
+          <a:p>
+            <a:r>
+              <a:rPr lang="en-US" sz="900" dirty="0">
+                <a:solidFill>
+                  <a:srgbClr val="0070C0"/>
+                </a:solidFill>
+              </a:rPr>
+              <a:t>0,…,*</a:t>
+            </a:r>
+          </a:p>
+        </p:txBody>
+      </p:sp>
+      <p:cxnSp>
+        <p:nvCxnSpPr>
+          <p:cNvPr id="46" name="Elbow Connector 45"/>
+          <p:cNvCxnSpPr>
+            <a:stCxn id="53" idx="3"/>
+            <a:endCxn id="40" idx="3"/>
+          </p:cNvCxnSpPr>
+          <p:nvPr/>
+        </p:nvCxnSpPr>
+        <p:spPr>
+          <a:xfrm flipV="1">
+            <a:off x="1941463" y="567948"/>
+            <a:ext cx="1756002" cy="1357024"/>
+          </a:xfrm>
+          <a:prstGeom prst="bentConnector2">
+            <a:avLst/>
+          </a:prstGeom>
+          <a:ln w="6350">
+            <a:solidFill>
+              <a:srgbClr val="0070C0"/>
+            </a:solidFill>
+          </a:ln>
+        </p:spPr>
+        <p:style>
+          <a:lnRef idx="1">
+            <a:schemeClr val="accent1"/>
+          </a:lnRef>
+          <a:fillRef idx="0">
+            <a:schemeClr val="accent1"/>
+          </a:fillRef>
+          <a:effectRef idx="0">
+            <a:schemeClr val="accent1"/>
+          </a:effectRef>
+          <a:fontRef idx="minor">
+            <a:schemeClr val="tx1"/>
+          </a:fontRef>
+        </p:style>
+      </p:cxnSp>
+      <p:cxnSp>
+        <p:nvCxnSpPr>
+          <p:cNvPr id="47" name="Elbow Connector 46"/>
+          <p:cNvCxnSpPr>
+            <a:stCxn id="55" idx="3"/>
+            <a:endCxn id="40" idx="3"/>
+          </p:cNvCxnSpPr>
+          <p:nvPr/>
+        </p:nvCxnSpPr>
+        <p:spPr>
+          <a:xfrm flipV="1">
+            <a:off x="3432353" y="567948"/>
+            <a:ext cx="265112" cy="2572133"/>
+          </a:xfrm>
+          <a:prstGeom prst="bentConnector2">
+            <a:avLst/>
+          </a:prstGeom>
+          <a:ln w="6350">
+            <a:solidFill>
+              <a:srgbClr val="0070C0"/>
+            </a:solidFill>
+          </a:ln>
+        </p:spPr>
+        <p:style>
+          <a:lnRef idx="1">
+            <a:schemeClr val="accent1"/>
+          </a:lnRef>
+          <a:fillRef idx="0">
+            <a:schemeClr val="accent1"/>
+          </a:fillRef>
+          <a:effectRef idx="0">
+            <a:schemeClr val="accent1"/>
+          </a:effectRef>
+          <a:fontRef idx="minor">
+            <a:schemeClr val="tx1"/>
+          </a:fontRef>
+        </p:style>
+      </p:cxnSp>
       <p:grpSp>
         <p:nvGrpSpPr>
-          <p:cNvPr id="2" name="Group 1"/>
+          <p:cNvPr id="48" name="Group 47"/>
           <p:cNvGrpSpPr/>
           <p:nvPr/>
         </p:nvGrpSpPr>
         <p:grpSpPr>
           <a:xfrm>
-            <a:off x="51292" y="145916"/>
-            <a:ext cx="3920140" cy="3730892"/>
-            <a:chOff x="51292" y="145916"/>
-            <a:chExt cx="3920140" cy="3730892"/>
+            <a:off x="155210" y="2662646"/>
+            <a:ext cx="1489673" cy="459579"/>
+            <a:chOff x="162625" y="2625999"/>
+            <a:chExt cx="1489673" cy="459579"/>
           </a:xfrm>
         </p:grpSpPr>
-        <p:cxnSp>
-          <p:nvCxnSpPr>
-            <p:cNvPr id="31" name="Straight Connector 30"/>
-            <p:cNvCxnSpPr/>
-            <p:nvPr/>
-          </p:nvCxnSpPr>
-          <p:spPr>
-            <a:xfrm>
-              <a:off x="91207" y="331201"/>
-              <a:ext cx="2764770" cy="0"/>
-            </a:xfrm>
-            <a:prstGeom prst="line">
-              <a:avLst/>
-            </a:prstGeom>
-            <a:ln w="6350">
-              <a:solidFill>
-                <a:srgbClr val="0070C0"/>
-              </a:solidFill>
-            </a:ln>
-          </p:spPr>
-          <p:style>
-            <a:lnRef idx="1">
-              <a:schemeClr val="accent1"/>
-            </a:lnRef>
-            <a:fillRef idx="0">
-              <a:schemeClr val="accent1"/>
-            </a:fillRef>
-            <a:effectRef idx="0">
-              <a:schemeClr val="accent1"/>
-            </a:effectRef>
-            <a:fontRef idx="minor">
-              <a:schemeClr val="tx1"/>
-            </a:fontRef>
-          </p:style>
-        </p:cxnSp>
-        <p:grpSp>
-          <p:nvGrpSpPr>
-            <p:cNvPr id="32" name="Group 31"/>
-            <p:cNvGrpSpPr/>
-            <p:nvPr/>
-          </p:nvGrpSpPr>
-          <p:grpSpPr>
-            <a:xfrm>
-              <a:off x="57772" y="145916"/>
-              <a:ext cx="2798205" cy="1279748"/>
-              <a:chOff x="65187" y="109269"/>
-              <a:chExt cx="2798205" cy="1161479"/>
-            </a:xfrm>
-          </p:grpSpPr>
-          <p:sp>
-            <p:nvSpPr>
-              <p:cNvPr id="33" name="Rectangle 32"/>
-              <p:cNvSpPr/>
-              <p:nvPr/>
-            </p:nvSpPr>
-            <p:spPr>
-              <a:xfrm>
-                <a:off x="98622" y="109269"/>
-                <a:ext cx="2764770" cy="1007141"/>
-              </a:xfrm>
-              <a:prstGeom prst="rect">
-                <a:avLst/>
-              </a:prstGeom>
-              <a:noFill/>
-              <a:ln w="6350">
-                <a:solidFill>
-                  <a:srgbClr val="0070C0"/>
-                </a:solidFill>
-              </a:ln>
-            </p:spPr>
-            <p:style>
-              <a:lnRef idx="2">
-                <a:schemeClr val="accent1">
-                  <a:shade val="50000"/>
-                </a:schemeClr>
-              </a:lnRef>
-              <a:fillRef idx="1">
-                <a:schemeClr val="accent1"/>
-              </a:fillRef>
-              <a:effectRef idx="0">
-                <a:schemeClr val="accent1"/>
-              </a:effectRef>
-              <a:fontRef idx="minor">
-                <a:schemeClr val="lt1"/>
-              </a:fontRef>
-            </p:style>
-            <p:txBody>
-              <a:bodyPr rtlCol="0" anchor="t"/>
-              <a:lstStyle/>
-              <a:p>
-                <a:pPr algn="ctr"/>
-                <a:r>
-                  <a:rPr lang="en-US" sz="1100" b="1" dirty="0" smtClean="0">
-                    <a:solidFill>
-                      <a:srgbClr val="0070C0"/>
-                    </a:solidFill>
-                  </a:rPr>
-                  <a:t>Submodel</a:t>
-                </a:r>
-                <a:endParaRPr lang="en-US" sz="1100" b="1" dirty="0">
-                  <a:solidFill>
-                    <a:srgbClr val="0070C0"/>
-                  </a:solidFill>
-                </a:endParaRPr>
-              </a:p>
-              <a:p>
-                <a:r>
-                  <a:rPr lang="en-US" sz="900" dirty="0" smtClean="0">
-                    <a:solidFill>
-                      <a:srgbClr val="0070C0"/>
-                    </a:solidFill>
-                  </a:rPr>
-                  <a:t>id: </a:t>
-                </a:r>
-                <a:r>
-                  <a:rPr lang="en-US" sz="900" dirty="0" err="1" smtClean="0">
-                    <a:solidFill>
-                      <a:srgbClr val="0070C0"/>
-                    </a:solidFill>
-                  </a:rPr>
-                  <a:t>SId</a:t>
-                </a:r>
-                <a:r>
-                  <a:rPr lang="en-US" sz="900" dirty="0" smtClean="0">
-                    <a:solidFill>
-                      <a:srgbClr val="0070C0"/>
-                    </a:solidFill>
-                  </a:rPr>
-                  <a:t> {use=“optional”}</a:t>
-                </a:r>
-              </a:p>
-              <a:p>
-                <a:r>
-                  <a:rPr lang="en-US" sz="900" dirty="0" err="1" smtClean="0">
-                    <a:solidFill>
-                      <a:srgbClr val="0070C0"/>
-                    </a:solidFill>
-                  </a:rPr>
-                  <a:t>areaConversionFactor</a:t>
-                </a:r>
-                <a:r>
-                  <a:rPr lang="en-US" sz="900" dirty="0" smtClean="0">
-                    <a:solidFill>
-                      <a:srgbClr val="0070C0"/>
-                    </a:solidFill>
-                  </a:rPr>
-                  <a:t>: </a:t>
-                </a:r>
-                <a:r>
-                  <a:rPr lang="en-US" sz="900" dirty="0" err="1" smtClean="0">
-                    <a:solidFill>
-                      <a:srgbClr val="0070C0"/>
-                    </a:solidFill>
-                  </a:rPr>
-                  <a:t>SIdRef</a:t>
-                </a:r>
-                <a:r>
-                  <a:rPr lang="en-US" sz="900" dirty="0" smtClean="0">
-                    <a:solidFill>
-                      <a:srgbClr val="0070C0"/>
-                    </a:solidFill>
-                  </a:rPr>
-                  <a:t> {use=“optional”}</a:t>
-                </a:r>
-              </a:p>
-              <a:p>
-                <a:r>
-                  <a:rPr lang="en-US" sz="900" dirty="0" err="1" smtClean="0">
-                    <a:solidFill>
-                      <a:srgbClr val="0070C0"/>
-                    </a:solidFill>
-                  </a:rPr>
-                  <a:t>lengthConversionFactor</a:t>
-                </a:r>
-                <a:r>
-                  <a:rPr lang="en-US" sz="900" dirty="0" smtClean="0">
-                    <a:solidFill>
-                      <a:srgbClr val="0070C0"/>
-                    </a:solidFill>
-                  </a:rPr>
-                  <a:t>: </a:t>
-                </a:r>
-                <a:r>
-                  <a:rPr lang="en-US" sz="900" dirty="0" err="1" smtClean="0">
-                    <a:solidFill>
-                      <a:srgbClr val="0070C0"/>
-                    </a:solidFill>
-                  </a:rPr>
-                  <a:t>SIdRef</a:t>
-                </a:r>
-                <a:r>
-                  <a:rPr lang="en-US" sz="900" dirty="0" smtClean="0">
-                    <a:solidFill>
-                      <a:srgbClr val="0070C0"/>
-                    </a:solidFill>
-                  </a:rPr>
-                  <a:t> {use=“optional”}</a:t>
-                </a:r>
-              </a:p>
-              <a:p>
-                <a:r>
-                  <a:rPr lang="en-US" sz="900" dirty="0" err="1" smtClean="0">
-                    <a:solidFill>
-                      <a:srgbClr val="0070C0"/>
-                    </a:solidFill>
-                  </a:rPr>
-                  <a:t>substanceConversionFactor</a:t>
-                </a:r>
-                <a:r>
-                  <a:rPr lang="en-US" sz="900" dirty="0" smtClean="0">
-                    <a:solidFill>
-                      <a:srgbClr val="0070C0"/>
-                    </a:solidFill>
-                  </a:rPr>
-                  <a:t>: </a:t>
-                </a:r>
-                <a:r>
-                  <a:rPr lang="en-US" sz="900" dirty="0" err="1" smtClean="0">
-                    <a:solidFill>
-                      <a:srgbClr val="0070C0"/>
-                    </a:solidFill>
-                  </a:rPr>
-                  <a:t>SIdRef</a:t>
-                </a:r>
-                <a:r>
-                  <a:rPr lang="en-US" sz="900" dirty="0" smtClean="0">
-                    <a:solidFill>
-                      <a:srgbClr val="0070C0"/>
-                    </a:solidFill>
-                  </a:rPr>
-                  <a:t> {use=“optional”}</a:t>
-                </a:r>
-              </a:p>
-              <a:p>
-                <a:r>
-                  <a:rPr lang="en-US" sz="900" dirty="0" err="1" smtClean="0">
-                    <a:solidFill>
-                      <a:srgbClr val="0070C0"/>
-                    </a:solidFill>
-                  </a:rPr>
-                  <a:t>timeConversionFactor</a:t>
-                </a:r>
-                <a:r>
-                  <a:rPr lang="en-US" sz="900" dirty="0" smtClean="0">
-                    <a:solidFill>
-                      <a:srgbClr val="0070C0"/>
-                    </a:solidFill>
-                  </a:rPr>
-                  <a:t>: </a:t>
-                </a:r>
-                <a:r>
-                  <a:rPr lang="en-US" sz="900" dirty="0" err="1" smtClean="0">
-                    <a:solidFill>
-                      <a:srgbClr val="0070C0"/>
-                    </a:solidFill>
-                  </a:rPr>
-                  <a:t>SIdRef</a:t>
-                </a:r>
-                <a:r>
-                  <a:rPr lang="en-US" sz="900" dirty="0" smtClean="0">
-                    <a:solidFill>
-                      <a:srgbClr val="0070C0"/>
-                    </a:solidFill>
-                  </a:rPr>
-                  <a:t> {use=“optional”}</a:t>
-                </a:r>
-              </a:p>
-              <a:p>
-                <a:r>
-                  <a:rPr lang="en-US" sz="900" dirty="0" err="1" smtClean="0">
-                    <a:solidFill>
-                      <a:srgbClr val="0070C0"/>
-                    </a:solidFill>
-                  </a:rPr>
-                  <a:t>volumeConversionFactor</a:t>
-                </a:r>
-                <a:r>
-                  <a:rPr lang="en-US" sz="900" dirty="0" smtClean="0">
-                    <a:solidFill>
-                      <a:srgbClr val="0070C0"/>
-                    </a:solidFill>
-                  </a:rPr>
-                  <a:t>: </a:t>
-                </a:r>
-                <a:r>
-                  <a:rPr lang="en-US" sz="900" dirty="0" err="1" smtClean="0">
-                    <a:solidFill>
-                      <a:srgbClr val="0070C0"/>
-                    </a:solidFill>
-                  </a:rPr>
-                  <a:t>SIdRef</a:t>
-                </a:r>
-                <a:r>
-                  <a:rPr lang="en-US" sz="900" dirty="0" smtClean="0">
-                    <a:solidFill>
-                      <a:srgbClr val="0070C0"/>
-                    </a:solidFill>
-                  </a:rPr>
-                  <a:t> {use=“optional”}</a:t>
-                </a:r>
-              </a:p>
-              <a:p>
-                <a:endParaRPr lang="en-US" sz="900" dirty="0">
-                  <a:solidFill>
-                    <a:srgbClr val="0070C0"/>
-                  </a:solidFill>
-                </a:endParaRPr>
-              </a:p>
-            </p:txBody>
-          </p:sp>
-          <p:sp>
-            <p:nvSpPr>
-              <p:cNvPr id="34" name="Diamond 33"/>
-              <p:cNvSpPr/>
-              <p:nvPr/>
-            </p:nvSpPr>
-            <p:spPr>
-              <a:xfrm>
-                <a:off x="65187" y="1118350"/>
-                <a:ext cx="66869" cy="152398"/>
-              </a:xfrm>
-              <a:prstGeom prst="diamond">
-                <a:avLst/>
-              </a:prstGeom>
-              <a:solidFill>
-                <a:srgbClr val="0070C0"/>
-              </a:solidFill>
-              <a:ln w="6350">
-                <a:solidFill>
-                  <a:srgbClr val="0070C0"/>
-                </a:solidFill>
-              </a:ln>
-            </p:spPr>
-            <p:style>
-              <a:lnRef idx="2">
-                <a:schemeClr val="accent1">
-                  <a:shade val="50000"/>
-                </a:schemeClr>
-              </a:lnRef>
-              <a:fillRef idx="1">
-                <a:schemeClr val="accent1"/>
-              </a:fillRef>
-              <a:effectRef idx="0">
-                <a:schemeClr val="accent1"/>
-              </a:effectRef>
-              <a:fontRef idx="minor">
-                <a:schemeClr val="lt1"/>
-              </a:fontRef>
-            </p:style>
-            <p:txBody>
-              <a:bodyPr lIns="91440" tIns="45720" rIns="91440" bIns="45720" spcCol="0" rtlCol="0" anchor="ctr"/>
-              <a:lstStyle/>
-              <a:p>
-                <a:pPr algn="ctr"/>
-                <a:endParaRPr lang="en-US">
-                  <a:solidFill>
-                    <a:srgbClr val="0070C0"/>
-                  </a:solidFill>
-                </a:endParaRPr>
-              </a:p>
-            </p:txBody>
-          </p:sp>
-        </p:grpSp>
-        <p:cxnSp>
-          <p:nvCxnSpPr>
-            <p:cNvPr id="35" name="Elbow Connector 34"/>
-            <p:cNvCxnSpPr>
-              <a:stCxn id="34" idx="2"/>
-              <a:endCxn id="53" idx="0"/>
-            </p:cNvCxnSpPr>
-            <p:nvPr/>
-          </p:nvCxnSpPr>
-          <p:spPr>
-            <a:xfrm rot="16200000" flipH="1">
-              <a:off x="496554" y="1020316"/>
-              <a:ext cx="162758" cy="973453"/>
-            </a:xfrm>
-            <a:prstGeom prst="bentConnector3">
-              <a:avLst>
-                <a:gd name="adj1" fmla="val 37853"/>
-              </a:avLst>
-            </a:prstGeom>
-            <a:ln w="6350">
-              <a:solidFill>
-                <a:srgbClr val="0070C0"/>
-              </a:solidFill>
-            </a:ln>
-          </p:spPr>
-          <p:style>
-            <a:lnRef idx="1">
-              <a:schemeClr val="accent1"/>
-            </a:lnRef>
-            <a:fillRef idx="0">
-              <a:schemeClr val="accent1"/>
-            </a:fillRef>
-            <a:effectRef idx="0">
-              <a:schemeClr val="accent1"/>
-            </a:effectRef>
-            <a:fontRef idx="minor">
-              <a:schemeClr val="tx1"/>
-            </a:fontRef>
-          </p:style>
-        </p:cxnSp>
-        <p:cxnSp>
-          <p:nvCxnSpPr>
-            <p:cNvPr id="36" name="Elbow Connector 35"/>
-            <p:cNvCxnSpPr>
-              <a:stCxn id="50" idx="2"/>
-              <a:endCxn id="44" idx="0"/>
-            </p:cNvCxnSpPr>
-            <p:nvPr/>
-          </p:nvCxnSpPr>
-          <p:spPr>
-            <a:xfrm rot="16200000" flipH="1">
-              <a:off x="554824" y="2756045"/>
-              <a:ext cx="282302" cy="1014661"/>
-            </a:xfrm>
-            <a:prstGeom prst="bentConnector3">
-              <a:avLst>
-                <a:gd name="adj1" fmla="val 50000"/>
-              </a:avLst>
-            </a:prstGeom>
-            <a:ln w="6350">
-              <a:solidFill>
-                <a:srgbClr val="0070C0"/>
-              </a:solidFill>
-            </a:ln>
-          </p:spPr>
-          <p:style>
-            <a:lnRef idx="1">
-              <a:schemeClr val="accent1"/>
-            </a:lnRef>
-            <a:fillRef idx="0">
-              <a:schemeClr val="accent1"/>
-            </a:fillRef>
-            <a:effectRef idx="0">
-              <a:schemeClr val="accent1"/>
-            </a:effectRef>
-            <a:fontRef idx="minor">
-              <a:schemeClr val="tx1"/>
-            </a:fontRef>
-          </p:style>
-        </p:cxnSp>
-        <p:cxnSp>
-          <p:nvCxnSpPr>
-            <p:cNvPr id="37" name="Elbow Connector 36"/>
-            <p:cNvCxnSpPr>
-              <a:stCxn id="34" idx="2"/>
-              <a:endCxn id="49" idx="0"/>
-            </p:cNvCxnSpPr>
-            <p:nvPr/>
-          </p:nvCxnSpPr>
-          <p:spPr>
-            <a:xfrm rot="16200000" flipH="1">
-              <a:off x="-114703" y="1631573"/>
-              <a:ext cx="1236982" cy="825163"/>
-            </a:xfrm>
-            <a:prstGeom prst="bentConnector3">
-              <a:avLst>
-                <a:gd name="adj1" fmla="val 85962"/>
-              </a:avLst>
-            </a:prstGeom>
-            <a:ln w="6350">
-              <a:solidFill>
-                <a:srgbClr val="0070C0"/>
-              </a:solidFill>
-            </a:ln>
-          </p:spPr>
-          <p:style>
-            <a:lnRef idx="1">
-              <a:schemeClr val="accent1"/>
-            </a:lnRef>
-            <a:fillRef idx="0">
-              <a:schemeClr val="accent1"/>
-            </a:fillRef>
-            <a:effectRef idx="0">
-              <a:schemeClr val="accent1"/>
-            </a:effectRef>
-            <a:fontRef idx="minor">
-              <a:schemeClr val="tx1"/>
-            </a:fontRef>
-          </p:style>
-        </p:cxnSp>
-        <p:grpSp>
-          <p:nvGrpSpPr>
-            <p:cNvPr id="38" name="Group 37"/>
-            <p:cNvGrpSpPr/>
-            <p:nvPr/>
-          </p:nvGrpSpPr>
-          <p:grpSpPr>
-            <a:xfrm>
-              <a:off x="3389263" y="145916"/>
-              <a:ext cx="582169" cy="422032"/>
-              <a:chOff x="4453762" y="214881"/>
-              <a:chExt cx="582169" cy="422032"/>
-            </a:xfrm>
-          </p:grpSpPr>
-          <p:sp>
-            <p:nvSpPr>
-              <p:cNvPr id="39" name="Rectangle 38"/>
-              <p:cNvSpPr/>
-              <p:nvPr/>
-            </p:nvSpPr>
-            <p:spPr>
-              <a:xfrm>
-                <a:off x="4453762" y="214881"/>
-                <a:ext cx="582169" cy="304800"/>
-              </a:xfrm>
-              <a:prstGeom prst="rect">
-                <a:avLst/>
-              </a:prstGeom>
-              <a:noFill/>
-              <a:ln w="6350">
-                <a:solidFill>
-                  <a:srgbClr val="002060"/>
-                </a:solidFill>
-              </a:ln>
-            </p:spPr>
-            <p:style>
-              <a:lnRef idx="2">
-                <a:schemeClr val="accent1">
-                  <a:shade val="50000"/>
-                </a:schemeClr>
-              </a:lnRef>
-              <a:fillRef idx="1">
-                <a:schemeClr val="accent1"/>
-              </a:fillRef>
-              <a:effectRef idx="0">
-                <a:schemeClr val="accent1"/>
-              </a:effectRef>
-              <a:fontRef idx="minor">
-                <a:schemeClr val="lt1"/>
-              </a:fontRef>
-            </p:style>
-            <p:txBody>
-              <a:bodyPr lIns="91440" tIns="45720" rIns="91440" bIns="45720" spcCol="0" rtlCol="0" anchor="ctr"/>
-              <a:lstStyle/>
-              <a:p>
-                <a:pPr algn="ctr"/>
-                <a:r>
-                  <a:rPr lang="en-US" sz="1100" b="1" dirty="0">
-                    <a:solidFill>
-                      <a:schemeClr val="tx1"/>
-                    </a:solidFill>
-                  </a:rPr>
-                  <a:t>SBase</a:t>
-                </a:r>
-              </a:p>
-            </p:txBody>
-          </p:sp>
-          <p:sp>
-            <p:nvSpPr>
-              <p:cNvPr id="40" name="Isosceles Triangle 39"/>
-              <p:cNvSpPr/>
-              <p:nvPr/>
-            </p:nvSpPr>
-            <p:spPr>
-              <a:xfrm>
-                <a:off x="4682364" y="522613"/>
-                <a:ext cx="159199" cy="114300"/>
-              </a:xfrm>
-              <a:prstGeom prst="triangle">
-                <a:avLst/>
-              </a:prstGeom>
-              <a:noFill/>
-              <a:ln w="6350">
-                <a:solidFill>
-                  <a:srgbClr val="002060"/>
-                </a:solidFill>
-              </a:ln>
-            </p:spPr>
-            <p:style>
-              <a:lnRef idx="2">
-                <a:schemeClr val="accent1">
-                  <a:shade val="50000"/>
-                </a:schemeClr>
-              </a:lnRef>
-              <a:fillRef idx="1">
-                <a:schemeClr val="accent1"/>
-              </a:fillRef>
-              <a:effectRef idx="0">
-                <a:schemeClr val="accent1"/>
-              </a:effectRef>
-              <a:fontRef idx="minor">
-                <a:schemeClr val="lt1"/>
-              </a:fontRef>
-            </p:style>
-            <p:txBody>
-              <a:bodyPr lIns="91440" tIns="45720" rIns="91440" bIns="45720" spcCol="0" rtlCol="0" anchor="ctr"/>
-              <a:lstStyle/>
-              <a:p>
-                <a:pPr algn="ctr"/>
-                <a:endParaRPr lang="en-US" sz="1100" b="1" dirty="0">
-                  <a:solidFill>
-                    <a:schemeClr val="tx1"/>
-                  </a:solidFill>
-                </a:endParaRPr>
-              </a:p>
-            </p:txBody>
-          </p:sp>
-        </p:grpSp>
-        <p:cxnSp>
-          <p:nvCxnSpPr>
-            <p:cNvPr id="41" name="Elbow Connector 40"/>
-            <p:cNvCxnSpPr>
-              <a:stCxn id="49" idx="3"/>
-              <a:endCxn id="40" idx="3"/>
-            </p:cNvCxnSpPr>
-            <p:nvPr/>
-          </p:nvCxnSpPr>
-          <p:spPr>
-            <a:xfrm flipV="1">
-              <a:off x="1644883" y="567948"/>
-              <a:ext cx="2052582" cy="2247098"/>
-            </a:xfrm>
-            <a:prstGeom prst="bentConnector2">
-              <a:avLst/>
-            </a:prstGeom>
-            <a:ln w="6350">
-              <a:solidFill>
-                <a:srgbClr val="0070C0"/>
-              </a:solidFill>
-            </a:ln>
-          </p:spPr>
-          <p:style>
-            <a:lnRef idx="1">
-              <a:schemeClr val="accent1"/>
-            </a:lnRef>
-            <a:fillRef idx="0">
-              <a:schemeClr val="accent1"/>
-            </a:fillRef>
-            <a:effectRef idx="0">
-              <a:schemeClr val="accent1"/>
-            </a:effectRef>
-            <a:fontRef idx="minor">
-              <a:schemeClr val="tx1"/>
-            </a:fontRef>
-          </p:style>
-        </p:cxnSp>
         <p:sp>
           <p:nvSpPr>
-            <p:cNvPr id="42" name="Rectangle 41"/>
+            <p:cNvPr id="49" name="Rectangle 48"/>
             <p:cNvSpPr/>
             <p:nvPr/>
           </p:nvSpPr>
           <p:spPr>
             <a:xfrm>
-              <a:off x="57873" y="2309846"/>
-              <a:ext cx="880369" cy="369332"/>
-            </a:xfrm>
-            <a:prstGeom prst="rect">
-              <a:avLst/>
-            </a:prstGeom>
-            <a:ln>
-              <a:noFill/>
-            </a:ln>
-          </p:spPr>
-          <p:txBody>
-            <a:bodyPr wrap="none" lIns="91440" tIns="45720" rIns="91440" bIns="45720">
-              <a:spAutoFit/>
-            </a:bodyPr>
-            <a:lstStyle/>
-            <a:p>
-              <a:r>
-                <a:rPr lang="en-US" sz="900" dirty="0" err="1" smtClean="0">
-                  <a:solidFill>
-                    <a:srgbClr val="0070C0"/>
-                  </a:solidFill>
-                </a:rPr>
-                <a:t>listOfDeletions</a:t>
-              </a:r>
-              <a:endParaRPr lang="en-US" sz="900" dirty="0">
-                <a:solidFill>
-                  <a:srgbClr val="0070C0"/>
-                </a:solidFill>
-              </a:endParaRPr>
-            </a:p>
-            <a:p>
-              <a:r>
-                <a:rPr lang="en-US" sz="900" dirty="0">
-                  <a:solidFill>
-                    <a:srgbClr val="0070C0"/>
-                  </a:solidFill>
-                </a:rPr>
-                <a:t>0,1</a:t>
-              </a:r>
-            </a:p>
-          </p:txBody>
-        </p:sp>
-        <p:sp>
-          <p:nvSpPr>
-            <p:cNvPr id="43" name="Rectangle 42"/>
-            <p:cNvSpPr/>
-            <p:nvPr/>
-          </p:nvSpPr>
-          <p:spPr>
-            <a:xfrm>
-              <a:off x="51292" y="1320181"/>
-              <a:ext cx="639919" cy="230832"/>
-            </a:xfrm>
-            <a:prstGeom prst="rect">
-              <a:avLst/>
-            </a:prstGeom>
-            <a:ln>
-              <a:noFill/>
-            </a:ln>
-          </p:spPr>
-          <p:txBody>
-            <a:bodyPr wrap="none" lIns="91440" tIns="45720" rIns="91440" bIns="45720">
-              <a:spAutoFit/>
-            </a:bodyPr>
-            <a:lstStyle/>
-            <a:p>
-              <a:r>
-                <a:rPr lang="en-US" sz="900" dirty="0" err="1" smtClean="0">
-                  <a:solidFill>
-                    <a:srgbClr val="0070C0"/>
-                  </a:solidFill>
-                </a:rPr>
-                <a:t>modelRef</a:t>
-              </a:r>
-              <a:endParaRPr lang="en-US" sz="900" dirty="0">
-                <a:solidFill>
-                  <a:srgbClr val="0070C0"/>
-                </a:solidFill>
-              </a:endParaRPr>
-            </a:p>
-          </p:txBody>
-        </p:sp>
-        <p:sp>
-          <p:nvSpPr>
-            <p:cNvPr id="44" name="Rectangle 43"/>
-            <p:cNvSpPr/>
-            <p:nvPr/>
-          </p:nvSpPr>
-          <p:spPr>
-            <a:xfrm>
-              <a:off x="378821" y="3404527"/>
-              <a:ext cx="1648969" cy="472281"/>
-            </a:xfrm>
-            <a:prstGeom prst="rect">
-              <a:avLst/>
-            </a:prstGeom>
-            <a:noFill/>
-            <a:ln w="6350">
-              <a:solidFill>
-                <a:srgbClr val="0070C0"/>
-              </a:solidFill>
-            </a:ln>
-          </p:spPr>
-          <p:style>
-            <a:lnRef idx="2">
-              <a:schemeClr val="accent1">
-                <a:shade val="50000"/>
-              </a:schemeClr>
-            </a:lnRef>
-            <a:fillRef idx="1">
-              <a:schemeClr val="accent1"/>
-            </a:fillRef>
-            <a:effectRef idx="0">
-              <a:schemeClr val="accent1"/>
-            </a:effectRef>
-            <a:fontRef idx="minor">
-              <a:schemeClr val="lt1"/>
-            </a:fontRef>
-          </p:style>
-          <p:txBody>
-            <a:bodyPr lIns="91440" tIns="45720" rIns="91440" bIns="45720" spcCol="0" rtlCol="0" anchor="t"/>
-            <a:lstStyle/>
-            <a:p>
-              <a:pPr algn="ctr"/>
-              <a:r>
-                <a:rPr lang="en-US" sz="1100" b="1" dirty="0" smtClean="0">
-                  <a:solidFill>
-                    <a:srgbClr val="0070C0"/>
-                  </a:solidFill>
-                </a:rPr>
-                <a:t>Deletion</a:t>
-              </a:r>
-            </a:p>
-            <a:p>
-              <a:r>
-                <a:rPr lang="en-US" sz="900" dirty="0">
-                  <a:solidFill>
-                    <a:srgbClr val="0070C0"/>
-                  </a:solidFill>
-                </a:rPr>
-                <a:t>id: </a:t>
-              </a:r>
-              <a:r>
-                <a:rPr lang="en-US" sz="900" dirty="0" err="1" smtClean="0">
-                  <a:solidFill>
-                    <a:srgbClr val="0070C0"/>
-                  </a:solidFill>
-                </a:rPr>
-                <a:t>SId</a:t>
-              </a:r>
-              <a:r>
-                <a:rPr lang="en-US" sz="900" dirty="0" smtClean="0">
-                  <a:solidFill>
-                    <a:srgbClr val="0070C0"/>
-                  </a:solidFill>
-                </a:rPr>
-                <a:t> </a:t>
-              </a:r>
-              <a:r>
-                <a:rPr lang="en-US" sz="900" dirty="0">
-                  <a:solidFill>
-                    <a:srgbClr val="0070C0"/>
-                  </a:solidFill>
-                </a:rPr>
-                <a:t>{use=“optional</a:t>
-              </a:r>
-              <a:r>
-                <a:rPr lang="en-US" sz="900" dirty="0" smtClean="0">
-                  <a:solidFill>
-                    <a:srgbClr val="0070C0"/>
-                  </a:solidFill>
-                </a:rPr>
-                <a:t>”}</a:t>
-              </a:r>
-              <a:endParaRPr lang="en-US" sz="900" dirty="0">
-                <a:solidFill>
-                  <a:srgbClr val="0070C0"/>
-                </a:solidFill>
-              </a:endParaRPr>
-            </a:p>
-          </p:txBody>
-        </p:sp>
-        <p:sp>
-          <p:nvSpPr>
-            <p:cNvPr id="45" name="Rectangle 44"/>
-            <p:cNvSpPr/>
-            <p:nvPr/>
-          </p:nvSpPr>
-          <p:spPr>
-            <a:xfrm>
-              <a:off x="134512" y="3064104"/>
-              <a:ext cx="575799" cy="369332"/>
-            </a:xfrm>
-            <a:prstGeom prst="rect">
-              <a:avLst/>
-            </a:prstGeom>
-            <a:ln>
-              <a:noFill/>
-            </a:ln>
-          </p:spPr>
-          <p:txBody>
-            <a:bodyPr wrap="none" lIns="91440" tIns="45720" rIns="91440" bIns="45720">
-              <a:spAutoFit/>
-            </a:bodyPr>
-            <a:lstStyle/>
-            <a:p>
-              <a:r>
-                <a:rPr lang="en-US" sz="900" dirty="0" smtClean="0">
-                  <a:solidFill>
-                    <a:srgbClr val="0070C0"/>
-                  </a:solidFill>
-                </a:rPr>
-                <a:t>deletion</a:t>
-              </a:r>
-              <a:endParaRPr lang="en-US" sz="900" dirty="0">
-                <a:solidFill>
-                  <a:srgbClr val="0070C0"/>
-                </a:solidFill>
-              </a:endParaRPr>
-            </a:p>
-            <a:p>
-              <a:r>
-                <a:rPr lang="en-US" sz="900" dirty="0">
-                  <a:solidFill>
-                    <a:srgbClr val="0070C0"/>
-                  </a:solidFill>
-                </a:rPr>
-                <a:t>0,…,*</a:t>
-              </a:r>
-            </a:p>
-          </p:txBody>
-        </p:sp>
-        <p:cxnSp>
-          <p:nvCxnSpPr>
-            <p:cNvPr id="46" name="Elbow Connector 45"/>
-            <p:cNvCxnSpPr>
-              <a:stCxn id="53" idx="3"/>
-              <a:endCxn id="40" idx="3"/>
-            </p:cNvCxnSpPr>
-            <p:nvPr/>
-          </p:nvCxnSpPr>
-          <p:spPr>
-            <a:xfrm flipV="1">
-              <a:off x="1941463" y="567948"/>
-              <a:ext cx="1756002" cy="1357024"/>
-            </a:xfrm>
-            <a:prstGeom prst="bentConnector2">
-              <a:avLst/>
-            </a:prstGeom>
-            <a:ln w="6350">
-              <a:solidFill>
-                <a:srgbClr val="0070C0"/>
-              </a:solidFill>
-            </a:ln>
-          </p:spPr>
-          <p:style>
-            <a:lnRef idx="1">
-              <a:schemeClr val="accent1"/>
-            </a:lnRef>
-            <a:fillRef idx="0">
-              <a:schemeClr val="accent1"/>
-            </a:fillRef>
-            <a:effectRef idx="0">
-              <a:schemeClr val="accent1"/>
-            </a:effectRef>
-            <a:fontRef idx="minor">
-              <a:schemeClr val="tx1"/>
-            </a:fontRef>
-          </p:style>
-        </p:cxnSp>
-        <p:cxnSp>
-          <p:nvCxnSpPr>
-            <p:cNvPr id="47" name="Elbow Connector 46"/>
-            <p:cNvCxnSpPr>
-              <a:stCxn id="55" idx="3"/>
-              <a:endCxn id="40" idx="3"/>
-            </p:cNvCxnSpPr>
-            <p:nvPr/>
-          </p:nvCxnSpPr>
-          <p:spPr>
-            <a:xfrm flipV="1">
-              <a:off x="3432353" y="567948"/>
-              <a:ext cx="265112" cy="2572133"/>
-            </a:xfrm>
-            <a:prstGeom prst="bentConnector2">
-              <a:avLst/>
-            </a:prstGeom>
-            <a:ln w="6350">
-              <a:solidFill>
-                <a:srgbClr val="0070C0"/>
-              </a:solidFill>
-            </a:ln>
-          </p:spPr>
-          <p:style>
-            <a:lnRef idx="1">
-              <a:schemeClr val="accent1"/>
-            </a:lnRef>
-            <a:fillRef idx="0">
-              <a:schemeClr val="accent1"/>
-            </a:fillRef>
-            <a:effectRef idx="0">
-              <a:schemeClr val="accent1"/>
-            </a:effectRef>
-            <a:fontRef idx="minor">
-              <a:schemeClr val="tx1"/>
-            </a:fontRef>
-          </p:style>
-        </p:cxnSp>
-        <p:grpSp>
-          <p:nvGrpSpPr>
-            <p:cNvPr id="48" name="Group 47"/>
-            <p:cNvGrpSpPr/>
-            <p:nvPr/>
-          </p:nvGrpSpPr>
-          <p:grpSpPr>
-            <a:xfrm>
-              <a:off x="155210" y="2662646"/>
-              <a:ext cx="1489673" cy="459579"/>
-              <a:chOff x="162625" y="2625999"/>
-              <a:chExt cx="1489673" cy="459579"/>
-            </a:xfrm>
-          </p:grpSpPr>
-          <p:sp>
-            <p:nvSpPr>
-              <p:cNvPr id="49" name="Rectangle 48"/>
-              <p:cNvSpPr/>
-              <p:nvPr/>
-            </p:nvSpPr>
-            <p:spPr>
-              <a:xfrm>
-                <a:off x="195272" y="2625999"/>
-                <a:ext cx="1457026" cy="304800"/>
-              </a:xfrm>
-              <a:prstGeom prst="rect">
-                <a:avLst/>
-              </a:prstGeom>
-              <a:noFill/>
-              <a:ln w="6350">
-                <a:solidFill>
-                  <a:srgbClr val="0070C0"/>
-                </a:solidFill>
-              </a:ln>
-            </p:spPr>
-            <p:style>
-              <a:lnRef idx="2">
-                <a:schemeClr val="accent1">
-                  <a:shade val="50000"/>
-                </a:schemeClr>
-              </a:lnRef>
-              <a:fillRef idx="1">
-                <a:schemeClr val="accent1"/>
-              </a:fillRef>
-              <a:effectRef idx="0">
-                <a:schemeClr val="accent1"/>
-              </a:effectRef>
-              <a:fontRef idx="minor">
-                <a:schemeClr val="lt1"/>
-              </a:fontRef>
-            </p:style>
-            <p:txBody>
-              <a:bodyPr lIns="91440" tIns="45720" rIns="91440" bIns="45720" spcCol="0" rtlCol="0" anchor="ctr"/>
-              <a:lstStyle/>
-              <a:p>
-                <a:pPr algn="ctr"/>
-                <a:r>
-                  <a:rPr lang="en-US" sz="1100" b="1" dirty="0" err="1" smtClean="0">
-                    <a:solidFill>
-                      <a:srgbClr val="0070C0"/>
-                    </a:solidFill>
-                  </a:rPr>
-                  <a:t>ListOfDeletions</a:t>
-                </a:r>
-                <a:endParaRPr lang="en-US" sz="1100" b="1" dirty="0">
-                  <a:solidFill>
-                    <a:srgbClr val="0070C0"/>
-                  </a:solidFill>
-                </a:endParaRPr>
-              </a:p>
-            </p:txBody>
-          </p:sp>
-          <p:sp>
-            <p:nvSpPr>
-              <p:cNvPr id="50" name="Diamond 49"/>
-              <p:cNvSpPr/>
-              <p:nvPr/>
-            </p:nvSpPr>
-            <p:spPr>
-              <a:xfrm>
-                <a:off x="162625" y="2933180"/>
-                <a:ext cx="66869" cy="152398"/>
-              </a:xfrm>
-              <a:prstGeom prst="diamond">
-                <a:avLst/>
-              </a:prstGeom>
-              <a:solidFill>
-                <a:srgbClr val="0070C0"/>
-              </a:solidFill>
-              <a:ln w="6350">
-                <a:solidFill>
-                  <a:srgbClr val="0070C0"/>
-                </a:solidFill>
-              </a:ln>
-            </p:spPr>
-            <p:style>
-              <a:lnRef idx="2">
-                <a:schemeClr val="accent1">
-                  <a:shade val="50000"/>
-                </a:schemeClr>
-              </a:lnRef>
-              <a:fillRef idx="1">
-                <a:schemeClr val="accent1"/>
-              </a:fillRef>
-              <a:effectRef idx="0">
-                <a:schemeClr val="accent1"/>
-              </a:effectRef>
-              <a:fontRef idx="minor">
-                <a:schemeClr val="lt1"/>
-              </a:fontRef>
-            </p:style>
-            <p:txBody>
-              <a:bodyPr lIns="91440" tIns="45720" rIns="91440" bIns="45720" spcCol="0" rtlCol="0" anchor="ctr"/>
-              <a:lstStyle/>
-              <a:p>
-                <a:pPr algn="ctr"/>
-                <a:endParaRPr lang="en-US">
-                  <a:solidFill>
-                    <a:srgbClr val="0070C0"/>
-                  </a:solidFill>
-                </a:endParaRPr>
-              </a:p>
-            </p:txBody>
-          </p:sp>
-        </p:grpSp>
-        <p:cxnSp>
-          <p:nvCxnSpPr>
-            <p:cNvPr id="51" name="Elbow Connector 50"/>
-            <p:cNvCxnSpPr>
-              <a:stCxn id="33" idx="3"/>
-              <a:endCxn id="40" idx="3"/>
-            </p:cNvCxnSpPr>
-            <p:nvPr/>
-          </p:nvCxnSpPr>
-          <p:spPr>
-            <a:xfrm flipV="1">
-              <a:off x="2855977" y="567948"/>
-              <a:ext cx="841488" cy="132815"/>
-            </a:xfrm>
-            <a:prstGeom prst="bentConnector2">
-              <a:avLst/>
-            </a:prstGeom>
-            <a:ln w="6350">
-              <a:solidFill>
-                <a:srgbClr val="0070C0"/>
-              </a:solidFill>
-            </a:ln>
-          </p:spPr>
-          <p:style>
-            <a:lnRef idx="1">
-              <a:schemeClr val="accent1"/>
-            </a:lnRef>
-            <a:fillRef idx="0">
-              <a:schemeClr val="accent1"/>
-            </a:fillRef>
-            <a:effectRef idx="0">
-              <a:schemeClr val="accent1"/>
-            </a:effectRef>
-            <a:fontRef idx="minor">
-              <a:schemeClr val="tx1"/>
-            </a:fontRef>
-          </p:style>
-        </p:cxnSp>
-        <p:grpSp>
-          <p:nvGrpSpPr>
-            <p:cNvPr id="52" name="Group 51"/>
-            <p:cNvGrpSpPr/>
-            <p:nvPr/>
-          </p:nvGrpSpPr>
-          <p:grpSpPr>
-            <a:xfrm>
-              <a:off x="187857" y="1588422"/>
-              <a:ext cx="1753606" cy="673100"/>
-              <a:chOff x="195272" y="1551775"/>
-              <a:chExt cx="1753606" cy="673100"/>
-            </a:xfrm>
-          </p:grpSpPr>
-          <p:sp>
-            <p:nvSpPr>
-              <p:cNvPr id="53" name="Rectangle 52"/>
-              <p:cNvSpPr/>
-              <p:nvPr/>
-            </p:nvSpPr>
-            <p:spPr>
-              <a:xfrm>
-                <a:off x="195272" y="1551775"/>
-                <a:ext cx="1753606" cy="673100"/>
-              </a:xfrm>
-              <a:prstGeom prst="rect">
-                <a:avLst/>
-              </a:prstGeom>
-              <a:noFill/>
-              <a:ln w="6350">
-                <a:solidFill>
-                  <a:srgbClr val="0070C0"/>
-                </a:solidFill>
-              </a:ln>
-            </p:spPr>
-            <p:style>
-              <a:lnRef idx="2">
-                <a:schemeClr val="accent1">
-                  <a:shade val="50000"/>
-                </a:schemeClr>
-              </a:lnRef>
-              <a:fillRef idx="1">
-                <a:schemeClr val="accent1"/>
-              </a:fillRef>
-              <a:effectRef idx="0">
-                <a:schemeClr val="accent1"/>
-              </a:effectRef>
-              <a:fontRef idx="minor">
-                <a:schemeClr val="lt1"/>
-              </a:fontRef>
-            </p:style>
-            <p:txBody>
-              <a:bodyPr lIns="91440" tIns="45720" rIns="91440" bIns="45720" spcCol="0" rtlCol="0" anchor="t"/>
-              <a:lstStyle/>
-              <a:p>
-                <a:pPr algn="ctr"/>
-                <a:r>
-                  <a:rPr lang="en-US" sz="1100" b="1" dirty="0" err="1" smtClean="0">
-                    <a:solidFill>
-                      <a:srgbClr val="0070C0"/>
-                    </a:solidFill>
-                  </a:rPr>
-                  <a:t>ModelRef</a:t>
-                </a:r>
-                <a:endParaRPr lang="en-US" sz="1100" b="1" dirty="0" smtClean="0">
-                  <a:solidFill>
-                    <a:srgbClr val="0070C0"/>
-                  </a:solidFill>
-                </a:endParaRPr>
-              </a:p>
-              <a:p>
-                <a:r>
-                  <a:rPr lang="en-US" sz="900" dirty="0" smtClean="0">
-                    <a:solidFill>
-                      <a:srgbClr val="0070C0"/>
-                    </a:solidFill>
-                  </a:rPr>
-                  <a:t>model: </a:t>
-                </a:r>
-                <a:r>
-                  <a:rPr lang="en-US" sz="900" dirty="0" err="1" smtClean="0">
-                    <a:solidFill>
-                      <a:srgbClr val="0070C0"/>
-                    </a:solidFill>
-                  </a:rPr>
-                  <a:t>SIdRef</a:t>
-                </a:r>
-                <a:r>
-                  <a:rPr lang="en-US" sz="900" dirty="0" smtClean="0">
-                    <a:solidFill>
-                      <a:srgbClr val="0070C0"/>
-                    </a:solidFill>
-                  </a:rPr>
-                  <a:t> {use=“optional”}</a:t>
-                </a:r>
-              </a:p>
-              <a:p>
-                <a:r>
-                  <a:rPr lang="en-US" sz="900" dirty="0" err="1" smtClean="0">
-                    <a:solidFill>
-                      <a:srgbClr val="0070C0"/>
-                    </a:solidFill>
-                  </a:rPr>
-                  <a:t>xlink:href</a:t>
-                </a:r>
-                <a:r>
-                  <a:rPr lang="en-US" sz="900" dirty="0" smtClean="0">
-                    <a:solidFill>
-                      <a:srgbClr val="0070C0"/>
-                    </a:solidFill>
-                  </a:rPr>
-                  <a:t>: string {use=“optional”}</a:t>
-                </a:r>
-              </a:p>
-              <a:p>
-                <a:r>
-                  <a:rPr lang="en-US" sz="900" dirty="0" smtClean="0">
-                    <a:solidFill>
-                      <a:srgbClr val="0070C0"/>
-                    </a:solidFill>
-                  </a:rPr>
-                  <a:t>md5: string {use=“optional”}</a:t>
-                </a:r>
-                <a:endParaRPr lang="en-US" sz="900" dirty="0">
-                  <a:solidFill>
-                    <a:srgbClr val="0070C0"/>
-                  </a:solidFill>
-                </a:endParaRPr>
-              </a:p>
-            </p:txBody>
-          </p:sp>
-          <p:cxnSp>
-            <p:nvCxnSpPr>
-              <p:cNvPr id="54" name="Straight Connector 53"/>
-              <p:cNvCxnSpPr/>
-              <p:nvPr/>
-            </p:nvCxnSpPr>
-            <p:spPr>
-              <a:xfrm>
-                <a:off x="201406" y="1731911"/>
-                <a:ext cx="1747472" cy="0"/>
-              </a:xfrm>
-              <a:prstGeom prst="line">
-                <a:avLst/>
-              </a:prstGeom>
-              <a:ln w="6350">
-                <a:solidFill>
-                  <a:srgbClr val="0070C0"/>
-                </a:solidFill>
-              </a:ln>
-            </p:spPr>
-            <p:style>
-              <a:lnRef idx="1">
-                <a:schemeClr val="accent1"/>
-              </a:lnRef>
-              <a:fillRef idx="0">
-                <a:schemeClr val="accent1"/>
-              </a:fillRef>
-              <a:effectRef idx="0">
-                <a:schemeClr val="accent1"/>
-              </a:effectRef>
-              <a:fontRef idx="minor">
-                <a:schemeClr val="tx1"/>
-              </a:fontRef>
-            </p:style>
-          </p:cxnSp>
-        </p:grpSp>
-        <p:sp>
-          <p:nvSpPr>
-            <p:cNvPr id="55" name="Rectangle 54"/>
-            <p:cNvSpPr/>
-            <p:nvPr/>
-          </p:nvSpPr>
-          <p:spPr>
-            <a:xfrm>
-              <a:off x="2482372" y="2987681"/>
-              <a:ext cx="949981" cy="304800"/>
+              <a:off x="195272" y="2625999"/>
+              <a:ext cx="1457026" cy="304800"/>
             </a:xfrm>
             <a:prstGeom prst="rect">
               <a:avLst/>
@@ -4884,7 +4571,7 @@
                     <a:srgbClr val="0070C0"/>
                   </a:solidFill>
                 </a:rPr>
-                <a:t>Subelement</a:t>
+                <a:t>ListOfDeletions</a:t>
               </a:r>
               <a:endParaRPr lang="en-US" sz="1100" b="1" dirty="0">
                 <a:solidFill>
@@ -4896,19 +4583,21 @@
         </p:sp>
         <p:sp>
           <p:nvSpPr>
-            <p:cNvPr id="56" name="Isosceles Triangle 55"/>
+            <p:cNvPr id="50" name="Diamond 49"/>
             <p:cNvSpPr/>
             <p:nvPr/>
           </p:nvSpPr>
           <p:spPr>
             <a:xfrm>
-              <a:off x="2877762" y="3292481"/>
-              <a:ext cx="159199" cy="114300"/>
+              <a:off x="162625" y="2933180"/>
+              <a:ext cx="66869" cy="152398"/>
             </a:xfrm>
-            <a:prstGeom prst="triangle">
+            <a:prstGeom prst="diamond">
               <a:avLst/>
             </a:prstGeom>
-            <a:noFill/>
+            <a:solidFill>
+              <a:srgbClr val="0070C0"/>
+            </a:solidFill>
             <a:ln w="6350">
               <a:solidFill>
                 <a:srgbClr val="0070C0"/>
@@ -4936,7 +4625,7 @@
             <a:lstStyle/>
             <a:p>
               <a:pPr algn="ctr"/>
-              <a:endParaRPr lang="en-US" sz="1100" b="1" dirty="0">
+              <a:endParaRPr lang="en-US">
                 <a:solidFill>
                   <a:srgbClr val="0070C0"/>
                 </a:solidFill>
@@ -4944,23 +4633,74 @@
             </a:p>
           </p:txBody>
         </p:sp>
-        <p:cxnSp>
-          <p:nvCxnSpPr>
-            <p:cNvPr id="57" name="Elbow Connector 56"/>
-            <p:cNvCxnSpPr>
-              <a:stCxn id="44" idx="3"/>
-              <a:endCxn id="56" idx="3"/>
-            </p:cNvCxnSpPr>
+      </p:grpSp>
+      <p:cxnSp>
+        <p:nvCxnSpPr>
+          <p:cNvPr id="51" name="Elbow Connector 50"/>
+          <p:cNvCxnSpPr>
+            <a:stCxn id="33" idx="3"/>
+            <a:endCxn id="40" idx="3"/>
+          </p:cNvCxnSpPr>
+          <p:nvPr/>
+        </p:nvCxnSpPr>
+        <p:spPr>
+          <a:xfrm flipV="1">
+            <a:off x="2855977" y="567948"/>
+            <a:ext cx="841488" cy="103804"/>
+          </a:xfrm>
+          <a:prstGeom prst="bentConnector2">
+            <a:avLst/>
+          </a:prstGeom>
+          <a:ln w="6350">
+            <a:solidFill>
+              <a:srgbClr val="0070C0"/>
+            </a:solidFill>
+          </a:ln>
+        </p:spPr>
+        <p:style>
+          <a:lnRef idx="1">
+            <a:schemeClr val="accent1"/>
+          </a:lnRef>
+          <a:fillRef idx="0">
+            <a:schemeClr val="accent1"/>
+          </a:fillRef>
+          <a:effectRef idx="0">
+            <a:schemeClr val="accent1"/>
+          </a:effectRef>
+          <a:fontRef idx="minor">
+            <a:schemeClr val="tx1"/>
+          </a:fontRef>
+        </p:style>
+      </p:cxnSp>
+      <p:grpSp>
+        <p:nvGrpSpPr>
+          <p:cNvPr id="52" name="Group 51"/>
+          <p:cNvGrpSpPr/>
+          <p:nvPr/>
+        </p:nvGrpSpPr>
+        <p:grpSpPr>
+          <a:xfrm>
+            <a:off x="187857" y="1588422"/>
+            <a:ext cx="1753606" cy="673100"/>
+            <a:chOff x="195272" y="1551775"/>
+            <a:chExt cx="1753606" cy="673100"/>
+          </a:xfrm>
+        </p:grpSpPr>
+        <p:sp>
+          <p:nvSpPr>
+            <p:cNvPr id="53" name="Rectangle 52"/>
+            <p:cNvSpPr/>
             <p:nvPr/>
-          </p:nvCxnSpPr>
+          </p:nvSpPr>
           <p:spPr>
-            <a:xfrm flipV="1">
-              <a:off x="2027790" y="3406781"/>
-              <a:ext cx="929572" cy="233887"/>
+            <a:xfrm>
+              <a:off x="195272" y="1551775"/>
+              <a:ext cx="1753606" cy="673100"/>
             </a:xfrm>
-            <a:prstGeom prst="bentConnector2">
+            <a:prstGeom prst="rect">
               <a:avLst/>
             </a:prstGeom>
+            <a:noFill/>
             <a:ln w="6350">
               <a:solidFill>
                 <a:srgbClr val="0070C0"/>
@@ -4968,30 +4708,111 @@
             </a:ln>
           </p:spPr>
           <p:style>
-            <a:lnRef idx="1">
-              <a:schemeClr val="accent1"/>
+            <a:lnRef idx="2">
+              <a:schemeClr val="accent1">
+                <a:shade val="50000"/>
+              </a:schemeClr>
             </a:lnRef>
-            <a:fillRef idx="0">
+            <a:fillRef idx="1">
               <a:schemeClr val="accent1"/>
             </a:fillRef>
             <a:effectRef idx="0">
               <a:schemeClr val="accent1"/>
             </a:effectRef>
             <a:fontRef idx="minor">
-              <a:schemeClr val="tx1"/>
+              <a:schemeClr val="lt1"/>
             </a:fontRef>
           </p:style>
-        </p:cxnSp>
+          <p:txBody>
+            <a:bodyPr lIns="91440" tIns="45720" rIns="91440" bIns="45720" spcCol="0" rtlCol="0" anchor="t"/>
+            <a:lstStyle/>
+            <a:p>
+              <a:pPr algn="ctr"/>
+              <a:r>
+                <a:rPr lang="en-US" sz="1100" b="1" dirty="0" err="1" smtClean="0">
+                  <a:solidFill>
+                    <a:srgbClr val="0070C0"/>
+                  </a:solidFill>
+                </a:rPr>
+                <a:t>ModelRef</a:t>
+              </a:r>
+              <a:endParaRPr lang="en-US" sz="1100" b="1" dirty="0" smtClean="0">
+                <a:solidFill>
+                  <a:srgbClr val="0070C0"/>
+                </a:solidFill>
+              </a:endParaRPr>
+            </a:p>
+            <a:p>
+              <a:r>
+                <a:rPr lang="en-US" sz="900" dirty="0" smtClean="0">
+                  <a:solidFill>
+                    <a:srgbClr val="0070C0"/>
+                  </a:solidFill>
+                </a:rPr>
+                <a:t>model: </a:t>
+              </a:r>
+              <a:r>
+                <a:rPr lang="en-US" sz="900" dirty="0" err="1" smtClean="0">
+                  <a:solidFill>
+                    <a:srgbClr val="0070C0"/>
+                  </a:solidFill>
+                </a:rPr>
+                <a:t>SIdRef</a:t>
+              </a:r>
+              <a:r>
+                <a:rPr lang="en-US" sz="900" dirty="0" smtClean="0">
+                  <a:solidFill>
+                    <a:srgbClr val="0070C0"/>
+                  </a:solidFill>
+                </a:rPr>
+                <a:t> {use=“optional”}</a:t>
+              </a:r>
+            </a:p>
+            <a:p>
+              <a:r>
+                <a:rPr lang="en-US" sz="900" dirty="0" err="1" smtClean="0">
+                  <a:solidFill>
+                    <a:srgbClr val="0070C0"/>
+                  </a:solidFill>
+                </a:rPr>
+                <a:t>xlink:href</a:t>
+              </a:r>
+              <a:r>
+                <a:rPr lang="en-US" sz="900" dirty="0" smtClean="0">
+                  <a:solidFill>
+                    <a:srgbClr val="0070C0"/>
+                  </a:solidFill>
+                </a:rPr>
+                <a:t>: string {use=“optional”}</a:t>
+              </a:r>
+            </a:p>
+            <a:p>
+              <a:r>
+                <a:rPr lang="en-US" sz="900" dirty="0" smtClean="0">
+                  <a:solidFill>
+                    <a:srgbClr val="0070C0"/>
+                  </a:solidFill>
+                </a:rPr>
+                <a:t>md5: string {use=“optional”}</a:t>
+              </a:r>
+              <a:endParaRPr lang="en-US" sz="900" dirty="0">
+                <a:solidFill>
+                  <a:srgbClr val="0070C0"/>
+                </a:solidFill>
+              </a:endParaRPr>
+            </a:p>
+          </p:txBody>
+        </p:sp>
         <p:cxnSp>
           <p:nvCxnSpPr>
-            <p:cNvPr id="60" name="Straight Connector 59"/>
+            <p:cNvPr id="54" name="Straight Connector 53"/>
             <p:cNvCxnSpPr/>
             <p:nvPr/>
           </p:nvCxnSpPr>
           <p:spPr>
             <a:xfrm>
-              <a:off x="378821" y="3594947"/>
-              <a:ext cx="1648969" cy="0"/>
+              <a:off x="201406" y="1731911"/>
+              <a:ext cx="1747472" cy="0"/>
             </a:xfrm>
             <a:prstGeom prst="line">
               <a:avLst/>
@@ -5018,6 +4839,187 @@
           </p:style>
         </p:cxnSp>
       </p:grpSp>
+      <p:sp>
+        <p:nvSpPr>
+          <p:cNvPr id="55" name="Rectangle 54"/>
+          <p:cNvSpPr/>
+          <p:nvPr/>
+        </p:nvSpPr>
+        <p:spPr>
+          <a:xfrm>
+            <a:off x="2482372" y="2987681"/>
+            <a:ext cx="949981" cy="304800"/>
+          </a:xfrm>
+          <a:prstGeom prst="rect">
+            <a:avLst/>
+          </a:prstGeom>
+          <a:noFill/>
+          <a:ln w="6350">
+            <a:solidFill>
+              <a:srgbClr val="0070C0"/>
+            </a:solidFill>
+          </a:ln>
+        </p:spPr>
+        <p:style>
+          <a:lnRef idx="2">
+            <a:schemeClr val="accent1">
+              <a:shade val="50000"/>
+            </a:schemeClr>
+          </a:lnRef>
+          <a:fillRef idx="1">
+            <a:schemeClr val="accent1"/>
+          </a:fillRef>
+          <a:effectRef idx="0">
+            <a:schemeClr val="accent1"/>
+          </a:effectRef>
+          <a:fontRef idx="minor">
+            <a:schemeClr val="lt1"/>
+          </a:fontRef>
+        </p:style>
+        <p:txBody>
+          <a:bodyPr lIns="91440" tIns="45720" rIns="91440" bIns="45720" spcCol="0" rtlCol="0" anchor="ctr"/>
+          <a:lstStyle/>
+          <a:p>
+            <a:pPr algn="ctr"/>
+            <a:r>
+              <a:rPr lang="en-US" sz="1100" b="1" dirty="0" err="1" smtClean="0">
+                <a:solidFill>
+                  <a:srgbClr val="0070C0"/>
+                </a:solidFill>
+              </a:rPr>
+              <a:t>Subelement</a:t>
+            </a:r>
+            <a:endParaRPr lang="en-US" sz="1100" b="1" dirty="0">
+              <a:solidFill>
+                <a:srgbClr val="0070C0"/>
+              </a:solidFill>
+            </a:endParaRPr>
+          </a:p>
+        </p:txBody>
+      </p:sp>
+      <p:sp>
+        <p:nvSpPr>
+          <p:cNvPr id="56" name="Isosceles Triangle 55"/>
+          <p:cNvSpPr/>
+          <p:nvPr/>
+        </p:nvSpPr>
+        <p:spPr>
+          <a:xfrm>
+            <a:off x="2877762" y="3292481"/>
+            <a:ext cx="159199" cy="114300"/>
+          </a:xfrm>
+          <a:prstGeom prst="triangle">
+            <a:avLst/>
+          </a:prstGeom>
+          <a:noFill/>
+          <a:ln w="6350">
+            <a:solidFill>
+              <a:srgbClr val="0070C0"/>
+            </a:solidFill>
+          </a:ln>
+        </p:spPr>
+        <p:style>
+          <a:lnRef idx="2">
+            <a:schemeClr val="accent1">
+              <a:shade val="50000"/>
+            </a:schemeClr>
+          </a:lnRef>
+          <a:fillRef idx="1">
+            <a:schemeClr val="accent1"/>
+          </a:fillRef>
+          <a:effectRef idx="0">
+            <a:schemeClr val="accent1"/>
+          </a:effectRef>
+          <a:fontRef idx="minor">
+            <a:schemeClr val="lt1"/>
+          </a:fontRef>
+        </p:style>
+        <p:txBody>
+          <a:bodyPr lIns="91440" tIns="45720" rIns="91440" bIns="45720" spcCol="0" rtlCol="0" anchor="ctr"/>
+          <a:lstStyle/>
+          <a:p>
+            <a:pPr algn="ctr"/>
+            <a:endParaRPr lang="en-US" sz="1100" b="1" dirty="0">
+              <a:solidFill>
+                <a:srgbClr val="0070C0"/>
+              </a:solidFill>
+            </a:endParaRPr>
+          </a:p>
+        </p:txBody>
+      </p:sp>
+      <p:cxnSp>
+        <p:nvCxnSpPr>
+          <p:cNvPr id="57" name="Elbow Connector 56"/>
+          <p:cNvCxnSpPr>
+            <a:stCxn id="44" idx="3"/>
+            <a:endCxn id="56" idx="3"/>
+          </p:cNvCxnSpPr>
+          <p:nvPr/>
+        </p:nvCxnSpPr>
+        <p:spPr>
+          <a:xfrm flipV="1">
+            <a:off x="2027790" y="3406781"/>
+            <a:ext cx="929572" cy="233887"/>
+          </a:xfrm>
+          <a:prstGeom prst="bentConnector2">
+            <a:avLst/>
+          </a:prstGeom>
+          <a:ln w="6350">
+            <a:solidFill>
+              <a:srgbClr val="0070C0"/>
+            </a:solidFill>
+          </a:ln>
+        </p:spPr>
+        <p:style>
+          <a:lnRef idx="1">
+            <a:schemeClr val="accent1"/>
+          </a:lnRef>
+          <a:fillRef idx="0">
+            <a:schemeClr val="accent1"/>
+          </a:fillRef>
+          <a:effectRef idx="0">
+            <a:schemeClr val="accent1"/>
+          </a:effectRef>
+          <a:fontRef idx="minor">
+            <a:schemeClr val="tx1"/>
+          </a:fontRef>
+        </p:style>
+      </p:cxnSp>
+      <p:cxnSp>
+        <p:nvCxnSpPr>
+          <p:cNvPr id="60" name="Straight Connector 59"/>
+          <p:cNvCxnSpPr/>
+          <p:nvPr/>
+        </p:nvCxnSpPr>
+        <p:spPr>
+          <a:xfrm>
+            <a:off x="378821" y="3594947"/>
+            <a:ext cx="1648969" cy="0"/>
+          </a:xfrm>
+          <a:prstGeom prst="line">
+            <a:avLst/>
+          </a:prstGeom>
+          <a:ln w="6350">
+            <a:solidFill>
+              <a:srgbClr val="0070C0"/>
+            </a:solidFill>
+          </a:ln>
+        </p:spPr>
+        <p:style>
+          <a:lnRef idx="1">
+            <a:schemeClr val="accent1"/>
+          </a:lnRef>
+          <a:fillRef idx="0">
+            <a:schemeClr val="accent1"/>
+          </a:fillRef>
+          <a:effectRef idx="0">
+            <a:schemeClr val="accent1"/>
+          </a:effectRef>
+          <a:fontRef idx="minor">
+            <a:schemeClr val="tx1"/>
+          </a:fontRef>
+        </p:style>
+      </p:cxnSp>
     </p:spTree>
     <p:extLst>
       <p:ext uri="{BB962C8B-B14F-4D97-AF65-F5344CB8AC3E}">

--- a/sbml-level-3/version-1/comp/Submodel.pptx
+++ b/sbml-level-3/version-1/comp/Submodel.pptx
@@ -192,7 +192,7 @@
           <a:p>
             <a:fld id="{7754A941-C6C2-4027-B1F4-A5E937B2245F}" type="datetimeFigureOut">
               <a:rPr lang="en-US" smtClean="0"/>
-              <a:t>9/30/2010</a:t>
+              <a:t>10/6/2010</a:t>
             </a:fld>
             <a:endParaRPr lang="en-US"/>
           </a:p>
@@ -730,7 +730,7 @@
           <a:p>
             <a:fld id="{F0172217-DC24-48CD-AE89-68C8C8D878B4}" type="datetimeFigureOut">
               <a:rPr lang="en-US" smtClean="0"/>
-              <a:t>9/30/2010</a:t>
+              <a:t>10/6/2010</a:t>
             </a:fld>
             <a:endParaRPr lang="en-US"/>
           </a:p>
@@ -900,7 +900,7 @@
           <a:p>
             <a:fld id="{F0172217-DC24-48CD-AE89-68C8C8D878B4}" type="datetimeFigureOut">
               <a:rPr lang="en-US" smtClean="0"/>
-              <a:t>9/30/2010</a:t>
+              <a:t>10/6/2010</a:t>
             </a:fld>
             <a:endParaRPr lang="en-US"/>
           </a:p>
@@ -1080,7 +1080,7 @@
           <a:p>
             <a:fld id="{F0172217-DC24-48CD-AE89-68C8C8D878B4}" type="datetimeFigureOut">
               <a:rPr lang="en-US" smtClean="0"/>
-              <a:t>9/30/2010</a:t>
+              <a:t>10/6/2010</a:t>
             </a:fld>
             <a:endParaRPr lang="en-US"/>
           </a:p>
@@ -1250,7 +1250,7 @@
           <a:p>
             <a:fld id="{F0172217-DC24-48CD-AE89-68C8C8D878B4}" type="datetimeFigureOut">
               <a:rPr lang="en-US" smtClean="0"/>
-              <a:t>9/30/2010</a:t>
+              <a:t>10/6/2010</a:t>
             </a:fld>
             <a:endParaRPr lang="en-US"/>
           </a:p>
@@ -1496,7 +1496,7 @@
           <a:p>
             <a:fld id="{F0172217-DC24-48CD-AE89-68C8C8D878B4}" type="datetimeFigureOut">
               <a:rPr lang="en-US" smtClean="0"/>
-              <a:t>9/30/2010</a:t>
+              <a:t>10/6/2010</a:t>
             </a:fld>
             <a:endParaRPr lang="en-US"/>
           </a:p>
@@ -1784,7 +1784,7 @@
           <a:p>
             <a:fld id="{F0172217-DC24-48CD-AE89-68C8C8D878B4}" type="datetimeFigureOut">
               <a:rPr lang="en-US" smtClean="0"/>
-              <a:t>9/30/2010</a:t>
+              <a:t>10/6/2010</a:t>
             </a:fld>
             <a:endParaRPr lang="en-US"/>
           </a:p>
@@ -2206,7 +2206,7 @@
           <a:p>
             <a:fld id="{F0172217-DC24-48CD-AE89-68C8C8D878B4}" type="datetimeFigureOut">
               <a:rPr lang="en-US" smtClean="0"/>
-              <a:t>9/30/2010</a:t>
+              <a:t>10/6/2010</a:t>
             </a:fld>
             <a:endParaRPr lang="en-US"/>
           </a:p>
@@ -2324,7 +2324,7 @@
           <a:p>
             <a:fld id="{F0172217-DC24-48CD-AE89-68C8C8D878B4}" type="datetimeFigureOut">
               <a:rPr lang="en-US" smtClean="0"/>
-              <a:t>9/30/2010</a:t>
+              <a:t>10/6/2010</a:t>
             </a:fld>
             <a:endParaRPr lang="en-US"/>
           </a:p>
@@ -2419,7 +2419,7 @@
           <a:p>
             <a:fld id="{F0172217-DC24-48CD-AE89-68C8C8D878B4}" type="datetimeFigureOut">
               <a:rPr lang="en-US" smtClean="0"/>
-              <a:t>9/30/2010</a:t>
+              <a:t>10/6/2010</a:t>
             </a:fld>
             <a:endParaRPr lang="en-US"/>
           </a:p>
@@ -2696,7 +2696,7 @@
           <a:p>
             <a:fld id="{F0172217-DC24-48CD-AE89-68C8C8D878B4}" type="datetimeFigureOut">
               <a:rPr lang="en-US" smtClean="0"/>
-              <a:t>9/30/2010</a:t>
+              <a:t>10/6/2010</a:t>
             </a:fld>
             <a:endParaRPr lang="en-US"/>
           </a:p>
@@ -2949,7 +2949,7 @@
           <a:p>
             <a:fld id="{F0172217-DC24-48CD-AE89-68C8C8D878B4}" type="datetimeFigureOut">
               <a:rPr lang="en-US" smtClean="0"/>
-              <a:t>9/30/2010</a:t>
+              <a:t>10/6/2010</a:t>
             </a:fld>
             <a:endParaRPr lang="en-US"/>
           </a:p>
@@ -3162,7 +3162,7 @@
           <a:p>
             <a:fld id="{F0172217-DC24-48CD-AE89-68C8C8D878B4}" type="datetimeFigureOut">
               <a:rPr lang="en-US" smtClean="0"/>
-              <a:t>9/30/2010</a:t>
+              <a:t>10/6/2010</a:t>
             </a:fld>
             <a:endParaRPr lang="en-US"/>
           </a:p>
@@ -3537,1002 +3537,65 @@
           <a:chExt cx="0" cy="0"/>
         </a:xfrm>
       </p:grpSpPr>
-      <p:cxnSp>
-        <p:nvCxnSpPr>
-          <p:cNvPr id="31" name="Straight Connector 30"/>
-          <p:cNvCxnSpPr/>
-          <p:nvPr/>
-        </p:nvCxnSpPr>
-        <p:spPr>
-          <a:xfrm>
-            <a:off x="91207" y="285229"/>
-            <a:ext cx="2764770" cy="0"/>
-          </a:xfrm>
-          <a:prstGeom prst="line">
-            <a:avLst/>
-          </a:prstGeom>
-          <a:ln w="6350">
-            <a:solidFill>
-              <a:srgbClr val="0070C0"/>
-            </a:solidFill>
-          </a:ln>
-        </p:spPr>
-        <p:style>
-          <a:lnRef idx="1">
-            <a:schemeClr val="accent1"/>
-          </a:lnRef>
-          <a:fillRef idx="0">
-            <a:schemeClr val="accent1"/>
-          </a:fillRef>
-          <a:effectRef idx="0">
-            <a:schemeClr val="accent1"/>
-          </a:effectRef>
-          <a:fontRef idx="minor">
-            <a:schemeClr val="tx1"/>
-          </a:fontRef>
-        </p:style>
-      </p:cxnSp>
-      <p:sp>
-        <p:nvSpPr>
-          <p:cNvPr id="33" name="Rectangle 32"/>
-          <p:cNvSpPr/>
-          <p:nvPr/>
-        </p:nvSpPr>
-        <p:spPr>
-          <a:xfrm>
-            <a:off x="91207" y="84619"/>
-            <a:ext cx="2764770" cy="1174265"/>
-          </a:xfrm>
-          <a:prstGeom prst="rect">
-            <a:avLst/>
-          </a:prstGeom>
-          <a:noFill/>
-          <a:ln w="6350">
-            <a:solidFill>
-              <a:srgbClr val="0070C0"/>
-            </a:solidFill>
-          </a:ln>
-        </p:spPr>
-        <p:style>
-          <a:lnRef idx="2">
-            <a:schemeClr val="accent1">
-              <a:shade val="50000"/>
-            </a:schemeClr>
-          </a:lnRef>
-          <a:fillRef idx="1">
-            <a:schemeClr val="accent1"/>
-          </a:fillRef>
-          <a:effectRef idx="0">
-            <a:schemeClr val="accent1"/>
-          </a:effectRef>
-          <a:fontRef idx="minor">
-            <a:schemeClr val="lt1"/>
-          </a:fontRef>
-        </p:style>
-        <p:txBody>
-          <a:bodyPr rtlCol="0" anchor="t"/>
-          <a:lstStyle/>
-          <a:p>
-            <a:pPr algn="ctr"/>
-            <a:r>
-              <a:rPr lang="en-US" sz="1100" b="1" dirty="0" smtClean="0">
-                <a:solidFill>
-                  <a:srgbClr val="0070C0"/>
-                </a:solidFill>
-              </a:rPr>
-              <a:t>Submodel</a:t>
-            </a:r>
-            <a:endParaRPr lang="en-US" sz="1100" b="1" dirty="0">
-              <a:solidFill>
-                <a:srgbClr val="0070C0"/>
-              </a:solidFill>
-            </a:endParaRPr>
-          </a:p>
-          <a:p>
-            <a:r>
-              <a:rPr lang="en-US" sz="900" dirty="0" smtClean="0">
-                <a:solidFill>
-                  <a:srgbClr val="0070C0"/>
-                </a:solidFill>
-              </a:rPr>
-              <a:t>id: </a:t>
-            </a:r>
-            <a:r>
-              <a:rPr lang="en-US" sz="900" dirty="0" err="1" smtClean="0">
-                <a:solidFill>
-                  <a:srgbClr val="0070C0"/>
-                </a:solidFill>
-              </a:rPr>
-              <a:t>SId</a:t>
-            </a:r>
-            <a:r>
-              <a:rPr lang="en-US" sz="900" dirty="0" smtClean="0">
-                <a:solidFill>
-                  <a:srgbClr val="0070C0"/>
-                </a:solidFill>
-              </a:rPr>
-              <a:t> {use=“optional”}</a:t>
-            </a:r>
-          </a:p>
-          <a:p>
-            <a:r>
-              <a:rPr lang="en-US" sz="900" dirty="0" err="1">
-                <a:solidFill>
-                  <a:srgbClr val="0070C0"/>
-                </a:solidFill>
-              </a:rPr>
-              <a:t>lengthConversionFactor</a:t>
-            </a:r>
-            <a:r>
-              <a:rPr lang="en-US" sz="900" dirty="0">
-                <a:solidFill>
-                  <a:srgbClr val="0070C0"/>
-                </a:solidFill>
-              </a:rPr>
-              <a:t>: </a:t>
-            </a:r>
-            <a:r>
-              <a:rPr lang="en-US" sz="900" dirty="0" err="1">
-                <a:solidFill>
-                  <a:srgbClr val="0070C0"/>
-                </a:solidFill>
-              </a:rPr>
-              <a:t>SIdRef</a:t>
-            </a:r>
-            <a:r>
-              <a:rPr lang="en-US" sz="900" dirty="0">
-                <a:solidFill>
-                  <a:srgbClr val="0070C0"/>
-                </a:solidFill>
-              </a:rPr>
-              <a:t> {use=“optional”}</a:t>
-            </a:r>
-          </a:p>
-          <a:p>
-            <a:r>
-              <a:rPr lang="en-US" sz="900" dirty="0" err="1">
-                <a:solidFill>
-                  <a:srgbClr val="0070C0"/>
-                </a:solidFill>
-              </a:rPr>
-              <a:t>volumeConversionFactor</a:t>
-            </a:r>
-            <a:r>
-              <a:rPr lang="en-US" sz="900" dirty="0">
-                <a:solidFill>
-                  <a:srgbClr val="0070C0"/>
-                </a:solidFill>
-              </a:rPr>
-              <a:t>: </a:t>
-            </a:r>
-            <a:r>
-              <a:rPr lang="en-US" sz="900" dirty="0" err="1">
-                <a:solidFill>
-                  <a:srgbClr val="0070C0"/>
-                </a:solidFill>
-              </a:rPr>
-              <a:t>SIdRef</a:t>
-            </a:r>
-            <a:r>
-              <a:rPr lang="en-US" sz="900" dirty="0">
-                <a:solidFill>
-                  <a:srgbClr val="0070C0"/>
-                </a:solidFill>
-              </a:rPr>
-              <a:t> {use=“optional”}</a:t>
-            </a:r>
-          </a:p>
-          <a:p>
-            <a:r>
-              <a:rPr lang="en-US" sz="900" dirty="0" err="1" smtClean="0">
-                <a:solidFill>
-                  <a:srgbClr val="0070C0"/>
-                </a:solidFill>
-              </a:rPr>
-              <a:t>areaConversionFactor</a:t>
-            </a:r>
-            <a:r>
-              <a:rPr lang="en-US" sz="900" dirty="0" smtClean="0">
-                <a:solidFill>
-                  <a:srgbClr val="0070C0"/>
-                </a:solidFill>
-              </a:rPr>
-              <a:t>: </a:t>
-            </a:r>
-            <a:r>
-              <a:rPr lang="en-US" sz="900" dirty="0" err="1" smtClean="0">
-                <a:solidFill>
-                  <a:srgbClr val="0070C0"/>
-                </a:solidFill>
-              </a:rPr>
-              <a:t>SIdRef</a:t>
-            </a:r>
-            <a:r>
-              <a:rPr lang="en-US" sz="900" dirty="0" smtClean="0">
-                <a:solidFill>
-                  <a:srgbClr val="0070C0"/>
-                </a:solidFill>
-              </a:rPr>
-              <a:t> {use=“optional”}</a:t>
-            </a:r>
-          </a:p>
-          <a:p>
-            <a:r>
-              <a:rPr lang="en-US" sz="900" dirty="0" err="1" smtClean="0">
-                <a:solidFill>
-                  <a:srgbClr val="0070C0"/>
-                </a:solidFill>
-              </a:rPr>
-              <a:t>substanceConversionFactor</a:t>
-            </a:r>
-            <a:r>
-              <a:rPr lang="en-US" sz="900" dirty="0" smtClean="0">
-                <a:solidFill>
-                  <a:srgbClr val="0070C0"/>
-                </a:solidFill>
-              </a:rPr>
-              <a:t>: </a:t>
-            </a:r>
-            <a:r>
-              <a:rPr lang="en-US" sz="900" dirty="0" err="1" smtClean="0">
-                <a:solidFill>
-                  <a:srgbClr val="0070C0"/>
-                </a:solidFill>
-              </a:rPr>
-              <a:t>SIdRef</a:t>
-            </a:r>
-            <a:r>
-              <a:rPr lang="en-US" sz="900" dirty="0" smtClean="0">
-                <a:solidFill>
-                  <a:srgbClr val="0070C0"/>
-                </a:solidFill>
-              </a:rPr>
-              <a:t> {use=“optional”}</a:t>
-            </a:r>
-          </a:p>
-          <a:p>
-            <a:r>
-              <a:rPr lang="en-US" sz="900" dirty="0" err="1" smtClean="0">
-                <a:solidFill>
-                  <a:srgbClr val="0070C0"/>
-                </a:solidFill>
-              </a:rPr>
-              <a:t>timeConversionFactor</a:t>
-            </a:r>
-            <a:r>
-              <a:rPr lang="en-US" sz="900" dirty="0" smtClean="0">
-                <a:solidFill>
-                  <a:srgbClr val="0070C0"/>
-                </a:solidFill>
-              </a:rPr>
-              <a:t>: </a:t>
-            </a:r>
-            <a:r>
-              <a:rPr lang="en-US" sz="900" dirty="0" err="1" smtClean="0">
-                <a:solidFill>
-                  <a:srgbClr val="0070C0"/>
-                </a:solidFill>
-              </a:rPr>
-              <a:t>SIdRef</a:t>
-            </a:r>
-            <a:r>
-              <a:rPr lang="en-US" sz="900" dirty="0" smtClean="0">
-                <a:solidFill>
-                  <a:srgbClr val="0070C0"/>
-                </a:solidFill>
-              </a:rPr>
-              <a:t> {use=“optional</a:t>
-            </a:r>
-            <a:r>
-              <a:rPr lang="en-US" sz="900" dirty="0" smtClean="0">
-                <a:solidFill>
-                  <a:srgbClr val="0070C0"/>
-                </a:solidFill>
-              </a:rPr>
-              <a:t>”}</a:t>
-            </a:r>
-          </a:p>
-          <a:p>
-            <a:r>
-              <a:rPr lang="en-US" sz="900" dirty="0" err="1" smtClean="0">
-                <a:solidFill>
-                  <a:srgbClr val="0070C0"/>
-                </a:solidFill>
-              </a:rPr>
-              <a:t>extentConversionFactor</a:t>
-            </a:r>
-            <a:r>
-              <a:rPr lang="en-US" sz="900" dirty="0" smtClean="0">
-                <a:solidFill>
-                  <a:srgbClr val="0070C0"/>
-                </a:solidFill>
-              </a:rPr>
-              <a:t>: </a:t>
-            </a:r>
-            <a:r>
-              <a:rPr lang="en-US" sz="900" dirty="0" err="1" smtClean="0">
-                <a:solidFill>
-                  <a:srgbClr val="0070C0"/>
-                </a:solidFill>
-              </a:rPr>
-              <a:t>SIdRef</a:t>
-            </a:r>
-            <a:r>
-              <a:rPr lang="en-US" sz="900" dirty="0" smtClean="0">
-                <a:solidFill>
-                  <a:srgbClr val="0070C0"/>
-                </a:solidFill>
-              </a:rPr>
-              <a:t> {use=“optional”}</a:t>
-            </a:r>
-            <a:endParaRPr lang="en-US" sz="900" dirty="0" smtClean="0">
-              <a:solidFill>
-                <a:srgbClr val="0070C0"/>
-              </a:solidFill>
-            </a:endParaRPr>
-          </a:p>
-          <a:p>
-            <a:endParaRPr lang="en-US" sz="900" dirty="0">
-              <a:solidFill>
-                <a:srgbClr val="0070C0"/>
-              </a:solidFill>
-            </a:endParaRPr>
-          </a:p>
-        </p:txBody>
-      </p:sp>
-      <p:sp>
-        <p:nvSpPr>
-          <p:cNvPr id="34" name="Diamond 33"/>
-          <p:cNvSpPr/>
-          <p:nvPr/>
-        </p:nvSpPr>
-        <p:spPr>
-          <a:xfrm>
-            <a:off x="57847" y="1261265"/>
-            <a:ext cx="66869" cy="167916"/>
-          </a:xfrm>
-          <a:prstGeom prst="diamond">
-            <a:avLst/>
-          </a:prstGeom>
-          <a:solidFill>
-            <a:srgbClr val="0070C0"/>
-          </a:solidFill>
-          <a:ln w="6350">
-            <a:solidFill>
-              <a:srgbClr val="0070C0"/>
-            </a:solidFill>
-          </a:ln>
-        </p:spPr>
-        <p:style>
-          <a:lnRef idx="2">
-            <a:schemeClr val="accent1">
-              <a:shade val="50000"/>
-            </a:schemeClr>
-          </a:lnRef>
-          <a:fillRef idx="1">
-            <a:schemeClr val="accent1"/>
-          </a:fillRef>
-          <a:effectRef idx="0">
-            <a:schemeClr val="accent1"/>
-          </a:effectRef>
-          <a:fontRef idx="minor">
-            <a:schemeClr val="lt1"/>
-          </a:fontRef>
-        </p:style>
-        <p:txBody>
-          <a:bodyPr lIns="91440" tIns="45720" rIns="91440" bIns="45720" spcCol="0" rtlCol="0" anchor="ctr"/>
-          <a:lstStyle/>
-          <a:p>
-            <a:pPr algn="ctr"/>
-            <a:endParaRPr lang="en-US">
-              <a:solidFill>
-                <a:srgbClr val="0070C0"/>
-              </a:solidFill>
-            </a:endParaRPr>
-          </a:p>
-        </p:txBody>
-      </p:sp>
-      <p:cxnSp>
-        <p:nvCxnSpPr>
-          <p:cNvPr id="35" name="Elbow Connector 34"/>
-          <p:cNvCxnSpPr>
-            <a:stCxn id="34" idx="2"/>
-            <a:endCxn id="53" idx="0"/>
-          </p:cNvCxnSpPr>
-          <p:nvPr/>
-        </p:nvCxnSpPr>
-        <p:spPr>
-          <a:xfrm rot="16200000" flipH="1">
-            <a:off x="498351" y="1022112"/>
-            <a:ext cx="159241" cy="973378"/>
-          </a:xfrm>
-          <a:prstGeom prst="bentConnector3">
-            <a:avLst>
-              <a:gd name="adj1" fmla="val 50000"/>
-            </a:avLst>
-          </a:prstGeom>
-          <a:ln w="6350">
-            <a:solidFill>
-              <a:srgbClr val="0070C0"/>
-            </a:solidFill>
-          </a:ln>
-        </p:spPr>
-        <p:style>
-          <a:lnRef idx="1">
-            <a:schemeClr val="accent1"/>
-          </a:lnRef>
-          <a:fillRef idx="0">
-            <a:schemeClr val="accent1"/>
-          </a:fillRef>
-          <a:effectRef idx="0">
-            <a:schemeClr val="accent1"/>
-          </a:effectRef>
-          <a:fontRef idx="minor">
-            <a:schemeClr val="tx1"/>
-          </a:fontRef>
-        </p:style>
-      </p:cxnSp>
-      <p:cxnSp>
-        <p:nvCxnSpPr>
-          <p:cNvPr id="36" name="Elbow Connector 35"/>
-          <p:cNvCxnSpPr>
-            <a:stCxn id="50" idx="2"/>
-            <a:endCxn id="44" idx="0"/>
-          </p:cNvCxnSpPr>
-          <p:nvPr/>
-        </p:nvCxnSpPr>
-        <p:spPr>
-          <a:xfrm rot="16200000" flipH="1">
-            <a:off x="554824" y="2756045"/>
-            <a:ext cx="282302" cy="1014661"/>
-          </a:xfrm>
-          <a:prstGeom prst="bentConnector3">
-            <a:avLst>
-              <a:gd name="adj1" fmla="val 50000"/>
-            </a:avLst>
-          </a:prstGeom>
-          <a:ln w="6350">
-            <a:solidFill>
-              <a:srgbClr val="0070C0"/>
-            </a:solidFill>
-          </a:ln>
-        </p:spPr>
-        <p:style>
-          <a:lnRef idx="1">
-            <a:schemeClr val="accent1"/>
-          </a:lnRef>
-          <a:fillRef idx="0">
-            <a:schemeClr val="accent1"/>
-          </a:fillRef>
-          <a:effectRef idx="0">
-            <a:schemeClr val="accent1"/>
-          </a:effectRef>
-          <a:fontRef idx="minor">
-            <a:schemeClr val="tx1"/>
-          </a:fontRef>
-        </p:style>
-      </p:cxnSp>
-      <p:cxnSp>
-        <p:nvCxnSpPr>
-          <p:cNvPr id="37" name="Elbow Connector 36"/>
-          <p:cNvCxnSpPr>
-            <a:stCxn id="34" idx="2"/>
-            <a:endCxn id="49" idx="0"/>
-          </p:cNvCxnSpPr>
-          <p:nvPr/>
-        </p:nvCxnSpPr>
-        <p:spPr>
-          <a:xfrm rot="16200000" flipH="1">
-            <a:off x="-112906" y="1633369"/>
-            <a:ext cx="1233465" cy="825088"/>
-          </a:xfrm>
-          <a:prstGeom prst="bentConnector3">
-            <a:avLst>
-              <a:gd name="adj1" fmla="val 85203"/>
-            </a:avLst>
-          </a:prstGeom>
-          <a:ln w="6350">
-            <a:solidFill>
-              <a:srgbClr val="0070C0"/>
-            </a:solidFill>
-          </a:ln>
-        </p:spPr>
-        <p:style>
-          <a:lnRef idx="1">
-            <a:schemeClr val="accent1"/>
-          </a:lnRef>
-          <a:fillRef idx="0">
-            <a:schemeClr val="accent1"/>
-          </a:fillRef>
-          <a:effectRef idx="0">
-            <a:schemeClr val="accent1"/>
-          </a:effectRef>
-          <a:fontRef idx="minor">
-            <a:schemeClr val="tx1"/>
-          </a:fontRef>
-        </p:style>
-      </p:cxnSp>
-      <p:sp>
-        <p:nvSpPr>
-          <p:cNvPr id="39" name="Rectangle 38"/>
-          <p:cNvSpPr/>
-          <p:nvPr/>
-        </p:nvSpPr>
-        <p:spPr>
-          <a:xfrm>
-            <a:off x="3389263" y="145916"/>
-            <a:ext cx="582169" cy="304800"/>
-          </a:xfrm>
-          <a:prstGeom prst="rect">
-            <a:avLst/>
-          </a:prstGeom>
-          <a:noFill/>
-          <a:ln w="6350">
-            <a:solidFill>
-              <a:srgbClr val="002060"/>
-            </a:solidFill>
-          </a:ln>
-        </p:spPr>
-        <p:style>
-          <a:lnRef idx="2">
-            <a:schemeClr val="accent1">
-              <a:shade val="50000"/>
-            </a:schemeClr>
-          </a:lnRef>
-          <a:fillRef idx="1">
-            <a:schemeClr val="accent1"/>
-          </a:fillRef>
-          <a:effectRef idx="0">
-            <a:schemeClr val="accent1"/>
-          </a:effectRef>
-          <a:fontRef idx="minor">
-            <a:schemeClr val="lt1"/>
-          </a:fontRef>
-        </p:style>
-        <p:txBody>
-          <a:bodyPr lIns="91440" tIns="45720" rIns="91440" bIns="45720" spcCol="0" rtlCol="0" anchor="ctr"/>
-          <a:lstStyle/>
-          <a:p>
-            <a:pPr algn="ctr"/>
-            <a:r>
-              <a:rPr lang="en-US" sz="1100" b="1" dirty="0">
-                <a:solidFill>
-                  <a:schemeClr val="tx1"/>
-                </a:solidFill>
-              </a:rPr>
-              <a:t>SBase</a:t>
-            </a:r>
-          </a:p>
-        </p:txBody>
-      </p:sp>
-      <p:sp>
-        <p:nvSpPr>
-          <p:cNvPr id="40" name="Isosceles Triangle 39"/>
-          <p:cNvSpPr/>
-          <p:nvPr/>
-        </p:nvSpPr>
-        <p:spPr>
-          <a:xfrm>
-            <a:off x="3617865" y="453648"/>
-            <a:ext cx="159199" cy="114300"/>
-          </a:xfrm>
-          <a:prstGeom prst="triangle">
-            <a:avLst/>
-          </a:prstGeom>
-          <a:noFill/>
-          <a:ln w="6350">
-            <a:solidFill>
-              <a:schemeClr val="accent1"/>
-            </a:solidFill>
-          </a:ln>
-        </p:spPr>
-        <p:style>
-          <a:lnRef idx="2">
-            <a:schemeClr val="accent1">
-              <a:shade val="50000"/>
-            </a:schemeClr>
-          </a:lnRef>
-          <a:fillRef idx="1">
-            <a:schemeClr val="accent1"/>
-          </a:fillRef>
-          <a:effectRef idx="0">
-            <a:schemeClr val="accent1"/>
-          </a:effectRef>
-          <a:fontRef idx="minor">
-            <a:schemeClr val="lt1"/>
-          </a:fontRef>
-        </p:style>
-        <p:txBody>
-          <a:bodyPr lIns="91440" tIns="45720" rIns="91440" bIns="45720" spcCol="0" rtlCol="0" anchor="ctr"/>
-          <a:lstStyle/>
-          <a:p>
-            <a:pPr algn="ctr"/>
-            <a:endParaRPr lang="en-US" sz="1100" b="1" dirty="0">
-              <a:solidFill>
-                <a:schemeClr val="tx1"/>
-              </a:solidFill>
-            </a:endParaRPr>
-          </a:p>
-        </p:txBody>
-      </p:sp>
-      <p:cxnSp>
-        <p:nvCxnSpPr>
-          <p:cNvPr id="41" name="Elbow Connector 40"/>
-          <p:cNvCxnSpPr>
-            <a:stCxn id="49" idx="3"/>
-            <a:endCxn id="40" idx="3"/>
-          </p:cNvCxnSpPr>
-          <p:nvPr/>
-        </p:nvCxnSpPr>
-        <p:spPr>
-          <a:xfrm flipV="1">
-            <a:off x="1644883" y="567948"/>
-            <a:ext cx="2052582" cy="2247098"/>
-          </a:xfrm>
-          <a:prstGeom prst="bentConnector2">
-            <a:avLst/>
-          </a:prstGeom>
-          <a:ln w="6350">
-            <a:solidFill>
-              <a:srgbClr val="0070C0"/>
-            </a:solidFill>
-          </a:ln>
-        </p:spPr>
-        <p:style>
-          <a:lnRef idx="1">
-            <a:schemeClr val="accent1"/>
-          </a:lnRef>
-          <a:fillRef idx="0">
-            <a:schemeClr val="accent1"/>
-          </a:fillRef>
-          <a:effectRef idx="0">
-            <a:schemeClr val="accent1"/>
-          </a:effectRef>
-          <a:fontRef idx="minor">
-            <a:schemeClr val="tx1"/>
-          </a:fontRef>
-        </p:style>
-      </p:cxnSp>
-      <p:sp>
-        <p:nvSpPr>
-          <p:cNvPr id="42" name="Rectangle 41"/>
-          <p:cNvSpPr/>
-          <p:nvPr/>
-        </p:nvSpPr>
-        <p:spPr>
-          <a:xfrm>
-            <a:off x="57873" y="2309846"/>
-            <a:ext cx="880369" cy="369332"/>
-          </a:xfrm>
-          <a:prstGeom prst="rect">
-            <a:avLst/>
-          </a:prstGeom>
-          <a:ln>
-            <a:noFill/>
-          </a:ln>
-        </p:spPr>
-        <p:txBody>
-          <a:bodyPr wrap="none" lIns="91440" tIns="45720" rIns="91440" bIns="45720">
-            <a:spAutoFit/>
-          </a:bodyPr>
-          <a:lstStyle/>
-          <a:p>
-            <a:r>
-              <a:rPr lang="en-US" sz="900" dirty="0" err="1" smtClean="0">
-                <a:solidFill>
-                  <a:srgbClr val="0070C0"/>
-                </a:solidFill>
-              </a:rPr>
-              <a:t>listOfDeletions</a:t>
-            </a:r>
-            <a:endParaRPr lang="en-US" sz="900" dirty="0">
-              <a:solidFill>
-                <a:srgbClr val="0070C0"/>
-              </a:solidFill>
-            </a:endParaRPr>
-          </a:p>
-          <a:p>
-            <a:r>
-              <a:rPr lang="en-US" sz="900" dirty="0">
-                <a:solidFill>
-                  <a:srgbClr val="0070C0"/>
-                </a:solidFill>
-              </a:rPr>
-              <a:t>0,1</a:t>
-            </a:r>
-          </a:p>
-        </p:txBody>
-      </p:sp>
-      <p:sp>
-        <p:nvSpPr>
-          <p:cNvPr id="43" name="Rectangle 42"/>
-          <p:cNvSpPr/>
-          <p:nvPr/>
-        </p:nvSpPr>
-        <p:spPr>
-          <a:xfrm>
-            <a:off x="51292" y="1320181"/>
-            <a:ext cx="639919" cy="230832"/>
-          </a:xfrm>
-          <a:prstGeom prst="rect">
-            <a:avLst/>
-          </a:prstGeom>
-          <a:ln>
-            <a:noFill/>
-          </a:ln>
-        </p:spPr>
-        <p:txBody>
-          <a:bodyPr wrap="none" lIns="91440" tIns="45720" rIns="91440" bIns="45720">
-            <a:spAutoFit/>
-          </a:bodyPr>
-          <a:lstStyle/>
-          <a:p>
-            <a:r>
-              <a:rPr lang="en-US" sz="900" dirty="0" err="1" smtClean="0">
-                <a:solidFill>
-                  <a:srgbClr val="0070C0"/>
-                </a:solidFill>
-              </a:rPr>
-              <a:t>modelRef</a:t>
-            </a:r>
-            <a:endParaRPr lang="en-US" sz="900" dirty="0">
-              <a:solidFill>
-                <a:srgbClr val="0070C0"/>
-              </a:solidFill>
-            </a:endParaRPr>
-          </a:p>
-        </p:txBody>
-      </p:sp>
-      <p:sp>
-        <p:nvSpPr>
-          <p:cNvPr id="44" name="Rectangle 43"/>
-          <p:cNvSpPr/>
-          <p:nvPr/>
-        </p:nvSpPr>
-        <p:spPr>
-          <a:xfrm>
-            <a:off x="378821" y="3404527"/>
-            <a:ext cx="1648969" cy="472281"/>
-          </a:xfrm>
-          <a:prstGeom prst="rect">
-            <a:avLst/>
-          </a:prstGeom>
-          <a:noFill/>
-          <a:ln w="6350">
-            <a:solidFill>
-              <a:srgbClr val="0070C0"/>
-            </a:solidFill>
-          </a:ln>
-        </p:spPr>
-        <p:style>
-          <a:lnRef idx="2">
-            <a:schemeClr val="accent1">
-              <a:shade val="50000"/>
-            </a:schemeClr>
-          </a:lnRef>
-          <a:fillRef idx="1">
-            <a:schemeClr val="accent1"/>
-          </a:fillRef>
-          <a:effectRef idx="0">
-            <a:schemeClr val="accent1"/>
-          </a:effectRef>
-          <a:fontRef idx="minor">
-            <a:schemeClr val="lt1"/>
-          </a:fontRef>
-        </p:style>
-        <p:txBody>
-          <a:bodyPr lIns="91440" tIns="45720" rIns="91440" bIns="45720" spcCol="0" rtlCol="0" anchor="t"/>
-          <a:lstStyle/>
-          <a:p>
-            <a:pPr algn="ctr"/>
-            <a:r>
-              <a:rPr lang="en-US" sz="1100" b="1" dirty="0" smtClean="0">
-                <a:solidFill>
-                  <a:srgbClr val="0070C0"/>
-                </a:solidFill>
-              </a:rPr>
-              <a:t>Deletion</a:t>
-            </a:r>
-          </a:p>
-          <a:p>
-            <a:r>
-              <a:rPr lang="en-US" sz="900" dirty="0">
-                <a:solidFill>
-                  <a:srgbClr val="0070C0"/>
-                </a:solidFill>
-              </a:rPr>
-              <a:t>id: </a:t>
-            </a:r>
-            <a:r>
-              <a:rPr lang="en-US" sz="900" dirty="0" err="1" smtClean="0">
-                <a:solidFill>
-                  <a:srgbClr val="0070C0"/>
-                </a:solidFill>
-              </a:rPr>
-              <a:t>SId</a:t>
-            </a:r>
-            <a:r>
-              <a:rPr lang="en-US" sz="900" dirty="0" smtClean="0">
-                <a:solidFill>
-                  <a:srgbClr val="0070C0"/>
-                </a:solidFill>
-              </a:rPr>
-              <a:t> </a:t>
-            </a:r>
-            <a:r>
-              <a:rPr lang="en-US" sz="900" dirty="0">
-                <a:solidFill>
-                  <a:srgbClr val="0070C0"/>
-                </a:solidFill>
-              </a:rPr>
-              <a:t>{use=“optional</a:t>
-            </a:r>
-            <a:r>
-              <a:rPr lang="en-US" sz="900" dirty="0" smtClean="0">
-                <a:solidFill>
-                  <a:srgbClr val="0070C0"/>
-                </a:solidFill>
-              </a:rPr>
-              <a:t>”}</a:t>
-            </a:r>
-            <a:endParaRPr lang="en-US" sz="900" dirty="0">
-              <a:solidFill>
-                <a:srgbClr val="0070C0"/>
-              </a:solidFill>
-            </a:endParaRPr>
-          </a:p>
-        </p:txBody>
-      </p:sp>
-      <p:sp>
-        <p:nvSpPr>
-          <p:cNvPr id="45" name="Rectangle 44"/>
-          <p:cNvSpPr/>
-          <p:nvPr/>
-        </p:nvSpPr>
-        <p:spPr>
-          <a:xfrm>
-            <a:off x="134512" y="3064104"/>
-            <a:ext cx="575799" cy="369332"/>
-          </a:xfrm>
-          <a:prstGeom prst="rect">
-            <a:avLst/>
-          </a:prstGeom>
-          <a:ln>
-            <a:noFill/>
-          </a:ln>
-        </p:spPr>
-        <p:txBody>
-          <a:bodyPr wrap="none" lIns="91440" tIns="45720" rIns="91440" bIns="45720">
-            <a:spAutoFit/>
-          </a:bodyPr>
-          <a:lstStyle/>
-          <a:p>
-            <a:r>
-              <a:rPr lang="en-US" sz="900" dirty="0" smtClean="0">
-                <a:solidFill>
-                  <a:srgbClr val="0070C0"/>
-                </a:solidFill>
-              </a:rPr>
-              <a:t>deletion</a:t>
-            </a:r>
-            <a:endParaRPr lang="en-US" sz="900" dirty="0">
-              <a:solidFill>
-                <a:srgbClr val="0070C0"/>
-              </a:solidFill>
-            </a:endParaRPr>
-          </a:p>
-          <a:p>
-            <a:r>
-              <a:rPr lang="en-US" sz="900" dirty="0">
-                <a:solidFill>
-                  <a:srgbClr val="0070C0"/>
-                </a:solidFill>
-              </a:rPr>
-              <a:t>0,…,*</a:t>
-            </a:r>
-          </a:p>
-        </p:txBody>
-      </p:sp>
-      <p:cxnSp>
-        <p:nvCxnSpPr>
-          <p:cNvPr id="46" name="Elbow Connector 45"/>
-          <p:cNvCxnSpPr>
-            <a:stCxn id="53" idx="3"/>
-            <a:endCxn id="40" idx="3"/>
-          </p:cNvCxnSpPr>
-          <p:nvPr/>
-        </p:nvCxnSpPr>
-        <p:spPr>
-          <a:xfrm flipV="1">
-            <a:off x="1941463" y="567948"/>
-            <a:ext cx="1756002" cy="1357024"/>
-          </a:xfrm>
-          <a:prstGeom prst="bentConnector2">
-            <a:avLst/>
-          </a:prstGeom>
-          <a:ln w="6350">
-            <a:solidFill>
-              <a:srgbClr val="0070C0"/>
-            </a:solidFill>
-          </a:ln>
-        </p:spPr>
-        <p:style>
-          <a:lnRef idx="1">
-            <a:schemeClr val="accent1"/>
-          </a:lnRef>
-          <a:fillRef idx="0">
-            <a:schemeClr val="accent1"/>
-          </a:fillRef>
-          <a:effectRef idx="0">
-            <a:schemeClr val="accent1"/>
-          </a:effectRef>
-          <a:fontRef idx="minor">
-            <a:schemeClr val="tx1"/>
-          </a:fontRef>
-        </p:style>
-      </p:cxnSp>
-      <p:cxnSp>
-        <p:nvCxnSpPr>
-          <p:cNvPr id="47" name="Elbow Connector 46"/>
-          <p:cNvCxnSpPr>
-            <a:stCxn id="55" idx="3"/>
-            <a:endCxn id="40" idx="3"/>
-          </p:cNvCxnSpPr>
-          <p:nvPr/>
-        </p:nvCxnSpPr>
-        <p:spPr>
-          <a:xfrm flipV="1">
-            <a:off x="3432353" y="567948"/>
-            <a:ext cx="265112" cy="2572133"/>
-          </a:xfrm>
-          <a:prstGeom prst="bentConnector2">
-            <a:avLst/>
-          </a:prstGeom>
-          <a:ln w="6350">
-            <a:solidFill>
-              <a:srgbClr val="0070C0"/>
-            </a:solidFill>
-          </a:ln>
-        </p:spPr>
-        <p:style>
-          <a:lnRef idx="1">
-            <a:schemeClr val="accent1"/>
-          </a:lnRef>
-          <a:fillRef idx="0">
-            <a:schemeClr val="accent1"/>
-          </a:fillRef>
-          <a:effectRef idx="0">
-            <a:schemeClr val="accent1"/>
-          </a:effectRef>
-          <a:fontRef idx="minor">
-            <a:schemeClr val="tx1"/>
-          </a:fontRef>
-        </p:style>
-      </p:cxnSp>
       <p:grpSp>
         <p:nvGrpSpPr>
-          <p:cNvPr id="48" name="Group 47"/>
+          <p:cNvPr id="2" name="Group 1"/>
           <p:cNvGrpSpPr/>
           <p:nvPr/>
         </p:nvGrpSpPr>
         <p:grpSpPr>
           <a:xfrm>
-            <a:off x="155210" y="2662646"/>
-            <a:ext cx="1489673" cy="459579"/>
-            <a:chOff x="162625" y="2625999"/>
-            <a:chExt cx="1489673" cy="459579"/>
+            <a:off x="51292" y="84619"/>
+            <a:ext cx="3920140" cy="3792189"/>
+            <a:chOff x="51292" y="84619"/>
+            <a:chExt cx="3920140" cy="3792189"/>
           </a:xfrm>
         </p:grpSpPr>
+        <p:cxnSp>
+          <p:nvCxnSpPr>
+            <p:cNvPr id="31" name="Straight Connector 30"/>
+            <p:cNvCxnSpPr/>
+            <p:nvPr/>
+          </p:nvCxnSpPr>
+          <p:spPr>
+            <a:xfrm>
+              <a:off x="91207" y="285229"/>
+              <a:ext cx="2764770" cy="0"/>
+            </a:xfrm>
+            <a:prstGeom prst="line">
+              <a:avLst/>
+            </a:prstGeom>
+            <a:ln w="6350">
+              <a:solidFill>
+                <a:srgbClr val="0070C0"/>
+              </a:solidFill>
+            </a:ln>
+          </p:spPr>
+          <p:style>
+            <a:lnRef idx="1">
+              <a:schemeClr val="accent1"/>
+            </a:lnRef>
+            <a:fillRef idx="0">
+              <a:schemeClr val="accent1"/>
+            </a:fillRef>
+            <a:effectRef idx="0">
+              <a:schemeClr val="accent1"/>
+            </a:effectRef>
+            <a:fontRef idx="minor">
+              <a:schemeClr val="tx1"/>
+            </a:fontRef>
+          </p:style>
+        </p:cxnSp>
         <p:sp>
           <p:nvSpPr>
-            <p:cNvPr id="49" name="Rectangle 48"/>
+            <p:cNvPr id="33" name="Rectangle 32"/>
             <p:cNvSpPr/>
             <p:nvPr/>
           </p:nvSpPr>
           <p:spPr>
             <a:xfrm>
-              <a:off x="195272" y="2625999"/>
-              <a:ext cx="1457026" cy="304800"/>
+              <a:off x="91207" y="84619"/>
+              <a:ext cx="2764770" cy="1174265"/>
             </a:xfrm>
             <a:prstGeom prst="rect">
               <a:avLst/>
@@ -4561,19 +3624,256 @@
             </a:fontRef>
           </p:style>
           <p:txBody>
-            <a:bodyPr lIns="91440" tIns="45720" rIns="91440" bIns="45720" spcCol="0" rtlCol="0" anchor="ctr"/>
+            <a:bodyPr rtlCol="0" anchor="t"/>
             <a:lstStyle/>
             <a:p>
               <a:pPr algn="ctr"/>
               <a:r>
-                <a:rPr lang="en-US" sz="1100" b="1" dirty="0" err="1" smtClean="0">
+                <a:rPr lang="en-US" sz="1100" b="1" dirty="0" smtClean="0">
                   <a:solidFill>
                     <a:srgbClr val="0070C0"/>
                   </a:solidFill>
                 </a:rPr>
-                <a:t>ListOfDeletions</a:t>
+                <a:t>Submodel</a:t>
               </a:r>
               <a:endParaRPr lang="en-US" sz="1100" b="1" dirty="0">
+                <a:solidFill>
+                  <a:srgbClr val="0070C0"/>
+                </a:solidFill>
+              </a:endParaRPr>
+            </a:p>
+            <a:p>
+              <a:r>
+                <a:rPr lang="en-US" sz="900" dirty="0" smtClean="0">
+                  <a:solidFill>
+                    <a:srgbClr val="0070C0"/>
+                  </a:solidFill>
+                </a:rPr>
+                <a:t>id: </a:t>
+              </a:r>
+              <a:r>
+                <a:rPr lang="en-US" sz="900" dirty="0" err="1" smtClean="0">
+                  <a:solidFill>
+                    <a:srgbClr val="0070C0"/>
+                  </a:solidFill>
+                </a:rPr>
+                <a:t>SId</a:t>
+              </a:r>
+              <a:r>
+                <a:rPr lang="en-US" sz="900" dirty="0" smtClean="0">
+                  <a:solidFill>
+                    <a:srgbClr val="0070C0"/>
+                  </a:solidFill>
+                </a:rPr>
+                <a:t> {use=“optional”}</a:t>
+              </a:r>
+            </a:p>
+            <a:p>
+              <a:r>
+                <a:rPr lang="en-US" sz="900" dirty="0" err="1">
+                  <a:solidFill>
+                    <a:srgbClr val="0070C0"/>
+                  </a:solidFill>
+                </a:rPr>
+                <a:t>lengthConversionFactor</a:t>
+              </a:r>
+              <a:r>
+                <a:rPr lang="en-US" sz="900" dirty="0">
+                  <a:solidFill>
+                    <a:srgbClr val="0070C0"/>
+                  </a:solidFill>
+                </a:rPr>
+                <a:t>: </a:t>
+              </a:r>
+              <a:r>
+                <a:rPr lang="en-US" sz="900" dirty="0" err="1">
+                  <a:solidFill>
+                    <a:srgbClr val="0070C0"/>
+                  </a:solidFill>
+                </a:rPr>
+                <a:t>SIdRef</a:t>
+              </a:r>
+              <a:r>
+                <a:rPr lang="en-US" sz="900" dirty="0">
+                  <a:solidFill>
+                    <a:srgbClr val="0070C0"/>
+                  </a:solidFill>
+                </a:rPr>
+                <a:t> {use=“optional”}</a:t>
+              </a:r>
+            </a:p>
+            <a:p>
+              <a:r>
+                <a:rPr lang="en-US" sz="900" dirty="0" err="1">
+                  <a:solidFill>
+                    <a:srgbClr val="0070C0"/>
+                  </a:solidFill>
+                </a:rPr>
+                <a:t>volumeConversionFactor</a:t>
+              </a:r>
+              <a:r>
+                <a:rPr lang="en-US" sz="900" dirty="0">
+                  <a:solidFill>
+                    <a:srgbClr val="0070C0"/>
+                  </a:solidFill>
+                </a:rPr>
+                <a:t>: </a:t>
+              </a:r>
+              <a:r>
+                <a:rPr lang="en-US" sz="900" dirty="0" err="1">
+                  <a:solidFill>
+                    <a:srgbClr val="0070C0"/>
+                  </a:solidFill>
+                </a:rPr>
+                <a:t>SIdRef</a:t>
+              </a:r>
+              <a:r>
+                <a:rPr lang="en-US" sz="900" dirty="0">
+                  <a:solidFill>
+                    <a:srgbClr val="0070C0"/>
+                  </a:solidFill>
+                </a:rPr>
+                <a:t> {use=“optional”}</a:t>
+              </a:r>
+            </a:p>
+            <a:p>
+              <a:r>
+                <a:rPr lang="en-US" sz="900" dirty="0" err="1" smtClean="0">
+                  <a:solidFill>
+                    <a:srgbClr val="0070C0"/>
+                  </a:solidFill>
+                </a:rPr>
+                <a:t>areaConversionFactor</a:t>
+              </a:r>
+              <a:r>
+                <a:rPr lang="en-US" sz="900" dirty="0" smtClean="0">
+                  <a:solidFill>
+                    <a:srgbClr val="0070C0"/>
+                  </a:solidFill>
+                </a:rPr>
+                <a:t>: </a:t>
+              </a:r>
+              <a:r>
+                <a:rPr lang="en-US" sz="900" dirty="0" err="1" smtClean="0">
+                  <a:solidFill>
+                    <a:srgbClr val="0070C0"/>
+                  </a:solidFill>
+                </a:rPr>
+                <a:t>SIdRef</a:t>
+              </a:r>
+              <a:r>
+                <a:rPr lang="en-US" sz="900" dirty="0" smtClean="0">
+                  <a:solidFill>
+                    <a:srgbClr val="0070C0"/>
+                  </a:solidFill>
+                </a:rPr>
+                <a:t> {use=“optional”}</a:t>
+              </a:r>
+            </a:p>
+            <a:p>
+              <a:r>
+                <a:rPr lang="en-US" sz="900" dirty="0" err="1" smtClean="0">
+                  <a:solidFill>
+                    <a:srgbClr val="0070C0"/>
+                  </a:solidFill>
+                </a:rPr>
+                <a:t>substanceConversionFactor</a:t>
+              </a:r>
+              <a:r>
+                <a:rPr lang="en-US" sz="900" dirty="0" smtClean="0">
+                  <a:solidFill>
+                    <a:srgbClr val="0070C0"/>
+                  </a:solidFill>
+                </a:rPr>
+                <a:t>: </a:t>
+              </a:r>
+              <a:r>
+                <a:rPr lang="en-US" sz="900" dirty="0" err="1" smtClean="0">
+                  <a:solidFill>
+                    <a:srgbClr val="0070C0"/>
+                  </a:solidFill>
+                </a:rPr>
+                <a:t>SIdRef</a:t>
+              </a:r>
+              <a:r>
+                <a:rPr lang="en-US" sz="900" dirty="0" smtClean="0">
+                  <a:solidFill>
+                    <a:srgbClr val="0070C0"/>
+                  </a:solidFill>
+                </a:rPr>
+                <a:t> {use=“optional”}</a:t>
+              </a:r>
+            </a:p>
+            <a:p>
+              <a:r>
+                <a:rPr lang="en-US" sz="900" dirty="0" err="1" smtClean="0">
+                  <a:solidFill>
+                    <a:srgbClr val="0070C0"/>
+                  </a:solidFill>
+                </a:rPr>
+                <a:t>timeConversionFactor</a:t>
+              </a:r>
+              <a:r>
+                <a:rPr lang="en-US" sz="900" dirty="0" smtClean="0">
+                  <a:solidFill>
+                    <a:srgbClr val="0070C0"/>
+                  </a:solidFill>
+                </a:rPr>
+                <a:t>: </a:t>
+              </a:r>
+              <a:r>
+                <a:rPr lang="en-US" sz="900" dirty="0" err="1" smtClean="0">
+                  <a:solidFill>
+                    <a:srgbClr val="0070C0"/>
+                  </a:solidFill>
+                </a:rPr>
+                <a:t>SIdRef</a:t>
+              </a:r>
+              <a:r>
+                <a:rPr lang="en-US" sz="900" dirty="0" smtClean="0">
+                  <a:solidFill>
+                    <a:srgbClr val="0070C0"/>
+                  </a:solidFill>
+                </a:rPr>
+                <a:t> {use=“optional”}</a:t>
+              </a:r>
+            </a:p>
+            <a:p>
+              <a:r>
+                <a:rPr lang="en-US" sz="900" dirty="0" err="1" smtClean="0">
+                  <a:solidFill>
+                    <a:srgbClr val="0070C0"/>
+                  </a:solidFill>
+                </a:rPr>
+                <a:t>extentConversionFactor</a:t>
+              </a:r>
+              <a:r>
+                <a:rPr lang="en-US" sz="900" dirty="0" smtClean="0">
+                  <a:solidFill>
+                    <a:srgbClr val="0070C0"/>
+                  </a:solidFill>
+                </a:rPr>
+                <a:t>: </a:t>
+              </a:r>
+              <a:r>
+                <a:rPr lang="en-US" sz="900" dirty="0" err="1" smtClean="0">
+                  <a:solidFill>
+                    <a:srgbClr val="0070C0"/>
+                  </a:solidFill>
+                </a:rPr>
+                <a:t>SIdRef</a:t>
+              </a:r>
+              <a:r>
+                <a:rPr lang="en-US" sz="900" dirty="0" smtClean="0">
+                  <a:solidFill>
+                    <a:srgbClr val="0070C0"/>
+                  </a:solidFill>
+                </a:rPr>
+                <a:t> {use=“optional”}</a:t>
+              </a:r>
+            </a:p>
+            <a:p>
+              <a:endParaRPr lang="en-US" sz="900" dirty="0">
                 <a:solidFill>
                   <a:srgbClr val="0070C0"/>
                 </a:solidFill>
@@ -4583,14 +3883,14 @@
         </p:sp>
         <p:sp>
           <p:nvSpPr>
-            <p:cNvPr id="50" name="Diamond 49"/>
+            <p:cNvPr id="34" name="Diamond 33"/>
             <p:cNvSpPr/>
             <p:nvPr/>
           </p:nvSpPr>
           <p:spPr>
             <a:xfrm>
-              <a:off x="162625" y="2933180"/>
-              <a:ext cx="66869" cy="152398"/>
+              <a:off x="57847" y="1261265"/>
+              <a:ext cx="66869" cy="167916"/>
             </a:xfrm>
             <a:prstGeom prst="diamond">
               <a:avLst/>
@@ -4633,69 +3933,367 @@
             </a:p>
           </p:txBody>
         </p:sp>
-      </p:grpSp>
-      <p:cxnSp>
-        <p:nvCxnSpPr>
-          <p:cNvPr id="51" name="Elbow Connector 50"/>
-          <p:cNvCxnSpPr>
-            <a:stCxn id="33" idx="3"/>
-            <a:endCxn id="40" idx="3"/>
-          </p:cNvCxnSpPr>
-          <p:nvPr/>
-        </p:nvCxnSpPr>
-        <p:spPr>
-          <a:xfrm flipV="1">
-            <a:off x="2855977" y="567948"/>
-            <a:ext cx="841488" cy="103804"/>
-          </a:xfrm>
-          <a:prstGeom prst="bentConnector2">
-            <a:avLst/>
-          </a:prstGeom>
-          <a:ln w="6350">
-            <a:solidFill>
-              <a:srgbClr val="0070C0"/>
-            </a:solidFill>
-          </a:ln>
-        </p:spPr>
-        <p:style>
-          <a:lnRef idx="1">
-            <a:schemeClr val="accent1"/>
-          </a:lnRef>
-          <a:fillRef idx="0">
-            <a:schemeClr val="accent1"/>
-          </a:fillRef>
-          <a:effectRef idx="0">
-            <a:schemeClr val="accent1"/>
-          </a:effectRef>
-          <a:fontRef idx="minor">
-            <a:schemeClr val="tx1"/>
-          </a:fontRef>
-        </p:style>
-      </p:cxnSp>
-      <p:grpSp>
-        <p:nvGrpSpPr>
-          <p:cNvPr id="52" name="Group 51"/>
-          <p:cNvGrpSpPr/>
-          <p:nvPr/>
-        </p:nvGrpSpPr>
-        <p:grpSpPr>
-          <a:xfrm>
-            <a:off x="187857" y="1588422"/>
-            <a:ext cx="1753606" cy="673100"/>
-            <a:chOff x="195272" y="1551775"/>
-            <a:chExt cx="1753606" cy="673100"/>
-          </a:xfrm>
-        </p:grpSpPr>
+        <p:cxnSp>
+          <p:nvCxnSpPr>
+            <p:cNvPr id="35" name="Elbow Connector 34"/>
+            <p:cNvCxnSpPr>
+              <a:stCxn id="34" idx="2"/>
+              <a:endCxn id="53" idx="0"/>
+            </p:cNvCxnSpPr>
+            <p:nvPr/>
+          </p:nvCxnSpPr>
+          <p:spPr>
+            <a:xfrm rot="16200000" flipH="1">
+              <a:off x="498351" y="1022112"/>
+              <a:ext cx="159241" cy="973378"/>
+            </a:xfrm>
+            <a:prstGeom prst="bentConnector3">
+              <a:avLst>
+                <a:gd name="adj1" fmla="val 50000"/>
+              </a:avLst>
+            </a:prstGeom>
+            <a:ln w="6350">
+              <a:solidFill>
+                <a:srgbClr val="0070C0"/>
+              </a:solidFill>
+            </a:ln>
+          </p:spPr>
+          <p:style>
+            <a:lnRef idx="1">
+              <a:schemeClr val="accent1"/>
+            </a:lnRef>
+            <a:fillRef idx="0">
+              <a:schemeClr val="accent1"/>
+            </a:fillRef>
+            <a:effectRef idx="0">
+              <a:schemeClr val="accent1"/>
+            </a:effectRef>
+            <a:fontRef idx="minor">
+              <a:schemeClr val="tx1"/>
+            </a:fontRef>
+          </p:style>
+        </p:cxnSp>
+        <p:cxnSp>
+          <p:nvCxnSpPr>
+            <p:cNvPr id="36" name="Elbow Connector 35"/>
+            <p:cNvCxnSpPr>
+              <a:stCxn id="50" idx="2"/>
+              <a:endCxn id="44" idx="0"/>
+            </p:cNvCxnSpPr>
+            <p:nvPr/>
+          </p:nvCxnSpPr>
+          <p:spPr>
+            <a:xfrm rot="16200000" flipH="1">
+              <a:off x="554824" y="2756045"/>
+              <a:ext cx="282302" cy="1014661"/>
+            </a:xfrm>
+            <a:prstGeom prst="bentConnector3">
+              <a:avLst>
+                <a:gd name="adj1" fmla="val 50000"/>
+              </a:avLst>
+            </a:prstGeom>
+            <a:ln w="6350">
+              <a:solidFill>
+                <a:srgbClr val="0070C0"/>
+              </a:solidFill>
+            </a:ln>
+          </p:spPr>
+          <p:style>
+            <a:lnRef idx="1">
+              <a:schemeClr val="accent1"/>
+            </a:lnRef>
+            <a:fillRef idx="0">
+              <a:schemeClr val="accent1"/>
+            </a:fillRef>
+            <a:effectRef idx="0">
+              <a:schemeClr val="accent1"/>
+            </a:effectRef>
+            <a:fontRef idx="minor">
+              <a:schemeClr val="tx1"/>
+            </a:fontRef>
+          </p:style>
+        </p:cxnSp>
+        <p:cxnSp>
+          <p:nvCxnSpPr>
+            <p:cNvPr id="37" name="Elbow Connector 36"/>
+            <p:cNvCxnSpPr>
+              <a:stCxn id="34" idx="2"/>
+              <a:endCxn id="49" idx="0"/>
+            </p:cNvCxnSpPr>
+            <p:nvPr/>
+          </p:nvCxnSpPr>
+          <p:spPr>
+            <a:xfrm rot="16200000" flipH="1">
+              <a:off x="-112906" y="1633369"/>
+              <a:ext cx="1233465" cy="825088"/>
+            </a:xfrm>
+            <a:prstGeom prst="bentConnector3">
+              <a:avLst>
+                <a:gd name="adj1" fmla="val 85203"/>
+              </a:avLst>
+            </a:prstGeom>
+            <a:ln w="6350">
+              <a:solidFill>
+                <a:srgbClr val="0070C0"/>
+              </a:solidFill>
+            </a:ln>
+          </p:spPr>
+          <p:style>
+            <a:lnRef idx="1">
+              <a:schemeClr val="accent1"/>
+            </a:lnRef>
+            <a:fillRef idx="0">
+              <a:schemeClr val="accent1"/>
+            </a:fillRef>
+            <a:effectRef idx="0">
+              <a:schemeClr val="accent1"/>
+            </a:effectRef>
+            <a:fontRef idx="minor">
+              <a:schemeClr val="tx1"/>
+            </a:fontRef>
+          </p:style>
+        </p:cxnSp>
         <p:sp>
           <p:nvSpPr>
-            <p:cNvPr id="53" name="Rectangle 52"/>
+            <p:cNvPr id="39" name="Rectangle 38"/>
             <p:cNvSpPr/>
             <p:nvPr/>
           </p:nvSpPr>
           <p:spPr>
             <a:xfrm>
-              <a:off x="195272" y="1551775"/>
-              <a:ext cx="1753606" cy="673100"/>
+              <a:off x="3389263" y="145916"/>
+              <a:ext cx="582169" cy="304800"/>
+            </a:xfrm>
+            <a:prstGeom prst="rect">
+              <a:avLst/>
+            </a:prstGeom>
+            <a:noFill/>
+            <a:ln w="6350">
+              <a:solidFill>
+                <a:srgbClr val="002060"/>
+              </a:solidFill>
+            </a:ln>
+          </p:spPr>
+          <p:style>
+            <a:lnRef idx="2">
+              <a:schemeClr val="accent1">
+                <a:shade val="50000"/>
+              </a:schemeClr>
+            </a:lnRef>
+            <a:fillRef idx="1">
+              <a:schemeClr val="accent1"/>
+            </a:fillRef>
+            <a:effectRef idx="0">
+              <a:schemeClr val="accent1"/>
+            </a:effectRef>
+            <a:fontRef idx="minor">
+              <a:schemeClr val="lt1"/>
+            </a:fontRef>
+          </p:style>
+          <p:txBody>
+            <a:bodyPr lIns="91440" tIns="45720" rIns="91440" bIns="45720" spcCol="0" rtlCol="0" anchor="ctr"/>
+            <a:lstStyle/>
+            <a:p>
+              <a:pPr algn="ctr"/>
+              <a:r>
+                <a:rPr lang="en-US" sz="1100" b="1" dirty="0">
+                  <a:solidFill>
+                    <a:schemeClr val="tx1"/>
+                  </a:solidFill>
+                </a:rPr>
+                <a:t>SBase</a:t>
+              </a:r>
+            </a:p>
+          </p:txBody>
+        </p:sp>
+        <p:sp>
+          <p:nvSpPr>
+            <p:cNvPr id="40" name="Isosceles Triangle 39"/>
+            <p:cNvSpPr/>
+            <p:nvPr/>
+          </p:nvSpPr>
+          <p:spPr>
+            <a:xfrm>
+              <a:off x="3617865" y="453648"/>
+              <a:ext cx="159199" cy="114300"/>
+            </a:xfrm>
+            <a:prstGeom prst="triangle">
+              <a:avLst/>
+            </a:prstGeom>
+            <a:noFill/>
+            <a:ln w="6350">
+              <a:solidFill>
+                <a:schemeClr val="accent1"/>
+              </a:solidFill>
+            </a:ln>
+          </p:spPr>
+          <p:style>
+            <a:lnRef idx="2">
+              <a:schemeClr val="accent1">
+                <a:shade val="50000"/>
+              </a:schemeClr>
+            </a:lnRef>
+            <a:fillRef idx="1">
+              <a:schemeClr val="accent1"/>
+            </a:fillRef>
+            <a:effectRef idx="0">
+              <a:schemeClr val="accent1"/>
+            </a:effectRef>
+            <a:fontRef idx="minor">
+              <a:schemeClr val="lt1"/>
+            </a:fontRef>
+          </p:style>
+          <p:txBody>
+            <a:bodyPr lIns="91440" tIns="45720" rIns="91440" bIns="45720" spcCol="0" rtlCol="0" anchor="ctr"/>
+            <a:lstStyle/>
+            <a:p>
+              <a:pPr algn="ctr"/>
+              <a:endParaRPr lang="en-US" sz="1100" b="1" dirty="0">
+                <a:solidFill>
+                  <a:schemeClr val="tx1"/>
+                </a:solidFill>
+              </a:endParaRPr>
+            </a:p>
+          </p:txBody>
+        </p:sp>
+        <p:cxnSp>
+          <p:nvCxnSpPr>
+            <p:cNvPr id="41" name="Elbow Connector 40"/>
+            <p:cNvCxnSpPr>
+              <a:stCxn id="49" idx="3"/>
+              <a:endCxn id="40" idx="3"/>
+            </p:cNvCxnSpPr>
+            <p:nvPr/>
+          </p:nvCxnSpPr>
+          <p:spPr>
+            <a:xfrm flipV="1">
+              <a:off x="1644883" y="567948"/>
+              <a:ext cx="2052582" cy="2247098"/>
+            </a:xfrm>
+            <a:prstGeom prst="bentConnector2">
+              <a:avLst/>
+            </a:prstGeom>
+            <a:ln w="6350">
+              <a:solidFill>
+                <a:srgbClr val="0070C0"/>
+              </a:solidFill>
+            </a:ln>
+          </p:spPr>
+          <p:style>
+            <a:lnRef idx="1">
+              <a:schemeClr val="accent1"/>
+            </a:lnRef>
+            <a:fillRef idx="0">
+              <a:schemeClr val="accent1"/>
+            </a:fillRef>
+            <a:effectRef idx="0">
+              <a:schemeClr val="accent1"/>
+            </a:effectRef>
+            <a:fontRef idx="minor">
+              <a:schemeClr val="tx1"/>
+            </a:fontRef>
+          </p:style>
+        </p:cxnSp>
+        <p:sp>
+          <p:nvSpPr>
+            <p:cNvPr id="42" name="Rectangle 41"/>
+            <p:cNvSpPr/>
+            <p:nvPr/>
+          </p:nvSpPr>
+          <p:spPr>
+            <a:xfrm>
+              <a:off x="57873" y="2309846"/>
+              <a:ext cx="880369" cy="369332"/>
+            </a:xfrm>
+            <a:prstGeom prst="rect">
+              <a:avLst/>
+            </a:prstGeom>
+            <a:ln>
+              <a:noFill/>
+            </a:ln>
+          </p:spPr>
+          <p:txBody>
+            <a:bodyPr wrap="none" lIns="91440" tIns="45720" rIns="91440" bIns="45720">
+              <a:spAutoFit/>
+            </a:bodyPr>
+            <a:lstStyle/>
+            <a:p>
+              <a:r>
+                <a:rPr lang="en-US" sz="900" dirty="0" err="1" smtClean="0">
+                  <a:solidFill>
+                    <a:srgbClr val="0070C0"/>
+                  </a:solidFill>
+                </a:rPr>
+                <a:t>listOfDeletions</a:t>
+              </a:r>
+              <a:endParaRPr lang="en-US" sz="900" dirty="0">
+                <a:solidFill>
+                  <a:srgbClr val="0070C0"/>
+                </a:solidFill>
+              </a:endParaRPr>
+            </a:p>
+            <a:p>
+              <a:r>
+                <a:rPr lang="en-US" sz="900" dirty="0">
+                  <a:solidFill>
+                    <a:srgbClr val="0070C0"/>
+                  </a:solidFill>
+                </a:rPr>
+                <a:t>0,1</a:t>
+              </a:r>
+            </a:p>
+          </p:txBody>
+        </p:sp>
+        <p:sp>
+          <p:nvSpPr>
+            <p:cNvPr id="43" name="Rectangle 42"/>
+            <p:cNvSpPr/>
+            <p:nvPr/>
+          </p:nvSpPr>
+          <p:spPr>
+            <a:xfrm>
+              <a:off x="51292" y="1320181"/>
+              <a:ext cx="639919" cy="230832"/>
+            </a:xfrm>
+            <a:prstGeom prst="rect">
+              <a:avLst/>
+            </a:prstGeom>
+            <a:ln>
+              <a:noFill/>
+            </a:ln>
+          </p:spPr>
+          <p:txBody>
+            <a:bodyPr wrap="none" lIns="91440" tIns="45720" rIns="91440" bIns="45720">
+              <a:spAutoFit/>
+            </a:bodyPr>
+            <a:lstStyle/>
+            <a:p>
+              <a:r>
+                <a:rPr lang="en-US" sz="900" dirty="0" err="1" smtClean="0">
+                  <a:solidFill>
+                    <a:srgbClr val="0070C0"/>
+                  </a:solidFill>
+                </a:rPr>
+                <a:t>modelRef</a:t>
+              </a:r>
+              <a:endParaRPr lang="en-US" sz="900" dirty="0">
+                <a:solidFill>
+                  <a:srgbClr val="0070C0"/>
+                </a:solidFill>
+              </a:endParaRPr>
+            </a:p>
+          </p:txBody>
+        </p:sp>
+        <p:sp>
+          <p:nvSpPr>
+            <p:cNvPr id="44" name="Rectangle 43"/>
+            <p:cNvSpPr/>
+            <p:nvPr/>
+          </p:nvSpPr>
+          <p:spPr>
+            <a:xfrm>
+              <a:off x="378821" y="3404527"/>
+              <a:ext cx="1648969" cy="472281"/>
             </a:xfrm>
             <a:prstGeom prst="rect">
               <a:avLst/>
@@ -4729,27 +4327,22 @@
             <a:p>
               <a:pPr algn="ctr"/>
               <a:r>
-                <a:rPr lang="en-US" sz="1100" b="1" dirty="0" err="1" smtClean="0">
+                <a:rPr lang="en-US" sz="1100" b="1" dirty="0" smtClean="0">
                   <a:solidFill>
                     <a:srgbClr val="0070C0"/>
                   </a:solidFill>
                 </a:rPr>
-                <a:t>ModelRef</a:t>
+                <a:t>Deletion</a:t>
               </a:r>
-              <a:endParaRPr lang="en-US" sz="1100" b="1" dirty="0" smtClean="0">
-                <a:solidFill>
-                  <a:srgbClr val="0070C0"/>
-                </a:solidFill>
-              </a:endParaRPr>
             </a:p>
             <a:p>
               <a:r>
-                <a:rPr lang="en-US" sz="900" dirty="0" smtClean="0">
+                <a:rPr lang="en-US" sz="900" dirty="0">
                   <a:solidFill>
                     <a:srgbClr val="0070C0"/>
                   </a:solidFill>
                 </a:rPr>
-                <a:t>model: </a:t>
+                <a:t>id: </a:t>
               </a:r>
               <a:r>
                 <a:rPr lang="en-US" sz="900" dirty="0" err="1" smtClean="0">
@@ -4757,7 +4350,7 @@
                     <a:srgbClr val="0070C0"/>
                   </a:solidFill>
                 </a:rPr>
-                <a:t>SIdRef</a:t>
+                <a:t>SId</a:t>
               </a:r>
               <a:r>
                 <a:rPr lang="en-US" sz="900" dirty="0" smtClean="0">
@@ -4765,17 +4358,15 @@
                     <a:srgbClr val="0070C0"/>
                   </a:solidFill>
                 </a:rPr>
-                <a:t> {use=“optional”}</a:t>
+                <a:t> </a:t>
               </a:r>
-            </a:p>
-            <a:p>
               <a:r>
-                <a:rPr lang="en-US" sz="900" dirty="0" err="1" smtClean="0">
+                <a:rPr lang="en-US" sz="900" dirty="0">
                   <a:solidFill>
                     <a:srgbClr val="0070C0"/>
                   </a:solidFill>
                 </a:rPr>
-                <a:t>xlink:href</a:t>
+                <a:t>{use=“optional</a:t>
               </a:r>
               <a:r>
                 <a:rPr lang="en-US" sz="900" dirty="0" smtClean="0">
@@ -4783,17 +4374,7 @@
                     <a:srgbClr val="0070C0"/>
                   </a:solidFill>
                 </a:rPr>
-                <a:t>: string {use=“optional”}</a:t>
-              </a:r>
-            </a:p>
-            <a:p>
-              <a:r>
-                <a:rPr lang="en-US" sz="900" dirty="0" smtClean="0">
-                  <a:solidFill>
-                    <a:srgbClr val="0070C0"/>
-                  </a:solidFill>
-                </a:rPr>
-                <a:t>md5: string {use=“optional”}</a:t>
+                <a:t>”}</a:t>
               </a:r>
               <a:endParaRPr lang="en-US" sz="900" dirty="0">
                 <a:solidFill>
@@ -4803,16 +4384,618 @@
             </a:p>
           </p:txBody>
         </p:sp>
+        <p:sp>
+          <p:nvSpPr>
+            <p:cNvPr id="45" name="Rectangle 44"/>
+            <p:cNvSpPr/>
+            <p:nvPr/>
+          </p:nvSpPr>
+          <p:spPr>
+            <a:xfrm>
+              <a:off x="134512" y="3064104"/>
+              <a:ext cx="575799" cy="369332"/>
+            </a:xfrm>
+            <a:prstGeom prst="rect">
+              <a:avLst/>
+            </a:prstGeom>
+            <a:ln>
+              <a:noFill/>
+            </a:ln>
+          </p:spPr>
+          <p:txBody>
+            <a:bodyPr wrap="none" lIns="91440" tIns="45720" rIns="91440" bIns="45720">
+              <a:spAutoFit/>
+            </a:bodyPr>
+            <a:lstStyle/>
+            <a:p>
+              <a:r>
+                <a:rPr lang="en-US" sz="900" dirty="0" smtClean="0">
+                  <a:solidFill>
+                    <a:srgbClr val="0070C0"/>
+                  </a:solidFill>
+                </a:rPr>
+                <a:t>deletion</a:t>
+              </a:r>
+              <a:endParaRPr lang="en-US" sz="900" dirty="0">
+                <a:solidFill>
+                  <a:srgbClr val="0070C0"/>
+                </a:solidFill>
+              </a:endParaRPr>
+            </a:p>
+            <a:p>
+              <a:r>
+                <a:rPr lang="en-US" sz="900" dirty="0">
+                  <a:solidFill>
+                    <a:srgbClr val="0070C0"/>
+                  </a:solidFill>
+                </a:rPr>
+                <a:t>0,…,*</a:t>
+              </a:r>
+            </a:p>
+          </p:txBody>
+        </p:sp>
         <p:cxnSp>
           <p:nvCxnSpPr>
-            <p:cNvPr id="54" name="Straight Connector 53"/>
+            <p:cNvPr id="46" name="Elbow Connector 45"/>
+            <p:cNvCxnSpPr>
+              <a:stCxn id="53" idx="3"/>
+              <a:endCxn id="40" idx="3"/>
+            </p:cNvCxnSpPr>
+            <p:nvPr/>
+          </p:nvCxnSpPr>
+          <p:spPr>
+            <a:xfrm flipV="1">
+              <a:off x="1941463" y="567948"/>
+              <a:ext cx="1756002" cy="1357024"/>
+            </a:xfrm>
+            <a:prstGeom prst="bentConnector2">
+              <a:avLst/>
+            </a:prstGeom>
+            <a:ln w="6350">
+              <a:solidFill>
+                <a:srgbClr val="0070C0"/>
+              </a:solidFill>
+            </a:ln>
+          </p:spPr>
+          <p:style>
+            <a:lnRef idx="1">
+              <a:schemeClr val="accent1"/>
+            </a:lnRef>
+            <a:fillRef idx="0">
+              <a:schemeClr val="accent1"/>
+            </a:fillRef>
+            <a:effectRef idx="0">
+              <a:schemeClr val="accent1"/>
+            </a:effectRef>
+            <a:fontRef idx="minor">
+              <a:schemeClr val="tx1"/>
+            </a:fontRef>
+          </p:style>
+        </p:cxnSp>
+        <p:cxnSp>
+          <p:nvCxnSpPr>
+            <p:cNvPr id="47" name="Elbow Connector 46"/>
+            <p:cNvCxnSpPr>
+              <a:stCxn id="55" idx="3"/>
+              <a:endCxn id="40" idx="3"/>
+            </p:cNvCxnSpPr>
+            <p:nvPr/>
+          </p:nvCxnSpPr>
+          <p:spPr>
+            <a:xfrm flipV="1">
+              <a:off x="3432353" y="567948"/>
+              <a:ext cx="265112" cy="2572133"/>
+            </a:xfrm>
+            <a:prstGeom prst="bentConnector2">
+              <a:avLst/>
+            </a:prstGeom>
+            <a:ln w="6350">
+              <a:solidFill>
+                <a:srgbClr val="0070C0"/>
+              </a:solidFill>
+            </a:ln>
+          </p:spPr>
+          <p:style>
+            <a:lnRef idx="1">
+              <a:schemeClr val="accent1"/>
+            </a:lnRef>
+            <a:fillRef idx="0">
+              <a:schemeClr val="accent1"/>
+            </a:fillRef>
+            <a:effectRef idx="0">
+              <a:schemeClr val="accent1"/>
+            </a:effectRef>
+            <a:fontRef idx="minor">
+              <a:schemeClr val="tx1"/>
+            </a:fontRef>
+          </p:style>
+        </p:cxnSp>
+        <p:grpSp>
+          <p:nvGrpSpPr>
+            <p:cNvPr id="48" name="Group 47"/>
+            <p:cNvGrpSpPr/>
+            <p:nvPr/>
+          </p:nvGrpSpPr>
+          <p:grpSpPr>
+            <a:xfrm>
+              <a:off x="155210" y="2662646"/>
+              <a:ext cx="1489673" cy="459579"/>
+              <a:chOff x="162625" y="2625999"/>
+              <a:chExt cx="1489673" cy="459579"/>
+            </a:xfrm>
+          </p:grpSpPr>
+          <p:sp>
+            <p:nvSpPr>
+              <p:cNvPr id="49" name="Rectangle 48"/>
+              <p:cNvSpPr/>
+              <p:nvPr/>
+            </p:nvSpPr>
+            <p:spPr>
+              <a:xfrm>
+                <a:off x="195272" y="2625999"/>
+                <a:ext cx="1457026" cy="304800"/>
+              </a:xfrm>
+              <a:prstGeom prst="rect">
+                <a:avLst/>
+              </a:prstGeom>
+              <a:noFill/>
+              <a:ln w="6350">
+                <a:solidFill>
+                  <a:srgbClr val="0070C0"/>
+                </a:solidFill>
+              </a:ln>
+            </p:spPr>
+            <p:style>
+              <a:lnRef idx="2">
+                <a:schemeClr val="accent1">
+                  <a:shade val="50000"/>
+                </a:schemeClr>
+              </a:lnRef>
+              <a:fillRef idx="1">
+                <a:schemeClr val="accent1"/>
+              </a:fillRef>
+              <a:effectRef idx="0">
+                <a:schemeClr val="accent1"/>
+              </a:effectRef>
+              <a:fontRef idx="minor">
+                <a:schemeClr val="lt1"/>
+              </a:fontRef>
+            </p:style>
+            <p:txBody>
+              <a:bodyPr lIns="91440" tIns="45720" rIns="91440" bIns="45720" spcCol="0" rtlCol="0" anchor="ctr"/>
+              <a:lstStyle/>
+              <a:p>
+                <a:pPr algn="ctr"/>
+                <a:r>
+                  <a:rPr lang="en-US" sz="1100" b="1" dirty="0" err="1" smtClean="0">
+                    <a:solidFill>
+                      <a:srgbClr val="0070C0"/>
+                    </a:solidFill>
+                  </a:rPr>
+                  <a:t>ListOfDeletions</a:t>
+                </a:r>
+                <a:endParaRPr lang="en-US" sz="1100" b="1" dirty="0">
+                  <a:solidFill>
+                    <a:srgbClr val="0070C0"/>
+                  </a:solidFill>
+                </a:endParaRPr>
+              </a:p>
+            </p:txBody>
+          </p:sp>
+          <p:sp>
+            <p:nvSpPr>
+              <p:cNvPr id="50" name="Diamond 49"/>
+              <p:cNvSpPr/>
+              <p:nvPr/>
+            </p:nvSpPr>
+            <p:spPr>
+              <a:xfrm>
+                <a:off x="162625" y="2933180"/>
+                <a:ext cx="66869" cy="152398"/>
+              </a:xfrm>
+              <a:prstGeom prst="diamond">
+                <a:avLst/>
+              </a:prstGeom>
+              <a:solidFill>
+                <a:srgbClr val="0070C0"/>
+              </a:solidFill>
+              <a:ln w="6350">
+                <a:solidFill>
+                  <a:srgbClr val="0070C0"/>
+                </a:solidFill>
+              </a:ln>
+            </p:spPr>
+            <p:style>
+              <a:lnRef idx="2">
+                <a:schemeClr val="accent1">
+                  <a:shade val="50000"/>
+                </a:schemeClr>
+              </a:lnRef>
+              <a:fillRef idx="1">
+                <a:schemeClr val="accent1"/>
+              </a:fillRef>
+              <a:effectRef idx="0">
+                <a:schemeClr val="accent1"/>
+              </a:effectRef>
+              <a:fontRef idx="minor">
+                <a:schemeClr val="lt1"/>
+              </a:fontRef>
+            </p:style>
+            <p:txBody>
+              <a:bodyPr lIns="91440" tIns="45720" rIns="91440" bIns="45720" spcCol="0" rtlCol="0" anchor="ctr"/>
+              <a:lstStyle/>
+              <a:p>
+                <a:pPr algn="ctr"/>
+                <a:endParaRPr lang="en-US">
+                  <a:solidFill>
+                    <a:srgbClr val="0070C0"/>
+                  </a:solidFill>
+                </a:endParaRPr>
+              </a:p>
+            </p:txBody>
+          </p:sp>
+        </p:grpSp>
+        <p:cxnSp>
+          <p:nvCxnSpPr>
+            <p:cNvPr id="51" name="Elbow Connector 50"/>
+            <p:cNvCxnSpPr>
+              <a:stCxn id="33" idx="3"/>
+              <a:endCxn id="40" idx="3"/>
+            </p:cNvCxnSpPr>
+            <p:nvPr/>
+          </p:nvCxnSpPr>
+          <p:spPr>
+            <a:xfrm flipV="1">
+              <a:off x="2855977" y="567948"/>
+              <a:ext cx="841488" cy="103804"/>
+            </a:xfrm>
+            <a:prstGeom prst="bentConnector2">
+              <a:avLst/>
+            </a:prstGeom>
+            <a:ln w="6350">
+              <a:solidFill>
+                <a:srgbClr val="0070C0"/>
+              </a:solidFill>
+            </a:ln>
+          </p:spPr>
+          <p:style>
+            <a:lnRef idx="1">
+              <a:schemeClr val="accent1"/>
+            </a:lnRef>
+            <a:fillRef idx="0">
+              <a:schemeClr val="accent1"/>
+            </a:fillRef>
+            <a:effectRef idx="0">
+              <a:schemeClr val="accent1"/>
+            </a:effectRef>
+            <a:fontRef idx="minor">
+              <a:schemeClr val="tx1"/>
+            </a:fontRef>
+          </p:style>
+        </p:cxnSp>
+        <p:grpSp>
+          <p:nvGrpSpPr>
+            <p:cNvPr id="52" name="Group 51"/>
+            <p:cNvGrpSpPr/>
+            <p:nvPr/>
+          </p:nvGrpSpPr>
+          <p:grpSpPr>
+            <a:xfrm>
+              <a:off x="187857" y="1588422"/>
+              <a:ext cx="1753606" cy="673100"/>
+              <a:chOff x="195272" y="1551775"/>
+              <a:chExt cx="1753606" cy="673100"/>
+            </a:xfrm>
+          </p:grpSpPr>
+          <p:sp>
+            <p:nvSpPr>
+              <p:cNvPr id="53" name="Rectangle 52"/>
+              <p:cNvSpPr/>
+              <p:nvPr/>
+            </p:nvSpPr>
+            <p:spPr>
+              <a:xfrm>
+                <a:off x="195272" y="1551775"/>
+                <a:ext cx="1753606" cy="673100"/>
+              </a:xfrm>
+              <a:prstGeom prst="rect">
+                <a:avLst/>
+              </a:prstGeom>
+              <a:noFill/>
+              <a:ln w="6350">
+                <a:solidFill>
+                  <a:srgbClr val="0070C0"/>
+                </a:solidFill>
+              </a:ln>
+            </p:spPr>
+            <p:style>
+              <a:lnRef idx="2">
+                <a:schemeClr val="accent1">
+                  <a:shade val="50000"/>
+                </a:schemeClr>
+              </a:lnRef>
+              <a:fillRef idx="1">
+                <a:schemeClr val="accent1"/>
+              </a:fillRef>
+              <a:effectRef idx="0">
+                <a:schemeClr val="accent1"/>
+              </a:effectRef>
+              <a:fontRef idx="minor">
+                <a:schemeClr val="lt1"/>
+              </a:fontRef>
+            </p:style>
+            <p:txBody>
+              <a:bodyPr lIns="91440" tIns="45720" rIns="91440" bIns="45720" spcCol="0" rtlCol="0" anchor="t"/>
+              <a:lstStyle/>
+              <a:p>
+                <a:pPr algn="ctr"/>
+                <a:r>
+                  <a:rPr lang="en-US" sz="1100" b="1" dirty="0" err="1" smtClean="0">
+                    <a:solidFill>
+                      <a:srgbClr val="0070C0"/>
+                    </a:solidFill>
+                  </a:rPr>
+                  <a:t>ModelRef</a:t>
+                </a:r>
+                <a:endParaRPr lang="en-US" sz="1100" b="1" dirty="0" smtClean="0">
+                  <a:solidFill>
+                    <a:srgbClr val="0070C0"/>
+                  </a:solidFill>
+                </a:endParaRPr>
+              </a:p>
+              <a:p>
+                <a:r>
+                  <a:rPr lang="en-US" sz="900" dirty="0" smtClean="0">
+                    <a:solidFill>
+                      <a:srgbClr val="0070C0"/>
+                    </a:solidFill>
+                  </a:rPr>
+                  <a:t>model: </a:t>
+                </a:r>
+                <a:r>
+                  <a:rPr lang="en-US" sz="900" dirty="0" err="1" smtClean="0">
+                    <a:solidFill>
+                      <a:srgbClr val="0070C0"/>
+                    </a:solidFill>
+                  </a:rPr>
+                  <a:t>SIdRef</a:t>
+                </a:r>
+                <a:r>
+                  <a:rPr lang="en-US" sz="900" dirty="0" smtClean="0">
+                    <a:solidFill>
+                      <a:srgbClr val="0070C0"/>
+                    </a:solidFill>
+                  </a:rPr>
+                  <a:t> {use=“optional”}</a:t>
+                </a:r>
+              </a:p>
+              <a:p>
+                <a:r>
+                  <a:rPr lang="en-US" sz="900" dirty="0" err="1" smtClean="0">
+                    <a:solidFill>
+                      <a:srgbClr val="0070C0"/>
+                    </a:solidFill>
+                  </a:rPr>
+                  <a:t>xlink:href</a:t>
+                </a:r>
+                <a:r>
+                  <a:rPr lang="en-US" sz="900" dirty="0" smtClean="0">
+                    <a:solidFill>
+                      <a:srgbClr val="0070C0"/>
+                    </a:solidFill>
+                  </a:rPr>
+                  <a:t>: string {use=“optional”}</a:t>
+                </a:r>
+              </a:p>
+              <a:p>
+                <a:r>
+                  <a:rPr lang="en-US" sz="900" dirty="0" smtClean="0">
+                    <a:solidFill>
+                      <a:srgbClr val="0070C0"/>
+                    </a:solidFill>
+                  </a:rPr>
+                  <a:t>md5: string {use=“optional”}</a:t>
+                </a:r>
+                <a:endParaRPr lang="en-US" sz="900" dirty="0">
+                  <a:solidFill>
+                    <a:srgbClr val="0070C0"/>
+                  </a:solidFill>
+                </a:endParaRPr>
+              </a:p>
+            </p:txBody>
+          </p:sp>
+          <p:cxnSp>
+            <p:nvCxnSpPr>
+              <p:cNvPr id="54" name="Straight Connector 53"/>
+              <p:cNvCxnSpPr/>
+              <p:nvPr/>
+            </p:nvCxnSpPr>
+            <p:spPr>
+              <a:xfrm>
+                <a:off x="201406" y="1731911"/>
+                <a:ext cx="1747472" cy="0"/>
+              </a:xfrm>
+              <a:prstGeom prst="line">
+                <a:avLst/>
+              </a:prstGeom>
+              <a:ln w="6350">
+                <a:solidFill>
+                  <a:srgbClr val="0070C0"/>
+                </a:solidFill>
+              </a:ln>
+            </p:spPr>
+            <p:style>
+              <a:lnRef idx="1">
+                <a:schemeClr val="accent1"/>
+              </a:lnRef>
+              <a:fillRef idx="0">
+                <a:schemeClr val="accent1"/>
+              </a:fillRef>
+              <a:effectRef idx="0">
+                <a:schemeClr val="accent1"/>
+              </a:effectRef>
+              <a:fontRef idx="minor">
+                <a:schemeClr val="tx1"/>
+              </a:fontRef>
+            </p:style>
+          </p:cxnSp>
+        </p:grpSp>
+        <p:sp>
+          <p:nvSpPr>
+            <p:cNvPr id="55" name="Rectangle 54"/>
+            <p:cNvSpPr/>
+            <p:nvPr/>
+          </p:nvSpPr>
+          <p:spPr>
+            <a:xfrm>
+              <a:off x="2482372" y="2987681"/>
+              <a:ext cx="949981" cy="304800"/>
+            </a:xfrm>
+            <a:prstGeom prst="rect">
+              <a:avLst/>
+            </a:prstGeom>
+            <a:noFill/>
+            <a:ln w="6350">
+              <a:solidFill>
+                <a:srgbClr val="0070C0"/>
+              </a:solidFill>
+            </a:ln>
+          </p:spPr>
+          <p:style>
+            <a:lnRef idx="2">
+              <a:schemeClr val="accent1">
+                <a:shade val="50000"/>
+              </a:schemeClr>
+            </a:lnRef>
+            <a:fillRef idx="1">
+              <a:schemeClr val="accent1"/>
+            </a:fillRef>
+            <a:effectRef idx="0">
+              <a:schemeClr val="accent1"/>
+            </a:effectRef>
+            <a:fontRef idx="minor">
+              <a:schemeClr val="lt1"/>
+            </a:fontRef>
+          </p:style>
+          <p:txBody>
+            <a:bodyPr lIns="91440" tIns="45720" rIns="91440" bIns="45720" spcCol="0" rtlCol="0" anchor="ctr"/>
+            <a:lstStyle/>
+            <a:p>
+              <a:pPr algn="ctr"/>
+              <a:r>
+                <a:rPr lang="en-US" sz="1100" b="1" dirty="0" err="1" smtClean="0">
+                  <a:solidFill>
+                    <a:srgbClr val="0070C0"/>
+                  </a:solidFill>
+                </a:rPr>
+                <a:t>Subelement</a:t>
+              </a:r>
+              <a:endParaRPr lang="en-US" sz="1100" b="1" dirty="0">
+                <a:solidFill>
+                  <a:srgbClr val="0070C0"/>
+                </a:solidFill>
+              </a:endParaRPr>
+            </a:p>
+          </p:txBody>
+        </p:sp>
+        <p:sp>
+          <p:nvSpPr>
+            <p:cNvPr id="56" name="Isosceles Triangle 55"/>
+            <p:cNvSpPr/>
+            <p:nvPr/>
+          </p:nvSpPr>
+          <p:spPr>
+            <a:xfrm>
+              <a:off x="2877762" y="3292481"/>
+              <a:ext cx="159199" cy="114300"/>
+            </a:xfrm>
+            <a:prstGeom prst="triangle">
+              <a:avLst/>
+            </a:prstGeom>
+            <a:noFill/>
+            <a:ln w="6350">
+              <a:solidFill>
+                <a:srgbClr val="0070C0"/>
+              </a:solidFill>
+            </a:ln>
+          </p:spPr>
+          <p:style>
+            <a:lnRef idx="2">
+              <a:schemeClr val="accent1">
+                <a:shade val="50000"/>
+              </a:schemeClr>
+            </a:lnRef>
+            <a:fillRef idx="1">
+              <a:schemeClr val="accent1"/>
+            </a:fillRef>
+            <a:effectRef idx="0">
+              <a:schemeClr val="accent1"/>
+            </a:effectRef>
+            <a:fontRef idx="minor">
+              <a:schemeClr val="lt1"/>
+            </a:fontRef>
+          </p:style>
+          <p:txBody>
+            <a:bodyPr lIns="91440" tIns="45720" rIns="91440" bIns="45720" spcCol="0" rtlCol="0" anchor="ctr"/>
+            <a:lstStyle/>
+            <a:p>
+              <a:pPr algn="ctr"/>
+              <a:endParaRPr lang="en-US" sz="1100" b="1" dirty="0">
+                <a:solidFill>
+                  <a:srgbClr val="0070C0"/>
+                </a:solidFill>
+              </a:endParaRPr>
+            </a:p>
+          </p:txBody>
+        </p:sp>
+        <p:cxnSp>
+          <p:nvCxnSpPr>
+            <p:cNvPr id="57" name="Elbow Connector 56"/>
+            <p:cNvCxnSpPr>
+              <a:stCxn id="44" idx="3"/>
+              <a:endCxn id="56" idx="3"/>
+            </p:cNvCxnSpPr>
+            <p:nvPr/>
+          </p:nvCxnSpPr>
+          <p:spPr>
+            <a:xfrm flipV="1">
+              <a:off x="2027790" y="3406781"/>
+              <a:ext cx="929572" cy="233887"/>
+            </a:xfrm>
+            <a:prstGeom prst="bentConnector2">
+              <a:avLst/>
+            </a:prstGeom>
+            <a:ln w="6350">
+              <a:solidFill>
+                <a:srgbClr val="0070C0"/>
+              </a:solidFill>
+            </a:ln>
+          </p:spPr>
+          <p:style>
+            <a:lnRef idx="1">
+              <a:schemeClr val="accent1"/>
+            </a:lnRef>
+            <a:fillRef idx="0">
+              <a:schemeClr val="accent1"/>
+            </a:fillRef>
+            <a:effectRef idx="0">
+              <a:schemeClr val="accent1"/>
+            </a:effectRef>
+            <a:fontRef idx="minor">
+              <a:schemeClr val="tx1"/>
+            </a:fontRef>
+          </p:style>
+        </p:cxnSp>
+        <p:cxnSp>
+          <p:nvCxnSpPr>
+            <p:cNvPr id="60" name="Straight Connector 59"/>
             <p:cNvCxnSpPr/>
             <p:nvPr/>
           </p:nvCxnSpPr>
           <p:spPr>
             <a:xfrm>
-              <a:off x="201406" y="1731911"/>
-              <a:ext cx="1747472" cy="0"/>
+              <a:off x="378821" y="3594947"/>
+              <a:ext cx="1648969" cy="0"/>
             </a:xfrm>
             <a:prstGeom prst="line">
               <a:avLst/>
@@ -4839,187 +5022,6 @@
           </p:style>
         </p:cxnSp>
       </p:grpSp>
-      <p:sp>
-        <p:nvSpPr>
-          <p:cNvPr id="55" name="Rectangle 54"/>
-          <p:cNvSpPr/>
-          <p:nvPr/>
-        </p:nvSpPr>
-        <p:spPr>
-          <a:xfrm>
-            <a:off x="2482372" y="2987681"/>
-            <a:ext cx="949981" cy="304800"/>
-          </a:xfrm>
-          <a:prstGeom prst="rect">
-            <a:avLst/>
-          </a:prstGeom>
-          <a:noFill/>
-          <a:ln w="6350">
-            <a:solidFill>
-              <a:srgbClr val="0070C0"/>
-            </a:solidFill>
-          </a:ln>
-        </p:spPr>
-        <p:style>
-          <a:lnRef idx="2">
-            <a:schemeClr val="accent1">
-              <a:shade val="50000"/>
-            </a:schemeClr>
-          </a:lnRef>
-          <a:fillRef idx="1">
-            <a:schemeClr val="accent1"/>
-          </a:fillRef>
-          <a:effectRef idx="0">
-            <a:schemeClr val="accent1"/>
-          </a:effectRef>
-          <a:fontRef idx="minor">
-            <a:schemeClr val="lt1"/>
-          </a:fontRef>
-        </p:style>
-        <p:txBody>
-          <a:bodyPr lIns="91440" tIns="45720" rIns="91440" bIns="45720" spcCol="0" rtlCol="0" anchor="ctr"/>
-          <a:lstStyle/>
-          <a:p>
-            <a:pPr algn="ctr"/>
-            <a:r>
-              <a:rPr lang="en-US" sz="1100" b="1" dirty="0" err="1" smtClean="0">
-                <a:solidFill>
-                  <a:srgbClr val="0070C0"/>
-                </a:solidFill>
-              </a:rPr>
-              <a:t>Subelement</a:t>
-            </a:r>
-            <a:endParaRPr lang="en-US" sz="1100" b="1" dirty="0">
-              <a:solidFill>
-                <a:srgbClr val="0070C0"/>
-              </a:solidFill>
-            </a:endParaRPr>
-          </a:p>
-        </p:txBody>
-      </p:sp>
-      <p:sp>
-        <p:nvSpPr>
-          <p:cNvPr id="56" name="Isosceles Triangle 55"/>
-          <p:cNvSpPr/>
-          <p:nvPr/>
-        </p:nvSpPr>
-        <p:spPr>
-          <a:xfrm>
-            <a:off x="2877762" y="3292481"/>
-            <a:ext cx="159199" cy="114300"/>
-          </a:xfrm>
-          <a:prstGeom prst="triangle">
-            <a:avLst/>
-          </a:prstGeom>
-          <a:noFill/>
-          <a:ln w="6350">
-            <a:solidFill>
-              <a:srgbClr val="0070C0"/>
-            </a:solidFill>
-          </a:ln>
-        </p:spPr>
-        <p:style>
-          <a:lnRef idx="2">
-            <a:schemeClr val="accent1">
-              <a:shade val="50000"/>
-            </a:schemeClr>
-          </a:lnRef>
-          <a:fillRef idx="1">
-            <a:schemeClr val="accent1"/>
-          </a:fillRef>
-          <a:effectRef idx="0">
-            <a:schemeClr val="accent1"/>
-          </a:effectRef>
-          <a:fontRef idx="minor">
-            <a:schemeClr val="lt1"/>
-          </a:fontRef>
-        </p:style>
-        <p:txBody>
-          <a:bodyPr lIns="91440" tIns="45720" rIns="91440" bIns="45720" spcCol="0" rtlCol="0" anchor="ctr"/>
-          <a:lstStyle/>
-          <a:p>
-            <a:pPr algn="ctr"/>
-            <a:endParaRPr lang="en-US" sz="1100" b="1" dirty="0">
-              <a:solidFill>
-                <a:srgbClr val="0070C0"/>
-              </a:solidFill>
-            </a:endParaRPr>
-          </a:p>
-        </p:txBody>
-      </p:sp>
-      <p:cxnSp>
-        <p:nvCxnSpPr>
-          <p:cNvPr id="57" name="Elbow Connector 56"/>
-          <p:cNvCxnSpPr>
-            <a:stCxn id="44" idx="3"/>
-            <a:endCxn id="56" idx="3"/>
-          </p:cNvCxnSpPr>
-          <p:nvPr/>
-        </p:nvCxnSpPr>
-        <p:spPr>
-          <a:xfrm flipV="1">
-            <a:off x="2027790" y="3406781"/>
-            <a:ext cx="929572" cy="233887"/>
-          </a:xfrm>
-          <a:prstGeom prst="bentConnector2">
-            <a:avLst/>
-          </a:prstGeom>
-          <a:ln w="6350">
-            <a:solidFill>
-              <a:srgbClr val="0070C0"/>
-            </a:solidFill>
-          </a:ln>
-        </p:spPr>
-        <p:style>
-          <a:lnRef idx="1">
-            <a:schemeClr val="accent1"/>
-          </a:lnRef>
-          <a:fillRef idx="0">
-            <a:schemeClr val="accent1"/>
-          </a:fillRef>
-          <a:effectRef idx="0">
-            <a:schemeClr val="accent1"/>
-          </a:effectRef>
-          <a:fontRef idx="minor">
-            <a:schemeClr val="tx1"/>
-          </a:fontRef>
-        </p:style>
-      </p:cxnSp>
-      <p:cxnSp>
-        <p:nvCxnSpPr>
-          <p:cNvPr id="60" name="Straight Connector 59"/>
-          <p:cNvCxnSpPr/>
-          <p:nvPr/>
-        </p:nvCxnSpPr>
-        <p:spPr>
-          <a:xfrm>
-            <a:off x="378821" y="3594947"/>
-            <a:ext cx="1648969" cy="0"/>
-          </a:xfrm>
-          <a:prstGeom prst="line">
-            <a:avLst/>
-          </a:prstGeom>
-          <a:ln w="6350">
-            <a:solidFill>
-              <a:srgbClr val="0070C0"/>
-            </a:solidFill>
-          </a:ln>
-        </p:spPr>
-        <p:style>
-          <a:lnRef idx="1">
-            <a:schemeClr val="accent1"/>
-          </a:lnRef>
-          <a:fillRef idx="0">
-            <a:schemeClr val="accent1"/>
-          </a:fillRef>
-          <a:effectRef idx="0">
-            <a:schemeClr val="accent1"/>
-          </a:effectRef>
-          <a:fontRef idx="minor">
-            <a:schemeClr val="tx1"/>
-          </a:fontRef>
-        </p:style>
-      </p:cxnSp>
     </p:spTree>
     <p:extLst>
       <p:ext uri="{BB962C8B-B14F-4D97-AF65-F5344CB8AC3E}">

--- a/sbml-level-3/version-1/comp/Submodel.pptx
+++ b/sbml-level-3/version-1/comp/Submodel.pptx
@@ -10,7 +10,7 @@
   <p:sldIdLst>
     <p:sldId id="257" r:id="rId2"/>
   </p:sldIdLst>
-  <p:sldSz cx="4022725" cy="4022725"/>
+  <p:sldSz cx="3657600" cy="4022725"/>
   <p:notesSz cx="6858000" cy="9144000"/>
   <p:defaultTextStyle>
     <a:defPPr>
@@ -192,7 +192,7 @@
           <a:p>
             <a:fld id="{7754A941-C6C2-4027-B1F4-A5E937B2245F}" type="datetimeFigureOut">
               <a:rPr lang="en-US" smtClean="0"/>
-              <a:t>10/6/2010</a:t>
+              <a:t>10/26/2010</a:t>
             </a:fld>
             <a:endParaRPr lang="en-US"/>
           </a:p>
@@ -210,8 +210,8 @@
         </p:nvSpPr>
         <p:spPr>
           <a:xfrm>
-            <a:off x="1714500" y="685800"/>
-            <a:ext cx="3429000" cy="3429000"/>
+            <a:off x="1870075" y="685800"/>
+            <a:ext cx="3117850" cy="3429000"/>
           </a:xfrm>
           <a:prstGeom prst="rect">
             <a:avLst/>
@@ -489,8 +489,8 @@
         </p:nvSpPr>
         <p:spPr>
           <a:xfrm>
-            <a:off x="1714500" y="685800"/>
-            <a:ext cx="3429000" cy="3429000"/>
+            <a:off x="1870075" y="685800"/>
+            <a:ext cx="3117850" cy="3429000"/>
           </a:xfrm>
         </p:spPr>
       </p:sp>
@@ -578,8 +578,8 @@
         </p:nvSpPr>
         <p:spPr>
           <a:xfrm>
-            <a:off x="301705" y="1249659"/>
-            <a:ext cx="3419316" cy="862280"/>
+            <a:off x="274320" y="1249659"/>
+            <a:ext cx="3108960" cy="862280"/>
           </a:xfrm>
         </p:spPr>
         <p:txBody>
@@ -606,8 +606,8 @@
         </p:nvSpPr>
         <p:spPr>
           <a:xfrm>
-            <a:off x="603409" y="2279550"/>
-            <a:ext cx="2815908" cy="1028029"/>
+            <a:off x="548640" y="2279552"/>
+            <a:ext cx="2560320" cy="1028029"/>
           </a:xfrm>
         </p:spPr>
         <p:txBody>
@@ -730,7 +730,7 @@
           <a:p>
             <a:fld id="{F0172217-DC24-48CD-AE89-68C8C8D878B4}" type="datetimeFigureOut">
               <a:rPr lang="en-US" smtClean="0"/>
-              <a:t>10/6/2010</a:t>
+              <a:t>10/26/2010</a:t>
             </a:fld>
             <a:endParaRPr lang="en-US"/>
           </a:p>
@@ -900,7 +900,7 @@
           <a:p>
             <a:fld id="{F0172217-DC24-48CD-AE89-68C8C8D878B4}" type="datetimeFigureOut">
               <a:rPr lang="en-US" smtClean="0"/>
-              <a:t>10/6/2010</a:t>
+              <a:t>10/26/2010</a:t>
             </a:fld>
             <a:endParaRPr lang="en-US"/>
           </a:p>
@@ -990,8 +990,8 @@
         </p:nvSpPr>
         <p:spPr>
           <a:xfrm>
-            <a:off x="2916479" y="161110"/>
-            <a:ext cx="905113" cy="3432354"/>
+            <a:off x="2651764" y="161110"/>
+            <a:ext cx="822960" cy="3432354"/>
           </a:xfrm>
         </p:spPr>
         <p:txBody>
@@ -1018,8 +1018,8 @@
         </p:nvSpPr>
         <p:spPr>
           <a:xfrm>
-            <a:off x="201136" y="161110"/>
-            <a:ext cx="2648294" cy="3432354"/>
+            <a:off x="182880" y="161110"/>
+            <a:ext cx="2407920" cy="3432354"/>
           </a:xfrm>
         </p:spPr>
         <p:txBody>
@@ -1080,7 +1080,7 @@
           <a:p>
             <a:fld id="{F0172217-DC24-48CD-AE89-68C8C8D878B4}" type="datetimeFigureOut">
               <a:rPr lang="en-US" smtClean="0"/>
-              <a:t>10/6/2010</a:t>
+              <a:t>10/26/2010</a:t>
             </a:fld>
             <a:endParaRPr lang="en-US"/>
           </a:p>
@@ -1250,7 +1250,7 @@
           <a:p>
             <a:fld id="{F0172217-DC24-48CD-AE89-68C8C8D878B4}" type="datetimeFigureOut">
               <a:rPr lang="en-US" smtClean="0"/>
-              <a:t>10/6/2010</a:t>
+              <a:t>10/26/2010</a:t>
             </a:fld>
             <a:endParaRPr lang="en-US"/>
           </a:p>
@@ -1340,8 +1340,8 @@
         </p:nvSpPr>
         <p:spPr>
           <a:xfrm>
-            <a:off x="317767" y="2584979"/>
-            <a:ext cx="3419316" cy="798958"/>
+            <a:off x="288925" y="2584979"/>
+            <a:ext cx="3108960" cy="798958"/>
           </a:xfrm>
         </p:spPr>
         <p:txBody>
@@ -1372,8 +1372,8 @@
         </p:nvSpPr>
         <p:spPr>
           <a:xfrm>
-            <a:off x="317767" y="1705014"/>
-            <a:ext cx="3419316" cy="879971"/>
+            <a:off x="288925" y="1705016"/>
+            <a:ext cx="3108960" cy="879971"/>
           </a:xfrm>
         </p:spPr>
         <p:txBody>
@@ -1496,7 +1496,7 @@
           <a:p>
             <a:fld id="{F0172217-DC24-48CD-AE89-68C8C8D878B4}" type="datetimeFigureOut">
               <a:rPr lang="en-US" smtClean="0"/>
-              <a:t>10/6/2010</a:t>
+              <a:t>10/26/2010</a:t>
             </a:fld>
             <a:endParaRPr lang="en-US"/>
           </a:p>
@@ -1609,8 +1609,8 @@
         </p:nvSpPr>
         <p:spPr>
           <a:xfrm>
-            <a:off x="201136" y="938641"/>
-            <a:ext cx="1776704" cy="2654812"/>
+            <a:off x="182880" y="938641"/>
+            <a:ext cx="1615441" cy="2654812"/>
           </a:xfrm>
         </p:spPr>
         <p:txBody>
@@ -1694,8 +1694,8 @@
         </p:nvSpPr>
         <p:spPr>
           <a:xfrm>
-            <a:off x="2044885" y="938641"/>
-            <a:ext cx="1776704" cy="2654812"/>
+            <a:off x="1859280" y="938641"/>
+            <a:ext cx="1615441" cy="2654812"/>
           </a:xfrm>
         </p:spPr>
         <p:txBody>
@@ -1784,7 +1784,7 @@
           <a:p>
             <a:fld id="{F0172217-DC24-48CD-AE89-68C8C8D878B4}" type="datetimeFigureOut">
               <a:rPr lang="en-US" smtClean="0"/>
-              <a:t>10/6/2010</a:t>
+              <a:t>10/26/2010</a:t>
             </a:fld>
             <a:endParaRPr lang="en-US"/>
           </a:p>
@@ -1901,8 +1901,8 @@
         </p:nvSpPr>
         <p:spPr>
           <a:xfrm>
-            <a:off x="201144" y="900467"/>
-            <a:ext cx="1777404" cy="375268"/>
+            <a:off x="182887" y="900467"/>
+            <a:ext cx="1616077" cy="375268"/>
           </a:xfrm>
         </p:spPr>
         <p:txBody>
@@ -1966,8 +1966,8 @@
         </p:nvSpPr>
         <p:spPr>
           <a:xfrm>
-            <a:off x="201144" y="1275734"/>
-            <a:ext cx="1777404" cy="2317725"/>
+            <a:off x="182887" y="1275736"/>
+            <a:ext cx="1616077" cy="2317725"/>
           </a:xfrm>
         </p:spPr>
         <p:txBody>
@@ -2051,8 +2051,8 @@
         </p:nvSpPr>
         <p:spPr>
           <a:xfrm>
-            <a:off x="2043500" y="900467"/>
-            <a:ext cx="1778101" cy="375268"/>
+            <a:off x="1858021" y="900467"/>
+            <a:ext cx="1616711" cy="375268"/>
           </a:xfrm>
         </p:spPr>
         <p:txBody>
@@ -2116,8 +2116,8 @@
         </p:nvSpPr>
         <p:spPr>
           <a:xfrm>
-            <a:off x="2043500" y="1275734"/>
-            <a:ext cx="1778101" cy="2317725"/>
+            <a:off x="1858021" y="1275736"/>
+            <a:ext cx="1616711" cy="2317725"/>
           </a:xfrm>
         </p:spPr>
         <p:txBody>
@@ -2206,7 +2206,7 @@
           <a:p>
             <a:fld id="{F0172217-DC24-48CD-AE89-68C8C8D878B4}" type="datetimeFigureOut">
               <a:rPr lang="en-US" smtClean="0"/>
-              <a:t>10/6/2010</a:t>
+              <a:t>10/26/2010</a:t>
             </a:fld>
             <a:endParaRPr lang="en-US"/>
           </a:p>
@@ -2324,7 +2324,7 @@
           <a:p>
             <a:fld id="{F0172217-DC24-48CD-AE89-68C8C8D878B4}" type="datetimeFigureOut">
               <a:rPr lang="en-US" smtClean="0"/>
-              <a:t>10/6/2010</a:t>
+              <a:t>10/26/2010</a:t>
             </a:fld>
             <a:endParaRPr lang="en-US"/>
           </a:p>
@@ -2419,7 +2419,7 @@
           <a:p>
             <a:fld id="{F0172217-DC24-48CD-AE89-68C8C8D878B4}" type="datetimeFigureOut">
               <a:rPr lang="en-US" smtClean="0"/>
-              <a:t>10/6/2010</a:t>
+              <a:t>10/26/2010</a:t>
             </a:fld>
             <a:endParaRPr lang="en-US"/>
           </a:p>
@@ -2509,8 +2509,8 @@
         </p:nvSpPr>
         <p:spPr>
           <a:xfrm>
-            <a:off x="201145" y="160165"/>
-            <a:ext cx="1323448" cy="681628"/>
+            <a:off x="182888" y="160165"/>
+            <a:ext cx="1203324" cy="681628"/>
           </a:xfrm>
         </p:spPr>
         <p:txBody>
@@ -2541,8 +2541,8 @@
         </p:nvSpPr>
         <p:spPr>
           <a:xfrm>
-            <a:off x="1572781" y="160179"/>
-            <a:ext cx="2248816" cy="3433284"/>
+            <a:off x="1430027" y="160179"/>
+            <a:ext cx="2044701" cy="3433284"/>
           </a:xfrm>
         </p:spPr>
         <p:txBody>
@@ -2626,8 +2626,8 @@
         </p:nvSpPr>
         <p:spPr>
           <a:xfrm>
-            <a:off x="201145" y="841799"/>
-            <a:ext cx="1323448" cy="2751657"/>
+            <a:off x="182888" y="841801"/>
+            <a:ext cx="1203324" cy="2751657"/>
           </a:xfrm>
         </p:spPr>
         <p:txBody>
@@ -2696,7 +2696,7 @@
           <a:p>
             <a:fld id="{F0172217-DC24-48CD-AE89-68C8C8D878B4}" type="datetimeFigureOut">
               <a:rPr lang="en-US" smtClean="0"/>
-              <a:t>10/6/2010</a:t>
+              <a:t>10/26/2010</a:t>
             </a:fld>
             <a:endParaRPr lang="en-US"/>
           </a:p>
@@ -2786,8 +2786,8 @@
         </p:nvSpPr>
         <p:spPr>
           <a:xfrm>
-            <a:off x="788486" y="2815920"/>
-            <a:ext cx="2413635" cy="332434"/>
+            <a:off x="716920" y="2815920"/>
+            <a:ext cx="2194560" cy="332434"/>
           </a:xfrm>
         </p:spPr>
         <p:txBody>
@@ -2818,8 +2818,8 @@
         </p:nvSpPr>
         <p:spPr>
           <a:xfrm>
-            <a:off x="788486" y="359447"/>
-            <a:ext cx="2413635" cy="2413636"/>
+            <a:off x="716920" y="359447"/>
+            <a:ext cx="2194560" cy="2413636"/>
           </a:xfrm>
         </p:spPr>
         <p:txBody>
@@ -2879,8 +2879,8 @@
         </p:nvSpPr>
         <p:spPr>
           <a:xfrm>
-            <a:off x="788486" y="3148351"/>
-            <a:ext cx="2413635" cy="472112"/>
+            <a:off x="716920" y="3148351"/>
+            <a:ext cx="2194560" cy="472112"/>
           </a:xfrm>
         </p:spPr>
         <p:txBody>
@@ -2949,7 +2949,7 @@
           <a:p>
             <a:fld id="{F0172217-DC24-48CD-AE89-68C8C8D878B4}" type="datetimeFigureOut">
               <a:rPr lang="en-US" smtClean="0"/>
-              <a:t>10/6/2010</a:t>
+              <a:t>10/26/2010</a:t>
             </a:fld>
             <a:endParaRPr lang="en-US"/>
           </a:p>
@@ -3044,8 +3044,8 @@
         </p:nvSpPr>
         <p:spPr>
           <a:xfrm>
-            <a:off x="201139" y="161100"/>
-            <a:ext cx="3620453" cy="670454"/>
+            <a:off x="182883" y="161100"/>
+            <a:ext cx="3291840" cy="670454"/>
           </a:xfrm>
           <a:prstGeom prst="rect">
             <a:avLst/>
@@ -3077,8 +3077,8 @@
         </p:nvSpPr>
         <p:spPr>
           <a:xfrm>
-            <a:off x="201139" y="938641"/>
-            <a:ext cx="3620453" cy="2654812"/>
+            <a:off x="182883" y="938641"/>
+            <a:ext cx="3291840" cy="2654812"/>
           </a:xfrm>
           <a:prstGeom prst="rect">
             <a:avLst/>
@@ -3139,8 +3139,8 @@
         </p:nvSpPr>
         <p:spPr>
           <a:xfrm>
-            <a:off x="201136" y="3728480"/>
-            <a:ext cx="938636" cy="214174"/>
+            <a:off x="182880" y="3728480"/>
+            <a:ext cx="853440" cy="214174"/>
           </a:xfrm>
           <a:prstGeom prst="rect">
             <a:avLst/>
@@ -3162,7 +3162,7 @@
           <a:p>
             <a:fld id="{F0172217-DC24-48CD-AE89-68C8C8D878B4}" type="datetimeFigureOut">
               <a:rPr lang="en-US" smtClean="0"/>
-              <a:t>10/6/2010</a:t>
+              <a:t>10/26/2010</a:t>
             </a:fld>
             <a:endParaRPr lang="en-US"/>
           </a:p>
@@ -3180,8 +3180,8 @@
         </p:nvSpPr>
         <p:spPr>
           <a:xfrm>
-            <a:off x="1374434" y="3728480"/>
-            <a:ext cx="1273863" cy="214174"/>
+            <a:off x="1249683" y="3728480"/>
+            <a:ext cx="1158240" cy="214174"/>
           </a:xfrm>
           <a:prstGeom prst="rect">
             <a:avLst/>
@@ -3217,8 +3217,8 @@
         </p:nvSpPr>
         <p:spPr>
           <a:xfrm>
-            <a:off x="2882953" y="3728480"/>
-            <a:ext cx="938636" cy="214174"/>
+            <a:off x="2621280" y="3728480"/>
+            <a:ext cx="853440" cy="214174"/>
           </a:xfrm>
           <a:prstGeom prst="rect">
             <a:avLst/>
@@ -3539,21 +3539,21 @@
       </p:grpSpPr>
       <p:grpSp>
         <p:nvGrpSpPr>
-          <p:cNvPr id="2" name="Group 1"/>
+          <p:cNvPr id="85" name="Group 84"/>
           <p:cNvGrpSpPr/>
           <p:nvPr/>
         </p:nvGrpSpPr>
         <p:grpSpPr>
           <a:xfrm>
-            <a:off x="51292" y="84619"/>
-            <a:ext cx="3920140" cy="3792189"/>
+            <a:off x="44881" y="115268"/>
+            <a:ext cx="3567838" cy="3792189"/>
             <a:chOff x="51292" y="84619"/>
-            <a:chExt cx="3920140" cy="3792189"/>
+            <a:chExt cx="3567838" cy="3792189"/>
           </a:xfrm>
         </p:grpSpPr>
         <p:cxnSp>
           <p:nvCxnSpPr>
-            <p:cNvPr id="31" name="Straight Connector 30"/>
+            <p:cNvPr id="86" name="Straight Connector 85"/>
             <p:cNvCxnSpPr/>
             <p:nvPr/>
           </p:nvCxnSpPr>
@@ -3588,7 +3588,7 @@
         </p:cxnSp>
         <p:sp>
           <p:nvSpPr>
-            <p:cNvPr id="33" name="Rectangle 32"/>
+            <p:cNvPr id="87" name="Rectangle 86"/>
             <p:cNvSpPr/>
             <p:nvPr/>
           </p:nvSpPr>
@@ -3883,7 +3883,7 @@
         </p:sp>
         <p:sp>
           <p:nvSpPr>
-            <p:cNvPr id="34" name="Diamond 33"/>
+            <p:cNvPr id="88" name="Diamond 87"/>
             <p:cNvSpPr/>
             <p:nvPr/>
           </p:nvSpPr>
@@ -3935,10 +3935,10 @@
         </p:sp>
         <p:cxnSp>
           <p:nvCxnSpPr>
-            <p:cNvPr id="35" name="Elbow Connector 34"/>
+            <p:cNvPr id="89" name="Elbow Connector 88"/>
             <p:cNvCxnSpPr>
-              <a:stCxn id="34" idx="2"/>
-              <a:endCxn id="53" idx="0"/>
+              <a:stCxn id="88" idx="2"/>
+              <a:endCxn id="108" idx="0"/>
             </p:cNvCxnSpPr>
             <p:nvPr/>
           </p:nvCxnSpPr>
@@ -3975,10 +3975,10 @@
         </p:cxnSp>
         <p:cxnSp>
           <p:nvCxnSpPr>
-            <p:cNvPr id="36" name="Elbow Connector 35"/>
+            <p:cNvPr id="90" name="Elbow Connector 89"/>
             <p:cNvCxnSpPr>
-              <a:stCxn id="50" idx="2"/>
-              <a:endCxn id="44" idx="0"/>
+              <a:stCxn id="111" idx="2"/>
+              <a:endCxn id="97" idx="0"/>
             </p:cNvCxnSpPr>
             <p:nvPr/>
           </p:nvCxnSpPr>
@@ -4015,10 +4015,10 @@
         </p:cxnSp>
         <p:cxnSp>
           <p:nvCxnSpPr>
-            <p:cNvPr id="37" name="Elbow Connector 36"/>
+            <p:cNvPr id="91" name="Elbow Connector 90"/>
             <p:cNvCxnSpPr>
-              <a:stCxn id="34" idx="2"/>
-              <a:endCxn id="49" idx="0"/>
+              <a:stCxn id="88" idx="2"/>
+              <a:endCxn id="110" idx="0"/>
             </p:cNvCxnSpPr>
             <p:nvPr/>
           </p:nvCxnSpPr>
@@ -4055,13 +4055,13 @@
         </p:cxnSp>
         <p:sp>
           <p:nvSpPr>
-            <p:cNvPr id="39" name="Rectangle 38"/>
+            <p:cNvPr id="92" name="Rectangle 91"/>
             <p:cNvSpPr/>
             <p:nvPr/>
           </p:nvSpPr>
           <p:spPr>
             <a:xfrm>
-              <a:off x="3389263" y="145916"/>
+              <a:off x="3036961" y="145916"/>
               <a:ext cx="582169" cy="304800"/>
             </a:xfrm>
             <a:prstGeom prst="rect">
@@ -4108,13 +4108,13 @@
         </p:sp>
         <p:sp>
           <p:nvSpPr>
-            <p:cNvPr id="40" name="Isosceles Triangle 39"/>
+            <p:cNvPr id="93" name="Isosceles Triangle 92"/>
             <p:cNvSpPr/>
             <p:nvPr/>
           </p:nvSpPr>
           <p:spPr>
             <a:xfrm>
-              <a:off x="3617865" y="453648"/>
+              <a:off x="3265563" y="453648"/>
               <a:ext cx="159199" cy="114300"/>
             </a:xfrm>
             <a:prstGeom prst="triangle">
@@ -4158,17 +4158,17 @@
         </p:sp>
         <p:cxnSp>
           <p:nvCxnSpPr>
-            <p:cNvPr id="41" name="Elbow Connector 40"/>
+            <p:cNvPr id="94" name="Elbow Connector 93"/>
             <p:cNvCxnSpPr>
-              <a:stCxn id="49" idx="3"/>
-              <a:endCxn id="40" idx="3"/>
+              <a:stCxn id="110" idx="3"/>
+              <a:endCxn id="93" idx="3"/>
             </p:cNvCxnSpPr>
             <p:nvPr/>
           </p:nvCxnSpPr>
           <p:spPr>
             <a:xfrm flipV="1">
               <a:off x="1644883" y="567948"/>
-              <a:ext cx="2052582" cy="2247098"/>
+              <a:ext cx="1700280" cy="2247098"/>
             </a:xfrm>
             <a:prstGeom prst="bentConnector2">
               <a:avLst/>
@@ -4196,7 +4196,7 @@
         </p:cxnSp>
         <p:sp>
           <p:nvSpPr>
-            <p:cNvPr id="42" name="Rectangle 41"/>
+            <p:cNvPr id="95" name="Rectangle 94"/>
             <p:cNvSpPr/>
             <p:nvPr/>
           </p:nvSpPr>
@@ -4246,7 +4246,7 @@
         </p:sp>
         <p:sp>
           <p:nvSpPr>
-            <p:cNvPr id="43" name="Rectangle 42"/>
+            <p:cNvPr id="96" name="Rectangle 95"/>
             <p:cNvSpPr/>
             <p:nvPr/>
           </p:nvSpPr>
@@ -4286,7 +4286,7 @@
         </p:sp>
         <p:sp>
           <p:nvSpPr>
-            <p:cNvPr id="44" name="Rectangle 43"/>
+            <p:cNvPr id="97" name="Rectangle 96"/>
             <p:cNvSpPr/>
             <p:nvPr/>
           </p:nvSpPr>
@@ -4386,7 +4386,7 @@
         </p:sp>
         <p:sp>
           <p:nvSpPr>
-            <p:cNvPr id="45" name="Rectangle 44"/>
+            <p:cNvPr id="98" name="Rectangle 97"/>
             <p:cNvSpPr/>
             <p:nvPr/>
           </p:nvSpPr>
@@ -4436,17 +4436,17 @@
         </p:sp>
         <p:cxnSp>
           <p:nvCxnSpPr>
-            <p:cNvPr id="46" name="Elbow Connector 45"/>
+            <p:cNvPr id="99" name="Elbow Connector 98"/>
             <p:cNvCxnSpPr>
-              <a:stCxn id="53" idx="3"/>
-              <a:endCxn id="40" idx="3"/>
+              <a:stCxn id="108" idx="3"/>
+              <a:endCxn id="93" idx="3"/>
             </p:cNvCxnSpPr>
             <p:nvPr/>
           </p:nvCxnSpPr>
           <p:spPr>
             <a:xfrm flipV="1">
               <a:off x="1941463" y="567948"/>
-              <a:ext cx="1756002" cy="1357024"/>
+              <a:ext cx="1403700" cy="1357024"/>
             </a:xfrm>
             <a:prstGeom prst="bentConnector2">
               <a:avLst/>
@@ -4474,17 +4474,17 @@
         </p:cxnSp>
         <p:cxnSp>
           <p:nvCxnSpPr>
-            <p:cNvPr id="47" name="Elbow Connector 46"/>
+            <p:cNvPr id="100" name="Elbow Connector 99"/>
             <p:cNvCxnSpPr>
-              <a:stCxn id="55" idx="3"/>
-              <a:endCxn id="40" idx="3"/>
+              <a:stCxn id="104" idx="3"/>
+              <a:endCxn id="93" idx="3"/>
             </p:cNvCxnSpPr>
             <p:nvPr/>
           </p:nvCxnSpPr>
           <p:spPr>
             <a:xfrm flipV="1">
-              <a:off x="3432353" y="567948"/>
-              <a:ext cx="265112" cy="2572133"/>
+              <a:off x="3036961" y="567948"/>
+              <a:ext cx="308202" cy="2572133"/>
             </a:xfrm>
             <a:prstGeom prst="bentConnector2">
               <a:avLst/>
@@ -4512,7 +4512,7 @@
         </p:cxnSp>
         <p:grpSp>
           <p:nvGrpSpPr>
-            <p:cNvPr id="48" name="Group 47"/>
+            <p:cNvPr id="101" name="Group 100"/>
             <p:cNvGrpSpPr/>
             <p:nvPr/>
           </p:nvGrpSpPr>
@@ -4526,7 +4526,7 @@
           </p:grpSpPr>
           <p:sp>
             <p:nvSpPr>
-              <p:cNvPr id="49" name="Rectangle 48"/>
+              <p:cNvPr id="110" name="Rectangle 109"/>
               <p:cNvSpPr/>
               <p:nvPr/>
             </p:nvSpPr>
@@ -4584,7 +4584,7 @@
           </p:sp>
           <p:sp>
             <p:nvSpPr>
-              <p:cNvPr id="50" name="Diamond 49"/>
+              <p:cNvPr id="111" name="Diamond 110"/>
               <p:cNvSpPr/>
               <p:nvPr/>
             </p:nvSpPr>
@@ -4637,17 +4637,17 @@
         </p:grpSp>
         <p:cxnSp>
           <p:nvCxnSpPr>
-            <p:cNvPr id="51" name="Elbow Connector 50"/>
+            <p:cNvPr id="102" name="Elbow Connector 101"/>
             <p:cNvCxnSpPr>
-              <a:stCxn id="33" idx="3"/>
-              <a:endCxn id="40" idx="3"/>
+              <a:stCxn id="87" idx="3"/>
+              <a:endCxn id="93" idx="3"/>
             </p:cNvCxnSpPr>
             <p:nvPr/>
           </p:nvCxnSpPr>
           <p:spPr>
             <a:xfrm flipV="1">
               <a:off x="2855977" y="567948"/>
-              <a:ext cx="841488" cy="103804"/>
+              <a:ext cx="489186" cy="103804"/>
             </a:xfrm>
             <a:prstGeom prst="bentConnector2">
               <a:avLst/>
@@ -4675,7 +4675,7 @@
         </p:cxnSp>
         <p:grpSp>
           <p:nvGrpSpPr>
-            <p:cNvPr id="52" name="Group 51"/>
+            <p:cNvPr id="103" name="Group 102"/>
             <p:cNvGrpSpPr/>
             <p:nvPr/>
           </p:nvGrpSpPr>
@@ -4689,7 +4689,7 @@
           </p:grpSpPr>
           <p:sp>
             <p:nvSpPr>
-              <p:cNvPr id="53" name="Rectangle 52"/>
+              <p:cNvPr id="108" name="Rectangle 107"/>
               <p:cNvSpPr/>
               <p:nvPr/>
             </p:nvSpPr>
@@ -4806,7 +4806,7 @@
           </p:sp>
           <p:cxnSp>
             <p:nvCxnSpPr>
-              <p:cNvPr id="54" name="Straight Connector 53"/>
+              <p:cNvPr id="109" name="Straight Connector 108"/>
               <p:cNvCxnSpPr/>
               <p:nvPr/>
             </p:nvCxnSpPr>
@@ -4842,13 +4842,13 @@
         </p:grpSp>
         <p:sp>
           <p:nvSpPr>
-            <p:cNvPr id="55" name="Rectangle 54"/>
+            <p:cNvPr id="104" name="Rectangle 103"/>
             <p:cNvSpPr/>
             <p:nvPr/>
           </p:nvSpPr>
           <p:spPr>
             <a:xfrm>
-              <a:off x="2482372" y="2987681"/>
+              <a:off x="2086980" y="2987681"/>
               <a:ext cx="949981" cy="304800"/>
             </a:xfrm>
             <a:prstGeom prst="rect">
@@ -4900,13 +4900,13 @@
         </p:sp>
         <p:sp>
           <p:nvSpPr>
-            <p:cNvPr id="56" name="Isosceles Triangle 55"/>
+            <p:cNvPr id="105" name="Isosceles Triangle 104"/>
             <p:cNvSpPr/>
             <p:nvPr/>
           </p:nvSpPr>
           <p:spPr>
             <a:xfrm>
-              <a:off x="2877762" y="3292481"/>
+              <a:off x="2482370" y="3292481"/>
               <a:ext cx="159199" cy="114300"/>
             </a:xfrm>
             <a:prstGeom prst="triangle">
@@ -4950,17 +4950,17 @@
         </p:sp>
         <p:cxnSp>
           <p:nvCxnSpPr>
-            <p:cNvPr id="57" name="Elbow Connector 56"/>
+            <p:cNvPr id="106" name="Elbow Connector 105"/>
             <p:cNvCxnSpPr>
-              <a:stCxn id="44" idx="3"/>
-              <a:endCxn id="56" idx="3"/>
+              <a:stCxn id="97" idx="3"/>
+              <a:endCxn id="105" idx="3"/>
             </p:cNvCxnSpPr>
             <p:nvPr/>
           </p:nvCxnSpPr>
           <p:spPr>
             <a:xfrm flipV="1">
               <a:off x="2027790" y="3406781"/>
-              <a:ext cx="929572" cy="233887"/>
+              <a:ext cx="534180" cy="233887"/>
             </a:xfrm>
             <a:prstGeom prst="bentConnector2">
               <a:avLst/>
@@ -4988,7 +4988,7 @@
         </p:cxnSp>
         <p:cxnSp>
           <p:nvCxnSpPr>
-            <p:cNvPr id="60" name="Straight Connector 59"/>
+            <p:cNvPr id="107" name="Straight Connector 106"/>
             <p:cNvCxnSpPr/>
             <p:nvPr/>
           </p:nvCxnSpPr>

--- a/sbml-level-3/version-1/comp/Submodel.pptx
+++ b/sbml-level-3/version-1/comp/Submodel.pptx
@@ -10,7 +10,7 @@
   <p:sldIdLst>
     <p:sldId id="257" r:id="rId2"/>
   </p:sldIdLst>
-  <p:sldSz cx="3657600" cy="4022725"/>
+  <p:sldSz cx="3657600" cy="3840163"/>
   <p:notesSz cx="6858000" cy="9144000"/>
   <p:defaultTextStyle>
     <a:defPPr>
@@ -192,7 +192,7 @@
           <a:p>
             <a:fld id="{7754A941-C6C2-4027-B1F4-A5E937B2245F}" type="datetimeFigureOut">
               <a:rPr lang="en-US" smtClean="0"/>
-              <a:t>10/26/2010</a:t>
+              <a:t>4/5/2011</a:t>
             </a:fld>
             <a:endParaRPr lang="en-US"/>
           </a:p>
@@ -210,8 +210,8 @@
         </p:nvSpPr>
         <p:spPr>
           <a:xfrm>
-            <a:off x="1870075" y="685800"/>
-            <a:ext cx="3117850" cy="3429000"/>
+            <a:off x="1795463" y="685800"/>
+            <a:ext cx="3267075" cy="3429000"/>
           </a:xfrm>
           <a:prstGeom prst="rect">
             <a:avLst/>
@@ -489,8 +489,8 @@
         </p:nvSpPr>
         <p:spPr>
           <a:xfrm>
-            <a:off x="1870075" y="685800"/>
-            <a:ext cx="3117850" cy="3429000"/>
+            <a:off x="1795463" y="685800"/>
+            <a:ext cx="3267075" cy="3429000"/>
           </a:xfrm>
         </p:spPr>
       </p:sp>
@@ -578,8 +578,8 @@
         </p:nvSpPr>
         <p:spPr>
           <a:xfrm>
-            <a:off x="274320" y="1249659"/>
-            <a:ext cx="3108960" cy="862280"/>
+            <a:off x="274320" y="1192947"/>
+            <a:ext cx="3108960" cy="823148"/>
           </a:xfrm>
         </p:spPr>
         <p:txBody>
@@ -606,8 +606,8 @@
         </p:nvSpPr>
         <p:spPr>
           <a:xfrm>
-            <a:off x="548640" y="2279552"/>
-            <a:ext cx="2560320" cy="1028029"/>
+            <a:off x="548640" y="2176101"/>
+            <a:ext cx="2560320" cy="981374"/>
           </a:xfrm>
         </p:spPr>
         <p:txBody>
@@ -730,7 +730,7 @@
           <a:p>
             <a:fld id="{F0172217-DC24-48CD-AE89-68C8C8D878B4}" type="datetimeFigureOut">
               <a:rPr lang="en-US" smtClean="0"/>
-              <a:t>10/26/2010</a:t>
+              <a:t>4/5/2011</a:t>
             </a:fld>
             <a:endParaRPr lang="en-US"/>
           </a:p>
@@ -900,7 +900,7 @@
           <a:p>
             <a:fld id="{F0172217-DC24-48CD-AE89-68C8C8D878B4}" type="datetimeFigureOut">
               <a:rPr lang="en-US" smtClean="0"/>
-              <a:t>10/26/2010</a:t>
+              <a:t>4/5/2011</a:t>
             </a:fld>
             <a:endParaRPr lang="en-US"/>
           </a:p>
@@ -990,8 +990,8 @@
         </p:nvSpPr>
         <p:spPr>
           <a:xfrm>
-            <a:off x="2651764" y="161110"/>
-            <a:ext cx="822960" cy="3432354"/>
+            <a:off x="2651764" y="153799"/>
+            <a:ext cx="822960" cy="3276584"/>
           </a:xfrm>
         </p:spPr>
         <p:txBody>
@@ -1018,8 +1018,8 @@
         </p:nvSpPr>
         <p:spPr>
           <a:xfrm>
-            <a:off x="182880" y="161110"/>
-            <a:ext cx="2407920" cy="3432354"/>
+            <a:off x="182880" y="153799"/>
+            <a:ext cx="2407920" cy="3276584"/>
           </a:xfrm>
         </p:spPr>
         <p:txBody>
@@ -1080,7 +1080,7 @@
           <a:p>
             <a:fld id="{F0172217-DC24-48CD-AE89-68C8C8D878B4}" type="datetimeFigureOut">
               <a:rPr lang="en-US" smtClean="0"/>
-              <a:t>10/26/2010</a:t>
+              <a:t>4/5/2011</a:t>
             </a:fld>
             <a:endParaRPr lang="en-US"/>
           </a:p>
@@ -1250,7 +1250,7 @@
           <a:p>
             <a:fld id="{F0172217-DC24-48CD-AE89-68C8C8D878B4}" type="datetimeFigureOut">
               <a:rPr lang="en-US" smtClean="0"/>
-              <a:t>10/26/2010</a:t>
+              <a:t>4/5/2011</a:t>
             </a:fld>
             <a:endParaRPr lang="en-US"/>
           </a:p>
@@ -1340,8 +1340,8 @@
         </p:nvSpPr>
         <p:spPr>
           <a:xfrm>
-            <a:off x="288925" y="2584979"/>
-            <a:ext cx="3108960" cy="798958"/>
+            <a:off x="288925" y="2467666"/>
+            <a:ext cx="3108960" cy="762699"/>
           </a:xfrm>
         </p:spPr>
         <p:txBody>
@@ -1372,8 +1372,8 @@
         </p:nvSpPr>
         <p:spPr>
           <a:xfrm>
-            <a:off x="288925" y="1705016"/>
-            <a:ext cx="3108960" cy="879971"/>
+            <a:off x="288925" y="1627638"/>
+            <a:ext cx="3108960" cy="840036"/>
           </a:xfrm>
         </p:spPr>
         <p:txBody>
@@ -1496,7 +1496,7 @@
           <a:p>
             <a:fld id="{F0172217-DC24-48CD-AE89-68C8C8D878B4}" type="datetimeFigureOut">
               <a:rPr lang="en-US" smtClean="0"/>
-              <a:t>10/26/2010</a:t>
+              <a:t>4/5/2011</a:t>
             </a:fld>
             <a:endParaRPr lang="en-US"/>
           </a:p>
@@ -1609,8 +1609,8 @@
         </p:nvSpPr>
         <p:spPr>
           <a:xfrm>
-            <a:off x="182880" y="938641"/>
-            <a:ext cx="1615441" cy="2654812"/>
+            <a:off x="182882" y="896043"/>
+            <a:ext cx="1615441" cy="2534329"/>
           </a:xfrm>
         </p:spPr>
         <p:txBody>
@@ -1694,8 +1694,8 @@
         </p:nvSpPr>
         <p:spPr>
           <a:xfrm>
-            <a:off x="1859280" y="938641"/>
-            <a:ext cx="1615441" cy="2654812"/>
+            <a:off x="1859282" y="896043"/>
+            <a:ext cx="1615441" cy="2534329"/>
           </a:xfrm>
         </p:spPr>
         <p:txBody>
@@ -1784,7 +1784,7 @@
           <a:p>
             <a:fld id="{F0172217-DC24-48CD-AE89-68C8C8D878B4}" type="datetimeFigureOut">
               <a:rPr lang="en-US" smtClean="0"/>
-              <a:t>10/26/2010</a:t>
+              <a:t>4/5/2011</a:t>
             </a:fld>
             <a:endParaRPr lang="en-US"/>
           </a:p>
@@ -1901,8 +1901,8 @@
         </p:nvSpPr>
         <p:spPr>
           <a:xfrm>
-            <a:off x="182887" y="900467"/>
-            <a:ext cx="1616077" cy="375268"/>
+            <a:off x="182888" y="859601"/>
+            <a:ext cx="1616077" cy="358238"/>
           </a:xfrm>
         </p:spPr>
         <p:txBody>
@@ -1966,8 +1966,8 @@
         </p:nvSpPr>
         <p:spPr>
           <a:xfrm>
-            <a:off x="182887" y="1275736"/>
-            <a:ext cx="1616077" cy="2317725"/>
+            <a:off x="182888" y="1217841"/>
+            <a:ext cx="1616077" cy="2212540"/>
           </a:xfrm>
         </p:spPr>
         <p:txBody>
@@ -2051,8 +2051,8 @@
         </p:nvSpPr>
         <p:spPr>
           <a:xfrm>
-            <a:off x="1858021" y="900467"/>
-            <a:ext cx="1616711" cy="375268"/>
+            <a:off x="1858023" y="859601"/>
+            <a:ext cx="1616711" cy="358238"/>
           </a:xfrm>
         </p:spPr>
         <p:txBody>
@@ -2116,8 +2116,8 @@
         </p:nvSpPr>
         <p:spPr>
           <a:xfrm>
-            <a:off x="1858021" y="1275736"/>
-            <a:ext cx="1616711" cy="2317725"/>
+            <a:off x="1858023" y="1217841"/>
+            <a:ext cx="1616711" cy="2212540"/>
           </a:xfrm>
         </p:spPr>
         <p:txBody>
@@ -2206,7 +2206,7 @@
           <a:p>
             <a:fld id="{F0172217-DC24-48CD-AE89-68C8C8D878B4}" type="datetimeFigureOut">
               <a:rPr lang="en-US" smtClean="0"/>
-              <a:t>10/26/2010</a:t>
+              <a:t>4/5/2011</a:t>
             </a:fld>
             <a:endParaRPr lang="en-US"/>
           </a:p>
@@ -2324,7 +2324,7 @@
           <a:p>
             <a:fld id="{F0172217-DC24-48CD-AE89-68C8C8D878B4}" type="datetimeFigureOut">
               <a:rPr lang="en-US" smtClean="0"/>
-              <a:t>10/26/2010</a:t>
+              <a:t>4/5/2011</a:t>
             </a:fld>
             <a:endParaRPr lang="en-US"/>
           </a:p>
@@ -2419,7 +2419,7 @@
           <a:p>
             <a:fld id="{F0172217-DC24-48CD-AE89-68C8C8D878B4}" type="datetimeFigureOut">
               <a:rPr lang="en-US" smtClean="0"/>
-              <a:t>10/26/2010</a:t>
+              <a:t>4/5/2011</a:t>
             </a:fld>
             <a:endParaRPr lang="en-US"/>
           </a:p>
@@ -2509,8 +2509,8 @@
         </p:nvSpPr>
         <p:spPr>
           <a:xfrm>
-            <a:off x="182888" y="160165"/>
-            <a:ext cx="1203324" cy="681628"/>
+            <a:off x="182888" y="152896"/>
+            <a:ext cx="1203324" cy="650694"/>
           </a:xfrm>
         </p:spPr>
         <p:txBody>
@@ -2541,8 +2541,8 @@
         </p:nvSpPr>
         <p:spPr>
           <a:xfrm>
-            <a:off x="1430027" y="160179"/>
-            <a:ext cx="2044701" cy="3433284"/>
+            <a:off x="1430029" y="152910"/>
+            <a:ext cx="2044701" cy="3277472"/>
           </a:xfrm>
         </p:spPr>
         <p:txBody>
@@ -2626,8 +2626,8 @@
         </p:nvSpPr>
         <p:spPr>
           <a:xfrm>
-            <a:off x="182888" y="841801"/>
-            <a:ext cx="1203324" cy="2751657"/>
+            <a:off x="182888" y="803599"/>
+            <a:ext cx="1203324" cy="2626779"/>
           </a:xfrm>
         </p:spPr>
         <p:txBody>
@@ -2696,7 +2696,7 @@
           <a:p>
             <a:fld id="{F0172217-DC24-48CD-AE89-68C8C8D878B4}" type="datetimeFigureOut">
               <a:rPr lang="en-US" smtClean="0"/>
-              <a:t>10/26/2010</a:t>
+              <a:t>4/5/2011</a:t>
             </a:fld>
             <a:endParaRPr lang="en-US"/>
           </a:p>
@@ -2786,8 +2786,8 @@
         </p:nvSpPr>
         <p:spPr>
           <a:xfrm>
-            <a:off x="716920" y="2815920"/>
-            <a:ext cx="2194560" cy="332434"/>
+            <a:off x="716920" y="2688127"/>
+            <a:ext cx="2194560" cy="317347"/>
           </a:xfrm>
         </p:spPr>
         <p:txBody>
@@ -2818,8 +2818,8 @@
         </p:nvSpPr>
         <p:spPr>
           <a:xfrm>
-            <a:off x="716920" y="359447"/>
-            <a:ext cx="2194560" cy="2413636"/>
+            <a:off x="716920" y="343135"/>
+            <a:ext cx="2194560" cy="2304099"/>
           </a:xfrm>
         </p:spPr>
         <p:txBody>
@@ -2879,8 +2879,8 @@
         </p:nvSpPr>
         <p:spPr>
           <a:xfrm>
-            <a:off x="716920" y="3148351"/>
-            <a:ext cx="2194560" cy="472112"/>
+            <a:off x="716920" y="3005470"/>
+            <a:ext cx="2194560" cy="450686"/>
           </a:xfrm>
         </p:spPr>
         <p:txBody>
@@ -2949,7 +2949,7 @@
           <a:p>
             <a:fld id="{F0172217-DC24-48CD-AE89-68C8C8D878B4}" type="datetimeFigureOut">
               <a:rPr lang="en-US" smtClean="0"/>
-              <a:t>10/26/2010</a:t>
+              <a:t>4/5/2011</a:t>
             </a:fld>
             <a:endParaRPr lang="en-US"/>
           </a:p>
@@ -3044,8 +3044,8 @@
         </p:nvSpPr>
         <p:spPr>
           <a:xfrm>
-            <a:off x="182883" y="161100"/>
-            <a:ext cx="3291840" cy="670454"/>
+            <a:off x="182883" y="153789"/>
+            <a:ext cx="3291840" cy="640027"/>
           </a:xfrm>
           <a:prstGeom prst="rect">
             <a:avLst/>
@@ -3077,8 +3077,8 @@
         </p:nvSpPr>
         <p:spPr>
           <a:xfrm>
-            <a:off x="182883" y="938641"/>
-            <a:ext cx="3291840" cy="2654812"/>
+            <a:off x="182883" y="896043"/>
+            <a:ext cx="3291840" cy="2534329"/>
           </a:xfrm>
           <a:prstGeom prst="rect">
             <a:avLst/>
@@ -3139,8 +3139,8 @@
         </p:nvSpPr>
         <p:spPr>
           <a:xfrm>
-            <a:off x="182880" y="3728480"/>
-            <a:ext cx="853440" cy="214174"/>
+            <a:off x="182880" y="3559272"/>
+            <a:ext cx="853440" cy="204454"/>
           </a:xfrm>
           <a:prstGeom prst="rect">
             <a:avLst/>
@@ -3162,7 +3162,7 @@
           <a:p>
             <a:fld id="{F0172217-DC24-48CD-AE89-68C8C8D878B4}" type="datetimeFigureOut">
               <a:rPr lang="en-US" smtClean="0"/>
-              <a:t>10/26/2010</a:t>
+              <a:t>4/5/2011</a:t>
             </a:fld>
             <a:endParaRPr lang="en-US"/>
           </a:p>
@@ -3180,8 +3180,8 @@
         </p:nvSpPr>
         <p:spPr>
           <a:xfrm>
-            <a:off x="1249683" y="3728480"/>
-            <a:ext cx="1158240" cy="214174"/>
+            <a:off x="1249683" y="3559272"/>
+            <a:ext cx="1158240" cy="204454"/>
           </a:xfrm>
           <a:prstGeom prst="rect">
             <a:avLst/>
@@ -3217,8 +3217,8 @@
         </p:nvSpPr>
         <p:spPr>
           <a:xfrm>
-            <a:off x="2621280" y="3728480"/>
-            <a:ext cx="853440" cy="214174"/>
+            <a:off x="2621280" y="3559272"/>
+            <a:ext cx="853440" cy="204454"/>
           </a:xfrm>
           <a:prstGeom prst="rect">
             <a:avLst/>
@@ -3539,21 +3539,21 @@
       </p:grpSpPr>
       <p:grpSp>
         <p:nvGrpSpPr>
-          <p:cNvPr id="85" name="Group 84"/>
+          <p:cNvPr id="60" name="Group 59"/>
           <p:cNvGrpSpPr/>
           <p:nvPr/>
         </p:nvGrpSpPr>
         <p:grpSpPr>
           <a:xfrm>
-            <a:off x="44881" y="115268"/>
-            <a:ext cx="3567838" cy="3792189"/>
+            <a:off x="44881" y="57634"/>
+            <a:ext cx="3567838" cy="3724895"/>
             <a:chOff x="51292" y="84619"/>
-            <a:chExt cx="3567838" cy="3792189"/>
+            <a:chExt cx="3567838" cy="3724895"/>
           </a:xfrm>
         </p:grpSpPr>
         <p:cxnSp>
           <p:nvCxnSpPr>
-            <p:cNvPr id="86" name="Straight Connector 85"/>
+            <p:cNvPr id="61" name="Straight Connector 60"/>
             <p:cNvCxnSpPr/>
             <p:nvPr/>
           </p:nvCxnSpPr>
@@ -3588,7 +3588,7 @@
         </p:cxnSp>
         <p:sp>
           <p:nvSpPr>
-            <p:cNvPr id="87" name="Rectangle 86"/>
+            <p:cNvPr id="62" name="Rectangle 61"/>
             <p:cNvSpPr/>
             <p:nvPr/>
           </p:nvSpPr>
@@ -3704,40 +3704,6 @@
             </a:p>
             <a:p>
               <a:r>
-                <a:rPr lang="en-US" sz="900" dirty="0" err="1">
-                  <a:solidFill>
-                    <a:srgbClr val="0070C0"/>
-                  </a:solidFill>
-                </a:rPr>
-                <a:t>volumeConversionFactor</a:t>
-              </a:r>
-              <a:r>
-                <a:rPr lang="en-US" sz="900" dirty="0">
-                  <a:solidFill>
-                    <a:srgbClr val="0070C0"/>
-                  </a:solidFill>
-                </a:rPr>
-                <a:t>: </a:t>
-              </a:r>
-              <a:r>
-                <a:rPr lang="en-US" sz="900" dirty="0" err="1">
-                  <a:solidFill>
-                    <a:srgbClr val="0070C0"/>
-                  </a:solidFill>
-                </a:rPr>
-                <a:t>SIdRef</a:t>
-              </a:r>
-              <a:r>
-                <a:rPr lang="en-US" sz="900" dirty="0">
-                  <a:solidFill>
-                    <a:srgbClr val="0070C0"/>
-                  </a:solidFill>
-                </a:rPr>
-                <a:t> {use=“optional”}</a:t>
-              </a:r>
-            </a:p>
-            <a:p>
-              <a:r>
                 <a:rPr lang="en-US" sz="900" dirty="0" err="1" smtClean="0">
                   <a:solidFill>
                     <a:srgbClr val="0070C0"/>
@@ -3772,7 +3738,41 @@
             </a:p>
             <a:p>
               <a:r>
-                <a:rPr lang="en-US" sz="900" dirty="0" err="1" smtClean="0">
+                <a:rPr lang="en-US" sz="900" dirty="0" err="1">
+                  <a:solidFill>
+                    <a:srgbClr val="0070C0"/>
+                  </a:solidFill>
+                </a:rPr>
+                <a:t>volumeConversionFactor</a:t>
+              </a:r>
+              <a:r>
+                <a:rPr lang="en-US" sz="900" dirty="0">
+                  <a:solidFill>
+                    <a:srgbClr val="0070C0"/>
+                  </a:solidFill>
+                </a:rPr>
+                <a:t>: </a:t>
+              </a:r>
+              <a:r>
+                <a:rPr lang="en-US" sz="900" dirty="0" err="1">
+                  <a:solidFill>
+                    <a:srgbClr val="0070C0"/>
+                  </a:solidFill>
+                </a:rPr>
+                <a:t>SIdRef</a:t>
+              </a:r>
+              <a:r>
+                <a:rPr lang="en-US" sz="900">
+                  <a:solidFill>
+                    <a:srgbClr val="0070C0"/>
+                  </a:solidFill>
+                </a:rPr>
+                <a:t> {use=“optional”}</a:t>
+              </a:r>
+            </a:p>
+            <a:p>
+              <a:r>
+                <a:rPr lang="en-US" sz="900" smtClean="0">
                   <a:solidFill>
                     <a:srgbClr val="0070C0"/>
                   </a:solidFill>
@@ -3883,7 +3883,7 @@
         </p:sp>
         <p:sp>
           <p:nvSpPr>
-            <p:cNvPr id="88" name="Diamond 87"/>
+            <p:cNvPr id="63" name="Diamond 62"/>
             <p:cNvSpPr/>
             <p:nvPr/>
           </p:nvSpPr>
@@ -3935,10 +3935,10 @@
         </p:sp>
         <p:cxnSp>
           <p:nvCxnSpPr>
-            <p:cNvPr id="89" name="Elbow Connector 88"/>
+            <p:cNvPr id="64" name="Elbow Connector 63"/>
             <p:cNvCxnSpPr>
-              <a:stCxn id="88" idx="2"/>
-              <a:endCxn id="108" idx="0"/>
+              <a:stCxn id="63" idx="2"/>
+              <a:endCxn id="83" idx="0"/>
             </p:cNvCxnSpPr>
             <p:nvPr/>
           </p:nvCxnSpPr>
@@ -3975,17 +3975,17 @@
         </p:cxnSp>
         <p:cxnSp>
           <p:nvCxnSpPr>
-            <p:cNvPr id="90" name="Elbow Connector 89"/>
+            <p:cNvPr id="65" name="Elbow Connector 64"/>
             <p:cNvCxnSpPr>
-              <a:stCxn id="111" idx="2"/>
-              <a:endCxn id="97" idx="0"/>
+              <a:stCxn id="113" idx="2"/>
+              <a:endCxn id="72" idx="0"/>
             </p:cNvCxnSpPr>
             <p:nvPr/>
           </p:nvCxnSpPr>
           <p:spPr>
             <a:xfrm rot="16200000" flipH="1">
               <a:off x="554824" y="2756045"/>
-              <a:ext cx="282302" cy="1014661"/>
+              <a:ext cx="282303" cy="1014661"/>
             </a:xfrm>
             <a:prstGeom prst="bentConnector3">
               <a:avLst>
@@ -4015,10 +4015,10 @@
         </p:cxnSp>
         <p:cxnSp>
           <p:nvCxnSpPr>
-            <p:cNvPr id="91" name="Elbow Connector 90"/>
+            <p:cNvPr id="66" name="Elbow Connector 65"/>
             <p:cNvCxnSpPr>
-              <a:stCxn id="88" idx="2"/>
-              <a:endCxn id="110" idx="0"/>
+              <a:stCxn id="63" idx="2"/>
+              <a:endCxn id="112" idx="0"/>
             </p:cNvCxnSpPr>
             <p:nvPr/>
           </p:nvCxnSpPr>
@@ -4055,7 +4055,7 @@
         </p:cxnSp>
         <p:sp>
           <p:nvSpPr>
-            <p:cNvPr id="92" name="Rectangle 91"/>
+            <p:cNvPr id="67" name="Rectangle 66"/>
             <p:cNvSpPr/>
             <p:nvPr/>
           </p:nvSpPr>
@@ -4108,7 +4108,7 @@
         </p:sp>
         <p:sp>
           <p:nvSpPr>
-            <p:cNvPr id="93" name="Isosceles Triangle 92"/>
+            <p:cNvPr id="68" name="Isosceles Triangle 67"/>
             <p:cNvSpPr/>
             <p:nvPr/>
           </p:nvSpPr>
@@ -4158,10 +4158,10 @@
         </p:sp>
         <p:cxnSp>
           <p:nvCxnSpPr>
-            <p:cNvPr id="94" name="Elbow Connector 93"/>
+            <p:cNvPr id="69" name="Elbow Connector 68"/>
             <p:cNvCxnSpPr>
-              <a:stCxn id="110" idx="3"/>
-              <a:endCxn id="93" idx="3"/>
+              <a:stCxn id="112" idx="3"/>
+              <a:endCxn id="68" idx="3"/>
             </p:cNvCxnSpPr>
             <p:nvPr/>
           </p:nvCxnSpPr>
@@ -4196,7 +4196,7 @@
         </p:cxnSp>
         <p:sp>
           <p:nvSpPr>
-            <p:cNvPr id="95" name="Rectangle 94"/>
+            <p:cNvPr id="70" name="Rectangle 69"/>
             <p:cNvSpPr/>
             <p:nvPr/>
           </p:nvSpPr>
@@ -4246,7 +4246,7 @@
         </p:sp>
         <p:sp>
           <p:nvSpPr>
-            <p:cNvPr id="96" name="Rectangle 95"/>
+            <p:cNvPr id="71" name="Rectangle 70"/>
             <p:cNvSpPr/>
             <p:nvPr/>
           </p:nvSpPr>
@@ -4286,14 +4286,14 @@
         </p:sp>
         <p:sp>
           <p:nvSpPr>
-            <p:cNvPr id="97" name="Rectangle 96"/>
+            <p:cNvPr id="72" name="Rectangle 71"/>
             <p:cNvSpPr/>
             <p:nvPr/>
           </p:nvSpPr>
           <p:spPr>
             <a:xfrm>
-              <a:off x="378821" y="3404527"/>
-              <a:ext cx="1648969" cy="472281"/>
+              <a:off x="378821" y="3404528"/>
+              <a:ext cx="1648969" cy="404986"/>
             </a:xfrm>
             <a:prstGeom prst="rect">
               <a:avLst/>
@@ -4386,7 +4386,7 @@
         </p:sp>
         <p:sp>
           <p:nvSpPr>
-            <p:cNvPr id="98" name="Rectangle 97"/>
+            <p:cNvPr id="73" name="Rectangle 72"/>
             <p:cNvSpPr/>
             <p:nvPr/>
           </p:nvSpPr>
@@ -4436,10 +4436,10 @@
         </p:sp>
         <p:cxnSp>
           <p:nvCxnSpPr>
-            <p:cNvPr id="99" name="Elbow Connector 98"/>
+            <p:cNvPr id="74" name="Elbow Connector 73"/>
             <p:cNvCxnSpPr>
-              <a:stCxn id="108" idx="3"/>
-              <a:endCxn id="93" idx="3"/>
+              <a:stCxn id="83" idx="3"/>
+              <a:endCxn id="68" idx="3"/>
             </p:cNvCxnSpPr>
             <p:nvPr/>
           </p:nvCxnSpPr>
@@ -4474,10 +4474,10 @@
         </p:cxnSp>
         <p:cxnSp>
           <p:nvCxnSpPr>
-            <p:cNvPr id="100" name="Elbow Connector 99"/>
+            <p:cNvPr id="75" name="Elbow Connector 74"/>
             <p:cNvCxnSpPr>
-              <a:stCxn id="104" idx="3"/>
-              <a:endCxn id="93" idx="3"/>
+              <a:stCxn id="79" idx="3"/>
+              <a:endCxn id="68" idx="3"/>
             </p:cNvCxnSpPr>
             <p:nvPr/>
           </p:nvCxnSpPr>
@@ -4512,7 +4512,7 @@
         </p:cxnSp>
         <p:grpSp>
           <p:nvGrpSpPr>
-            <p:cNvPr id="101" name="Group 100"/>
+            <p:cNvPr id="76" name="Group 75"/>
             <p:cNvGrpSpPr/>
             <p:nvPr/>
           </p:nvGrpSpPr>
@@ -4526,7 +4526,7 @@
           </p:grpSpPr>
           <p:sp>
             <p:nvSpPr>
-              <p:cNvPr id="110" name="Rectangle 109"/>
+              <p:cNvPr id="112" name="Rectangle 111"/>
               <p:cNvSpPr/>
               <p:nvPr/>
             </p:nvSpPr>
@@ -4584,7 +4584,7 @@
           </p:sp>
           <p:sp>
             <p:nvSpPr>
-              <p:cNvPr id="111" name="Diamond 110"/>
+              <p:cNvPr id="113" name="Diamond 112"/>
               <p:cNvSpPr/>
               <p:nvPr/>
             </p:nvSpPr>
@@ -4637,10 +4637,10 @@
         </p:grpSp>
         <p:cxnSp>
           <p:nvCxnSpPr>
-            <p:cNvPr id="102" name="Elbow Connector 101"/>
+            <p:cNvPr id="77" name="Elbow Connector 76"/>
             <p:cNvCxnSpPr>
-              <a:stCxn id="87" idx="3"/>
-              <a:endCxn id="93" idx="3"/>
+              <a:stCxn id="62" idx="3"/>
+              <a:endCxn id="68" idx="3"/>
             </p:cNvCxnSpPr>
             <p:nvPr/>
           </p:nvCxnSpPr>
@@ -4675,7 +4675,7 @@
         </p:cxnSp>
         <p:grpSp>
           <p:nvGrpSpPr>
-            <p:cNvPr id="103" name="Group 102"/>
+            <p:cNvPr id="78" name="Group 77"/>
             <p:cNvGrpSpPr/>
             <p:nvPr/>
           </p:nvGrpSpPr>
@@ -4689,7 +4689,7 @@
           </p:grpSpPr>
           <p:sp>
             <p:nvSpPr>
-              <p:cNvPr id="108" name="Rectangle 107"/>
+              <p:cNvPr id="83" name="Rectangle 82"/>
               <p:cNvSpPr/>
               <p:nvPr/>
             </p:nvSpPr>
@@ -4806,7 +4806,7 @@
           </p:sp>
           <p:cxnSp>
             <p:nvCxnSpPr>
-              <p:cNvPr id="109" name="Straight Connector 108"/>
+              <p:cNvPr id="84" name="Straight Connector 83"/>
               <p:cNvCxnSpPr/>
               <p:nvPr/>
             </p:nvCxnSpPr>
@@ -4842,7 +4842,7 @@
         </p:grpSp>
         <p:sp>
           <p:nvSpPr>
-            <p:cNvPr id="104" name="Rectangle 103"/>
+            <p:cNvPr id="79" name="Rectangle 78"/>
             <p:cNvSpPr/>
             <p:nvPr/>
           </p:nvSpPr>
@@ -4900,7 +4900,7 @@
         </p:sp>
         <p:sp>
           <p:nvSpPr>
-            <p:cNvPr id="105" name="Isosceles Triangle 104"/>
+            <p:cNvPr id="80" name="Isosceles Triangle 79"/>
             <p:cNvSpPr/>
             <p:nvPr/>
           </p:nvSpPr>
@@ -4950,17 +4950,17 @@
         </p:sp>
         <p:cxnSp>
           <p:nvCxnSpPr>
-            <p:cNvPr id="106" name="Elbow Connector 105"/>
+            <p:cNvPr id="81" name="Elbow Connector 80"/>
             <p:cNvCxnSpPr>
-              <a:stCxn id="97" idx="3"/>
-              <a:endCxn id="105" idx="3"/>
+              <a:stCxn id="72" idx="3"/>
+              <a:endCxn id="80" idx="3"/>
             </p:cNvCxnSpPr>
             <p:nvPr/>
           </p:nvCxnSpPr>
           <p:spPr>
             <a:xfrm flipV="1">
               <a:off x="2027790" y="3406781"/>
-              <a:ext cx="534180" cy="233887"/>
+              <a:ext cx="534180" cy="200240"/>
             </a:xfrm>
             <a:prstGeom prst="bentConnector2">
               <a:avLst/>
@@ -4988,7 +4988,7 @@
         </p:cxnSp>
         <p:cxnSp>
           <p:nvCxnSpPr>
-            <p:cNvPr id="107" name="Straight Connector 106"/>
+            <p:cNvPr id="82" name="Straight Connector 81"/>
             <p:cNvCxnSpPr/>
             <p:nvPr/>
           </p:nvCxnSpPr>

--- a/sbml-level-3/version-1/comp/Submodel.pptx
+++ b/sbml-level-3/version-1/comp/Submodel.pptx
@@ -10,7 +10,7 @@
   <p:sldIdLst>
     <p:sldId id="257" r:id="rId2"/>
   </p:sldIdLst>
-  <p:sldSz cx="3657600" cy="3840163"/>
+  <p:sldSz cx="3657600" cy="3017838"/>
   <p:notesSz cx="6858000" cy="9144000"/>
   <p:defaultTextStyle>
     <a:defPPr>
@@ -192,7 +192,7 @@
           <a:p>
             <a:fld id="{7754A941-C6C2-4027-B1F4-A5E937B2245F}" type="datetimeFigureOut">
               <a:rPr lang="en-US" smtClean="0"/>
-              <a:t>4/5/2011</a:t>
+              <a:t>4/27/2011</a:t>
             </a:fld>
             <a:endParaRPr lang="en-US"/>
           </a:p>
@@ -210,8 +210,8 @@
         </p:nvSpPr>
         <p:spPr>
           <a:xfrm>
-            <a:off x="1795463" y="685800"/>
-            <a:ext cx="3267075" cy="3429000"/>
+            <a:off x="1350963" y="685800"/>
+            <a:ext cx="4156075" cy="3429000"/>
           </a:xfrm>
           <a:prstGeom prst="rect">
             <a:avLst/>
@@ -489,8 +489,8 @@
         </p:nvSpPr>
         <p:spPr>
           <a:xfrm>
-            <a:off x="1795463" y="685800"/>
-            <a:ext cx="3267075" cy="3429000"/>
+            <a:off x="1350963" y="685800"/>
+            <a:ext cx="4156075" cy="3429000"/>
           </a:xfrm>
         </p:spPr>
       </p:sp>
@@ -578,8 +578,8 @@
         </p:nvSpPr>
         <p:spPr>
           <a:xfrm>
-            <a:off x="274320" y="1192947"/>
-            <a:ext cx="3108960" cy="823148"/>
+            <a:off x="274320" y="937492"/>
+            <a:ext cx="3108960" cy="646881"/>
           </a:xfrm>
         </p:spPr>
         <p:txBody>
@@ -606,8 +606,8 @@
         </p:nvSpPr>
         <p:spPr>
           <a:xfrm>
-            <a:off x="548640" y="2176101"/>
-            <a:ext cx="2560320" cy="981374"/>
+            <a:off x="548640" y="1710115"/>
+            <a:ext cx="2560320" cy="771224"/>
           </a:xfrm>
         </p:spPr>
         <p:txBody>
@@ -730,7 +730,7 @@
           <a:p>
             <a:fld id="{F0172217-DC24-48CD-AE89-68C8C8D878B4}" type="datetimeFigureOut">
               <a:rPr lang="en-US" smtClean="0"/>
-              <a:t>4/5/2011</a:t>
+              <a:t>4/27/2011</a:t>
             </a:fld>
             <a:endParaRPr lang="en-US"/>
           </a:p>
@@ -900,7 +900,7 @@
           <a:p>
             <a:fld id="{F0172217-DC24-48CD-AE89-68C8C8D878B4}" type="datetimeFigureOut">
               <a:rPr lang="en-US" smtClean="0"/>
-              <a:t>4/5/2011</a:t>
+              <a:t>4/27/2011</a:t>
             </a:fld>
             <a:endParaRPr lang="en-US"/>
           </a:p>
@@ -990,8 +990,8 @@
         </p:nvSpPr>
         <p:spPr>
           <a:xfrm>
-            <a:off x="2651764" y="153799"/>
-            <a:ext cx="822960" cy="3276584"/>
+            <a:off x="2651764" y="120865"/>
+            <a:ext cx="822960" cy="2574942"/>
           </a:xfrm>
         </p:spPr>
         <p:txBody>
@@ -1018,8 +1018,8 @@
         </p:nvSpPr>
         <p:spPr>
           <a:xfrm>
-            <a:off x="182880" y="153799"/>
-            <a:ext cx="2407920" cy="3276584"/>
+            <a:off x="182880" y="120865"/>
+            <a:ext cx="2407920" cy="2574942"/>
           </a:xfrm>
         </p:spPr>
         <p:txBody>
@@ -1080,7 +1080,7 @@
           <a:p>
             <a:fld id="{F0172217-DC24-48CD-AE89-68C8C8D878B4}" type="datetimeFigureOut">
               <a:rPr lang="en-US" smtClean="0"/>
-              <a:t>4/5/2011</a:t>
+              <a:t>4/27/2011</a:t>
             </a:fld>
             <a:endParaRPr lang="en-US"/>
           </a:p>
@@ -1250,7 +1250,7 @@
           <a:p>
             <a:fld id="{F0172217-DC24-48CD-AE89-68C8C8D878B4}" type="datetimeFigureOut">
               <a:rPr lang="en-US" smtClean="0"/>
-              <a:t>4/5/2011</a:t>
+              <a:t>4/27/2011</a:t>
             </a:fld>
             <a:endParaRPr lang="en-US"/>
           </a:p>
@@ -1340,8 +1340,8 @@
         </p:nvSpPr>
         <p:spPr>
           <a:xfrm>
-            <a:off x="288925" y="2467666"/>
-            <a:ext cx="3108960" cy="762699"/>
+            <a:off x="288925" y="1939245"/>
+            <a:ext cx="3108960" cy="599376"/>
           </a:xfrm>
         </p:spPr>
         <p:txBody>
@@ -1372,8 +1372,8 @@
         </p:nvSpPr>
         <p:spPr>
           <a:xfrm>
-            <a:off x="288925" y="1627638"/>
-            <a:ext cx="3108960" cy="840036"/>
+            <a:off x="288925" y="1279100"/>
+            <a:ext cx="3108960" cy="660153"/>
           </a:xfrm>
         </p:spPr>
         <p:txBody>
@@ -1496,7 +1496,7 @@
           <a:p>
             <a:fld id="{F0172217-DC24-48CD-AE89-68C8C8D878B4}" type="datetimeFigureOut">
               <a:rPr lang="en-US" smtClean="0"/>
-              <a:t>4/5/2011</a:t>
+              <a:t>4/27/2011</a:t>
             </a:fld>
             <a:endParaRPr lang="en-US"/>
           </a:p>
@@ -1609,8 +1609,8 @@
         </p:nvSpPr>
         <p:spPr>
           <a:xfrm>
-            <a:off x="182882" y="896043"/>
-            <a:ext cx="1615441" cy="2534329"/>
+            <a:off x="182886" y="704168"/>
+            <a:ext cx="1615441" cy="1991632"/>
           </a:xfrm>
         </p:spPr>
         <p:txBody>
@@ -1694,8 +1694,8 @@
         </p:nvSpPr>
         <p:spPr>
           <a:xfrm>
-            <a:off x="1859282" y="896043"/>
-            <a:ext cx="1615441" cy="2534329"/>
+            <a:off x="1859286" y="704168"/>
+            <a:ext cx="1615441" cy="1991632"/>
           </a:xfrm>
         </p:spPr>
         <p:txBody>
@@ -1784,7 +1784,7 @@
           <a:p>
             <a:fld id="{F0172217-DC24-48CD-AE89-68C8C8D878B4}" type="datetimeFigureOut">
               <a:rPr lang="en-US" smtClean="0"/>
-              <a:t>4/5/2011</a:t>
+              <a:t>4/27/2011</a:t>
             </a:fld>
             <a:endParaRPr lang="en-US"/>
           </a:p>
@@ -1901,8 +1901,8 @@
         </p:nvSpPr>
         <p:spPr>
           <a:xfrm>
-            <a:off x="182888" y="859601"/>
-            <a:ext cx="1616077" cy="358238"/>
+            <a:off x="182888" y="675529"/>
+            <a:ext cx="1616077" cy="281526"/>
           </a:xfrm>
         </p:spPr>
         <p:txBody>
@@ -1966,8 +1966,8 @@
         </p:nvSpPr>
         <p:spPr>
           <a:xfrm>
-            <a:off x="182888" y="1217841"/>
-            <a:ext cx="1616077" cy="2212540"/>
+            <a:off x="182888" y="957056"/>
+            <a:ext cx="1616077" cy="1738751"/>
           </a:xfrm>
         </p:spPr>
         <p:txBody>
@@ -2051,8 +2051,8 @@
         </p:nvSpPr>
         <p:spPr>
           <a:xfrm>
-            <a:off x="1858023" y="859601"/>
-            <a:ext cx="1616711" cy="358238"/>
+            <a:off x="1858027" y="675529"/>
+            <a:ext cx="1616711" cy="281526"/>
           </a:xfrm>
         </p:spPr>
         <p:txBody>
@@ -2116,8 +2116,8 @@
         </p:nvSpPr>
         <p:spPr>
           <a:xfrm>
-            <a:off x="1858023" y="1217841"/>
-            <a:ext cx="1616711" cy="2212540"/>
+            <a:off x="1858027" y="957056"/>
+            <a:ext cx="1616711" cy="1738751"/>
           </a:xfrm>
         </p:spPr>
         <p:txBody>
@@ -2206,7 +2206,7 @@
           <a:p>
             <a:fld id="{F0172217-DC24-48CD-AE89-68C8C8D878B4}" type="datetimeFigureOut">
               <a:rPr lang="en-US" smtClean="0"/>
-              <a:t>4/5/2011</a:t>
+              <a:t>4/27/2011</a:t>
             </a:fld>
             <a:endParaRPr lang="en-US"/>
           </a:p>
@@ -2324,7 +2324,7 @@
           <a:p>
             <a:fld id="{F0172217-DC24-48CD-AE89-68C8C8D878B4}" type="datetimeFigureOut">
               <a:rPr lang="en-US" smtClean="0"/>
-              <a:t>4/5/2011</a:t>
+              <a:t>4/27/2011</a:t>
             </a:fld>
             <a:endParaRPr lang="en-US"/>
           </a:p>
@@ -2419,7 +2419,7 @@
           <a:p>
             <a:fld id="{F0172217-DC24-48CD-AE89-68C8C8D878B4}" type="datetimeFigureOut">
               <a:rPr lang="en-US" smtClean="0"/>
-              <a:t>4/5/2011</a:t>
+              <a:t>4/27/2011</a:t>
             </a:fld>
             <a:endParaRPr lang="en-US"/>
           </a:p>
@@ -2509,8 +2509,8 @@
         </p:nvSpPr>
         <p:spPr>
           <a:xfrm>
-            <a:off x="182888" y="152896"/>
-            <a:ext cx="1203324" cy="650694"/>
+            <a:off x="182888" y="120156"/>
+            <a:ext cx="1203324" cy="511355"/>
           </a:xfrm>
         </p:spPr>
         <p:txBody>
@@ -2541,8 +2541,8 @@
         </p:nvSpPr>
         <p:spPr>
           <a:xfrm>
-            <a:off x="1430029" y="152910"/>
-            <a:ext cx="2044701" cy="3277472"/>
+            <a:off x="1430033" y="120167"/>
+            <a:ext cx="2044701" cy="2575640"/>
           </a:xfrm>
         </p:spPr>
         <p:txBody>
@@ -2626,8 +2626,8 @@
         </p:nvSpPr>
         <p:spPr>
           <a:xfrm>
-            <a:off x="182888" y="803599"/>
-            <a:ext cx="1203324" cy="2626779"/>
+            <a:off x="182888" y="631519"/>
+            <a:ext cx="1203324" cy="2064286"/>
           </a:xfrm>
         </p:spPr>
         <p:txBody>
@@ -2696,7 +2696,7 @@
           <a:p>
             <a:fld id="{F0172217-DC24-48CD-AE89-68C8C8D878B4}" type="datetimeFigureOut">
               <a:rPr lang="en-US" smtClean="0"/>
-              <a:t>4/5/2011</a:t>
+              <a:t>4/27/2011</a:t>
             </a:fld>
             <a:endParaRPr lang="en-US"/>
           </a:p>
@@ -2786,8 +2786,8 @@
         </p:nvSpPr>
         <p:spPr>
           <a:xfrm>
-            <a:off x="716920" y="2688127"/>
-            <a:ext cx="2194560" cy="317347"/>
+            <a:off x="716920" y="2112498"/>
+            <a:ext cx="2194560" cy="249391"/>
           </a:xfrm>
         </p:spPr>
         <p:txBody>
@@ -2818,8 +2818,8 @@
         </p:nvSpPr>
         <p:spPr>
           <a:xfrm>
-            <a:off x="716920" y="343135"/>
-            <a:ext cx="2194560" cy="2304099"/>
+            <a:off x="716920" y="269658"/>
+            <a:ext cx="2194560" cy="1810704"/>
           </a:xfrm>
         </p:spPr>
         <p:txBody>
@@ -2879,8 +2879,8 @@
         </p:nvSpPr>
         <p:spPr>
           <a:xfrm>
-            <a:off x="716920" y="3005470"/>
-            <a:ext cx="2194560" cy="450686"/>
+            <a:off x="716920" y="2361887"/>
+            <a:ext cx="2194560" cy="354177"/>
           </a:xfrm>
         </p:spPr>
         <p:txBody>
@@ -2949,7 +2949,7 @@
           <a:p>
             <a:fld id="{F0172217-DC24-48CD-AE89-68C8C8D878B4}" type="datetimeFigureOut">
               <a:rPr lang="en-US" smtClean="0"/>
-              <a:t>4/5/2011</a:t>
+              <a:t>4/27/2011</a:t>
             </a:fld>
             <a:endParaRPr lang="en-US"/>
           </a:p>
@@ -3044,8 +3044,8 @@
         </p:nvSpPr>
         <p:spPr>
           <a:xfrm>
-            <a:off x="182883" y="153789"/>
-            <a:ext cx="3291840" cy="640027"/>
+            <a:off x="182883" y="120857"/>
+            <a:ext cx="3291840" cy="502973"/>
           </a:xfrm>
           <a:prstGeom prst="rect">
             <a:avLst/>
@@ -3077,8 +3077,8 @@
         </p:nvSpPr>
         <p:spPr>
           <a:xfrm>
-            <a:off x="182883" y="896043"/>
-            <a:ext cx="3291840" cy="2534329"/>
+            <a:off x="182883" y="704168"/>
+            <a:ext cx="3291840" cy="1991632"/>
           </a:xfrm>
           <a:prstGeom prst="rect">
             <a:avLst/>
@@ -3139,8 +3139,8 @@
         </p:nvSpPr>
         <p:spPr>
           <a:xfrm>
-            <a:off x="182880" y="3559272"/>
-            <a:ext cx="853440" cy="204454"/>
+            <a:off x="182880" y="2797098"/>
+            <a:ext cx="853440" cy="160673"/>
           </a:xfrm>
           <a:prstGeom prst="rect">
             <a:avLst/>
@@ -3162,7 +3162,7 @@
           <a:p>
             <a:fld id="{F0172217-DC24-48CD-AE89-68C8C8D878B4}" type="datetimeFigureOut">
               <a:rPr lang="en-US" smtClean="0"/>
-              <a:t>4/5/2011</a:t>
+              <a:t>4/27/2011</a:t>
             </a:fld>
             <a:endParaRPr lang="en-US"/>
           </a:p>
@@ -3180,8 +3180,8 @@
         </p:nvSpPr>
         <p:spPr>
           <a:xfrm>
-            <a:off x="1249683" y="3559272"/>
-            <a:ext cx="1158240" cy="204454"/>
+            <a:off x="1249683" y="2797098"/>
+            <a:ext cx="1158240" cy="160673"/>
           </a:xfrm>
           <a:prstGeom prst="rect">
             <a:avLst/>
@@ -3217,8 +3217,8 @@
         </p:nvSpPr>
         <p:spPr>
           <a:xfrm>
-            <a:off x="2621280" y="3559272"/>
-            <a:ext cx="853440" cy="204454"/>
+            <a:off x="2621280" y="2797098"/>
+            <a:ext cx="853440" cy="160673"/>
           </a:xfrm>
           <a:prstGeom prst="rect">
             <a:avLst/>
@@ -3539,27 +3539,27 @@
       </p:grpSpPr>
       <p:grpSp>
         <p:nvGrpSpPr>
-          <p:cNvPr id="60" name="Group 59"/>
+          <p:cNvPr id="12" name="Group 11"/>
           <p:cNvGrpSpPr/>
           <p:nvPr/>
         </p:nvGrpSpPr>
         <p:grpSpPr>
           <a:xfrm>
-            <a:off x="44881" y="57634"/>
-            <a:ext cx="3567838" cy="3724895"/>
-            <a:chOff x="51292" y="84619"/>
-            <a:chExt cx="3567838" cy="3724895"/>
+            <a:off x="51361" y="57634"/>
+            <a:ext cx="3561358" cy="2871807"/>
+            <a:chOff x="51361" y="57634"/>
+            <a:chExt cx="3561358" cy="2871807"/>
           </a:xfrm>
         </p:grpSpPr>
         <p:cxnSp>
           <p:nvCxnSpPr>
-            <p:cNvPr id="61" name="Straight Connector 60"/>
+            <p:cNvPr id="126" name="Straight Connector 125"/>
             <p:cNvCxnSpPr/>
             <p:nvPr/>
           </p:nvCxnSpPr>
           <p:spPr>
             <a:xfrm>
-              <a:off x="91207" y="285229"/>
+              <a:off x="84796" y="258244"/>
               <a:ext cx="2764770" cy="0"/>
             </a:xfrm>
             <a:prstGeom prst="line">
@@ -3588,14 +3588,14 @@
         </p:cxnSp>
         <p:sp>
           <p:nvSpPr>
-            <p:cNvPr id="62" name="Rectangle 61"/>
+            <p:cNvPr id="127" name="Rectangle 126"/>
             <p:cNvSpPr/>
             <p:nvPr/>
           </p:nvSpPr>
           <p:spPr>
             <a:xfrm>
-              <a:off x="91207" y="84619"/>
-              <a:ext cx="2764770" cy="1174265"/>
+              <a:off x="84796" y="57634"/>
+              <a:ext cx="2764770" cy="1344562"/>
             </a:xfrm>
             <a:prstGeom prst="rect">
               <a:avLst/>
@@ -3649,7 +3649,25 @@
                     <a:srgbClr val="0070C0"/>
                   </a:solidFill>
                 </a:rPr>
-                <a:t>id: </a:t>
+                <a:t>id: SId </a:t>
+              </a:r>
+            </a:p>
+            <a:p>
+              <a:r>
+                <a:rPr lang="en-US" sz="900" dirty="0" err="1" smtClean="0">
+                  <a:solidFill>
+                    <a:srgbClr val="0070C0"/>
+                  </a:solidFill>
+                </a:rPr>
+                <a:t>modelRef</a:t>
+              </a:r>
+              <a:r>
+                <a:rPr lang="en-US" sz="900" dirty="0" smtClean="0">
+                  <a:solidFill>
+                    <a:srgbClr val="0070C0"/>
+                  </a:solidFill>
+                </a:rPr>
+                <a:t>: </a:t>
               </a:r>
               <a:r>
                 <a:rPr lang="en-US" sz="900" dirty="0" err="1" smtClean="0">
@@ -3657,16 +3675,13 @@
                     <a:srgbClr val="0070C0"/>
                   </a:solidFill>
                 </a:rPr>
-                <a:t>SId</a:t>
+                <a:t>SidRef</a:t>
               </a:r>
-              <a:r>
-                <a:rPr lang="en-US" sz="900" dirty="0" smtClean="0">
-                  <a:solidFill>
-                    <a:srgbClr val="0070C0"/>
-                  </a:solidFill>
-                </a:rPr>
-                <a:t> {use=“optional”}</a:t>
-              </a:r>
+              <a:endParaRPr lang="en-US" sz="900" dirty="0" smtClean="0">
+                <a:solidFill>
+                  <a:srgbClr val="0070C0"/>
+                </a:solidFill>
+              </a:endParaRPr>
             </a:p>
             <a:p>
               <a:r>
@@ -3762,7 +3777,7 @@
                 <a:t>SIdRef</a:t>
               </a:r>
               <a:r>
-                <a:rPr lang="en-US" sz="900">
+                <a:rPr lang="en-US" sz="900" dirty="0">
                   <a:solidFill>
                     <a:srgbClr val="0070C0"/>
                   </a:solidFill>
@@ -3772,7 +3787,7 @@
             </a:p>
             <a:p>
               <a:r>
-                <a:rPr lang="en-US" sz="900" smtClean="0">
+                <a:rPr lang="en-US" sz="900" dirty="0" err="1" smtClean="0">
                   <a:solidFill>
                     <a:srgbClr val="0070C0"/>
                   </a:solidFill>
@@ -3883,13 +3898,13 @@
         </p:sp>
         <p:sp>
           <p:nvSpPr>
-            <p:cNvPr id="63" name="Diamond 62"/>
+            <p:cNvPr id="128" name="Diamond 127"/>
             <p:cNvSpPr/>
             <p:nvPr/>
           </p:nvSpPr>
           <p:spPr>
             <a:xfrm>
-              <a:off x="57847" y="1261265"/>
+              <a:off x="51361" y="1400485"/>
               <a:ext cx="66869" cy="167916"/>
             </a:xfrm>
             <a:prstGeom prst="diamond">
@@ -3935,56 +3950,16 @@
         </p:sp>
         <p:cxnSp>
           <p:nvCxnSpPr>
-            <p:cNvPr id="64" name="Elbow Connector 63"/>
+            <p:cNvPr id="129" name="Elbow Connector 128"/>
             <p:cNvCxnSpPr>
-              <a:stCxn id="63" idx="2"/>
-              <a:endCxn id="83" idx="0"/>
+              <a:stCxn id="145" idx="2"/>
+              <a:endCxn id="135" idx="0"/>
             </p:cNvCxnSpPr>
             <p:nvPr/>
           </p:nvCxnSpPr>
           <p:spPr>
             <a:xfrm rot="16200000" flipH="1">
-              <a:off x="498351" y="1022112"/>
-              <a:ext cx="159241" cy="973378"/>
-            </a:xfrm>
-            <a:prstGeom prst="bentConnector3">
-              <a:avLst>
-                <a:gd name="adj1" fmla="val 50000"/>
-              </a:avLst>
-            </a:prstGeom>
-            <a:ln w="6350">
-              <a:solidFill>
-                <a:srgbClr val="0070C0"/>
-              </a:solidFill>
-            </a:ln>
-          </p:spPr>
-          <p:style>
-            <a:lnRef idx="1">
-              <a:schemeClr val="accent1"/>
-            </a:lnRef>
-            <a:fillRef idx="0">
-              <a:schemeClr val="accent1"/>
-            </a:fillRef>
-            <a:effectRef idx="0">
-              <a:schemeClr val="accent1"/>
-            </a:effectRef>
-            <a:fontRef idx="minor">
-              <a:schemeClr val="tx1"/>
-            </a:fontRef>
-          </p:style>
-        </p:cxnSp>
-        <p:cxnSp>
-          <p:nvCxnSpPr>
-            <p:cNvPr id="65" name="Elbow Connector 64"/>
-            <p:cNvCxnSpPr>
-              <a:stCxn id="113" idx="2"/>
-              <a:endCxn id="72" idx="0"/>
-            </p:cNvCxnSpPr>
-            <p:nvPr/>
-          </p:nvCxnSpPr>
-          <p:spPr>
-            <a:xfrm rot="16200000" flipH="1">
-              <a:off x="554824" y="2756045"/>
+              <a:off x="548413" y="1875972"/>
               <a:ext cx="282303" cy="1014661"/>
             </a:xfrm>
             <a:prstGeom prst="bentConnector3">
@@ -4015,21 +3990,21 @@
         </p:cxnSp>
         <p:cxnSp>
           <p:nvCxnSpPr>
-            <p:cNvPr id="66" name="Elbow Connector 65"/>
+            <p:cNvPr id="130" name="Elbow Connector 129"/>
             <p:cNvCxnSpPr>
-              <a:stCxn id="63" idx="2"/>
-              <a:endCxn id="112" idx="0"/>
+              <a:stCxn id="128" idx="2"/>
+              <a:endCxn id="144" idx="0"/>
             </p:cNvCxnSpPr>
             <p:nvPr/>
           </p:nvCxnSpPr>
           <p:spPr>
             <a:xfrm rot="16200000" flipH="1">
-              <a:off x="-112906" y="1633369"/>
-              <a:ext cx="1233465" cy="825088"/>
+              <a:off x="390291" y="1262905"/>
+              <a:ext cx="214172" cy="825163"/>
             </a:xfrm>
             <a:prstGeom prst="bentConnector3">
               <a:avLst>
-                <a:gd name="adj1" fmla="val 85203"/>
+                <a:gd name="adj1" fmla="val 28653"/>
               </a:avLst>
             </a:prstGeom>
             <a:ln w="6350">
@@ -4055,13 +4030,13 @@
         </p:cxnSp>
         <p:sp>
           <p:nvSpPr>
-            <p:cNvPr id="67" name="Rectangle 66"/>
+            <p:cNvPr id="131" name="Rectangle 130"/>
             <p:cNvSpPr/>
             <p:nvPr/>
           </p:nvSpPr>
           <p:spPr>
             <a:xfrm>
-              <a:off x="3036961" y="145916"/>
+              <a:off x="3030550" y="118931"/>
               <a:ext cx="582169" cy="304800"/>
             </a:xfrm>
             <a:prstGeom prst="rect">
@@ -4108,13 +4083,13 @@
         </p:sp>
         <p:sp>
           <p:nvSpPr>
-            <p:cNvPr id="68" name="Isosceles Triangle 67"/>
+            <p:cNvPr id="132" name="Isosceles Triangle 131"/>
             <p:cNvSpPr/>
             <p:nvPr/>
           </p:nvSpPr>
           <p:spPr>
             <a:xfrm>
-              <a:off x="3265563" y="453648"/>
+              <a:off x="3259152" y="426663"/>
               <a:ext cx="159199" cy="114300"/>
             </a:xfrm>
             <a:prstGeom prst="triangle">
@@ -4158,17 +4133,17 @@
         </p:sp>
         <p:cxnSp>
           <p:nvCxnSpPr>
-            <p:cNvPr id="69" name="Elbow Connector 68"/>
+            <p:cNvPr id="133" name="Elbow Connector 132"/>
             <p:cNvCxnSpPr>
-              <a:stCxn id="112" idx="3"/>
-              <a:endCxn id="68" idx="3"/>
+              <a:stCxn id="144" idx="3"/>
+              <a:endCxn id="132" idx="3"/>
             </p:cNvCxnSpPr>
             <p:nvPr/>
           </p:nvCxnSpPr>
           <p:spPr>
             <a:xfrm flipV="1">
-              <a:off x="1644883" y="567948"/>
-              <a:ext cx="1700280" cy="2247098"/>
+              <a:off x="1638472" y="540963"/>
+              <a:ext cx="1700280" cy="1394010"/>
             </a:xfrm>
             <a:prstGeom prst="bentConnector2">
               <a:avLst/>
@@ -4196,13 +4171,13 @@
         </p:cxnSp>
         <p:sp>
           <p:nvSpPr>
-            <p:cNvPr id="70" name="Rectangle 69"/>
+            <p:cNvPr id="134" name="Rectangle 133"/>
             <p:cNvSpPr/>
             <p:nvPr/>
           </p:nvSpPr>
           <p:spPr>
             <a:xfrm>
-              <a:off x="57873" y="2309846"/>
+              <a:off x="56220" y="1449864"/>
               <a:ext cx="880369" cy="369332"/>
             </a:xfrm>
             <a:prstGeom prst="rect">
@@ -4246,53 +4221,13 @@
         </p:sp>
         <p:sp>
           <p:nvSpPr>
-            <p:cNvPr id="71" name="Rectangle 70"/>
+            <p:cNvPr id="135" name="Rectangle 134"/>
             <p:cNvSpPr/>
             <p:nvPr/>
           </p:nvSpPr>
           <p:spPr>
             <a:xfrm>
-              <a:off x="51292" y="1320181"/>
-              <a:ext cx="639919" cy="230832"/>
-            </a:xfrm>
-            <a:prstGeom prst="rect">
-              <a:avLst/>
-            </a:prstGeom>
-            <a:ln>
-              <a:noFill/>
-            </a:ln>
-          </p:spPr>
-          <p:txBody>
-            <a:bodyPr wrap="none" lIns="91440" tIns="45720" rIns="91440" bIns="45720">
-              <a:spAutoFit/>
-            </a:bodyPr>
-            <a:lstStyle/>
-            <a:p>
-              <a:r>
-                <a:rPr lang="en-US" sz="900" dirty="0" err="1" smtClean="0">
-                  <a:solidFill>
-                    <a:srgbClr val="0070C0"/>
-                  </a:solidFill>
-                </a:rPr>
-                <a:t>modelRef</a:t>
-              </a:r>
-              <a:endParaRPr lang="en-US" sz="900" dirty="0">
-                <a:solidFill>
-                  <a:srgbClr val="0070C0"/>
-                </a:solidFill>
-              </a:endParaRPr>
-            </a:p>
-          </p:txBody>
-        </p:sp>
-        <p:sp>
-          <p:nvSpPr>
-            <p:cNvPr id="72" name="Rectangle 71"/>
-            <p:cNvSpPr/>
-            <p:nvPr/>
-          </p:nvSpPr>
-          <p:spPr>
-            <a:xfrm>
-              <a:off x="378821" y="3404528"/>
+              <a:off x="372410" y="2524455"/>
               <a:ext cx="1648969" cy="404986"/>
             </a:xfrm>
             <a:prstGeom prst="rect">
@@ -4386,13 +4321,13 @@
         </p:sp>
         <p:sp>
           <p:nvSpPr>
-            <p:cNvPr id="73" name="Rectangle 72"/>
+            <p:cNvPr id="136" name="Rectangle 135"/>
             <p:cNvSpPr/>
             <p:nvPr/>
           </p:nvSpPr>
           <p:spPr>
             <a:xfrm>
-              <a:off x="134512" y="3064104"/>
+              <a:off x="128101" y="2184031"/>
               <a:ext cx="575799" cy="369332"/>
             </a:xfrm>
             <a:prstGeom prst="rect">
@@ -4436,55 +4371,17 @@
         </p:sp>
         <p:cxnSp>
           <p:nvCxnSpPr>
-            <p:cNvPr id="74" name="Elbow Connector 73"/>
+            <p:cNvPr id="137" name="Elbow Connector 136"/>
             <p:cNvCxnSpPr>
-              <a:stCxn id="83" idx="3"/>
-              <a:endCxn id="68" idx="3"/>
+              <a:stCxn id="140" idx="3"/>
+              <a:endCxn id="132" idx="3"/>
             </p:cNvCxnSpPr>
             <p:nvPr/>
           </p:nvCxnSpPr>
           <p:spPr>
             <a:xfrm flipV="1">
-              <a:off x="1941463" y="567948"/>
-              <a:ext cx="1403700" cy="1357024"/>
-            </a:xfrm>
-            <a:prstGeom prst="bentConnector2">
-              <a:avLst/>
-            </a:prstGeom>
-            <a:ln w="6350">
-              <a:solidFill>
-                <a:srgbClr val="0070C0"/>
-              </a:solidFill>
-            </a:ln>
-          </p:spPr>
-          <p:style>
-            <a:lnRef idx="1">
-              <a:schemeClr val="accent1"/>
-            </a:lnRef>
-            <a:fillRef idx="0">
-              <a:schemeClr val="accent1"/>
-            </a:fillRef>
-            <a:effectRef idx="0">
-              <a:schemeClr val="accent1"/>
-            </a:effectRef>
-            <a:fontRef idx="minor">
-              <a:schemeClr val="tx1"/>
-            </a:fontRef>
-          </p:style>
-        </p:cxnSp>
-        <p:cxnSp>
-          <p:nvCxnSpPr>
-            <p:cNvPr id="75" name="Elbow Connector 74"/>
-            <p:cNvCxnSpPr>
-              <a:stCxn id="79" idx="3"/>
-              <a:endCxn id="68" idx="3"/>
-            </p:cNvCxnSpPr>
-            <p:nvPr/>
-          </p:nvCxnSpPr>
-          <p:spPr>
-            <a:xfrm flipV="1">
-              <a:off x="3036961" y="567948"/>
-              <a:ext cx="308202" cy="2572133"/>
+              <a:off x="3030550" y="540963"/>
+              <a:ext cx="308202" cy="1719045"/>
             </a:xfrm>
             <a:prstGeom prst="bentConnector2">
               <a:avLst/>
@@ -4512,13 +4409,13 @@
         </p:cxnSp>
         <p:grpSp>
           <p:nvGrpSpPr>
-            <p:cNvPr id="76" name="Group 75"/>
+            <p:cNvPr id="138" name="Group 137"/>
             <p:cNvGrpSpPr/>
             <p:nvPr/>
           </p:nvGrpSpPr>
           <p:grpSpPr>
             <a:xfrm>
-              <a:off x="155210" y="2662646"/>
+              <a:off x="148799" y="1782573"/>
               <a:ext cx="1489673" cy="459579"/>
               <a:chOff x="162625" y="2625999"/>
               <a:chExt cx="1489673" cy="459579"/>
@@ -4526,7 +4423,7 @@
           </p:grpSpPr>
           <p:sp>
             <p:nvSpPr>
-              <p:cNvPr id="112" name="Rectangle 111"/>
+              <p:cNvPr id="144" name="Rectangle 143"/>
               <p:cNvSpPr/>
               <p:nvPr/>
             </p:nvSpPr>
@@ -4584,7 +4481,7 @@
           </p:sp>
           <p:sp>
             <p:nvSpPr>
-              <p:cNvPr id="113" name="Diamond 112"/>
+              <p:cNvPr id="145" name="Diamond 144"/>
               <p:cNvSpPr/>
               <p:nvPr/>
             </p:nvSpPr>
@@ -4637,17 +4534,17 @@
         </p:grpSp>
         <p:cxnSp>
           <p:nvCxnSpPr>
-            <p:cNvPr id="77" name="Elbow Connector 76"/>
+            <p:cNvPr id="139" name="Elbow Connector 138"/>
             <p:cNvCxnSpPr>
-              <a:stCxn id="62" idx="3"/>
-              <a:endCxn id="68" idx="3"/>
+              <a:stCxn id="127" idx="3"/>
+              <a:endCxn id="132" idx="3"/>
             </p:cNvCxnSpPr>
             <p:nvPr/>
           </p:nvCxnSpPr>
           <p:spPr>
             <a:xfrm flipV="1">
-              <a:off x="2855977" y="567948"/>
-              <a:ext cx="489186" cy="103804"/>
+              <a:off x="2849566" y="540963"/>
+              <a:ext cx="489186" cy="188952"/>
             </a:xfrm>
             <a:prstGeom prst="bentConnector2">
               <a:avLst/>
@@ -4673,182 +4570,15 @@
             </a:fontRef>
           </p:style>
         </p:cxnSp>
-        <p:grpSp>
-          <p:nvGrpSpPr>
-            <p:cNvPr id="78" name="Group 77"/>
-            <p:cNvGrpSpPr/>
-            <p:nvPr/>
-          </p:nvGrpSpPr>
-          <p:grpSpPr>
-            <a:xfrm>
-              <a:off x="187857" y="1588422"/>
-              <a:ext cx="1753606" cy="673100"/>
-              <a:chOff x="195272" y="1551775"/>
-              <a:chExt cx="1753606" cy="673100"/>
-            </a:xfrm>
-          </p:grpSpPr>
-          <p:sp>
-            <p:nvSpPr>
-              <p:cNvPr id="83" name="Rectangle 82"/>
-              <p:cNvSpPr/>
-              <p:nvPr/>
-            </p:nvSpPr>
-            <p:spPr>
-              <a:xfrm>
-                <a:off x="195272" y="1551775"/>
-                <a:ext cx="1753606" cy="673100"/>
-              </a:xfrm>
-              <a:prstGeom prst="rect">
-                <a:avLst/>
-              </a:prstGeom>
-              <a:noFill/>
-              <a:ln w="6350">
-                <a:solidFill>
-                  <a:srgbClr val="0070C0"/>
-                </a:solidFill>
-              </a:ln>
-            </p:spPr>
-            <p:style>
-              <a:lnRef idx="2">
-                <a:schemeClr val="accent1">
-                  <a:shade val="50000"/>
-                </a:schemeClr>
-              </a:lnRef>
-              <a:fillRef idx="1">
-                <a:schemeClr val="accent1"/>
-              </a:fillRef>
-              <a:effectRef idx="0">
-                <a:schemeClr val="accent1"/>
-              </a:effectRef>
-              <a:fontRef idx="minor">
-                <a:schemeClr val="lt1"/>
-              </a:fontRef>
-            </p:style>
-            <p:txBody>
-              <a:bodyPr lIns="91440" tIns="45720" rIns="91440" bIns="45720" spcCol="0" rtlCol="0" anchor="t"/>
-              <a:lstStyle/>
-              <a:p>
-                <a:pPr algn="ctr"/>
-                <a:r>
-                  <a:rPr lang="en-US" sz="1100" b="1" dirty="0" err="1" smtClean="0">
-                    <a:solidFill>
-                      <a:srgbClr val="0070C0"/>
-                    </a:solidFill>
-                  </a:rPr>
-                  <a:t>ModelRef</a:t>
-                </a:r>
-                <a:endParaRPr lang="en-US" sz="1100" b="1" dirty="0" smtClean="0">
-                  <a:solidFill>
-                    <a:srgbClr val="0070C0"/>
-                  </a:solidFill>
-                </a:endParaRPr>
-              </a:p>
-              <a:p>
-                <a:r>
-                  <a:rPr lang="en-US" sz="900" dirty="0" smtClean="0">
-                    <a:solidFill>
-                      <a:srgbClr val="0070C0"/>
-                    </a:solidFill>
-                  </a:rPr>
-                  <a:t>model: </a:t>
-                </a:r>
-                <a:r>
-                  <a:rPr lang="en-US" sz="900" dirty="0" err="1" smtClean="0">
-                    <a:solidFill>
-                      <a:srgbClr val="0070C0"/>
-                    </a:solidFill>
-                  </a:rPr>
-                  <a:t>SIdRef</a:t>
-                </a:r>
-                <a:r>
-                  <a:rPr lang="en-US" sz="900" dirty="0" smtClean="0">
-                    <a:solidFill>
-                      <a:srgbClr val="0070C0"/>
-                    </a:solidFill>
-                  </a:rPr>
-                  <a:t> {use=“optional”}</a:t>
-                </a:r>
-              </a:p>
-              <a:p>
-                <a:r>
-                  <a:rPr lang="en-US" sz="900" dirty="0" err="1" smtClean="0">
-                    <a:solidFill>
-                      <a:srgbClr val="0070C0"/>
-                    </a:solidFill>
-                  </a:rPr>
-                  <a:t>xlink:href</a:t>
-                </a:r>
-                <a:r>
-                  <a:rPr lang="en-US" sz="900" dirty="0" smtClean="0">
-                    <a:solidFill>
-                      <a:srgbClr val="0070C0"/>
-                    </a:solidFill>
-                  </a:rPr>
-                  <a:t>: string {use=“optional”}</a:t>
-                </a:r>
-              </a:p>
-              <a:p>
-                <a:r>
-                  <a:rPr lang="en-US" sz="900" dirty="0" smtClean="0">
-                    <a:solidFill>
-                      <a:srgbClr val="0070C0"/>
-                    </a:solidFill>
-                  </a:rPr>
-                  <a:t>md5: string {use=“optional”}</a:t>
-                </a:r>
-                <a:endParaRPr lang="en-US" sz="900" dirty="0">
-                  <a:solidFill>
-                    <a:srgbClr val="0070C0"/>
-                  </a:solidFill>
-                </a:endParaRPr>
-              </a:p>
-            </p:txBody>
-          </p:sp>
-          <p:cxnSp>
-            <p:nvCxnSpPr>
-              <p:cNvPr id="84" name="Straight Connector 83"/>
-              <p:cNvCxnSpPr/>
-              <p:nvPr/>
-            </p:nvCxnSpPr>
-            <p:spPr>
-              <a:xfrm>
-                <a:off x="201406" y="1731911"/>
-                <a:ext cx="1747472" cy="0"/>
-              </a:xfrm>
-              <a:prstGeom prst="line">
-                <a:avLst/>
-              </a:prstGeom>
-              <a:ln w="6350">
-                <a:solidFill>
-                  <a:srgbClr val="0070C0"/>
-                </a:solidFill>
-              </a:ln>
-            </p:spPr>
-            <p:style>
-              <a:lnRef idx="1">
-                <a:schemeClr val="accent1"/>
-              </a:lnRef>
-              <a:fillRef idx="0">
-                <a:schemeClr val="accent1"/>
-              </a:fillRef>
-              <a:effectRef idx="0">
-                <a:schemeClr val="accent1"/>
-              </a:effectRef>
-              <a:fontRef idx="minor">
-                <a:schemeClr val="tx1"/>
-              </a:fontRef>
-            </p:style>
-          </p:cxnSp>
-        </p:grpSp>
         <p:sp>
           <p:nvSpPr>
-            <p:cNvPr id="79" name="Rectangle 78"/>
+            <p:cNvPr id="140" name="Rectangle 139"/>
             <p:cNvSpPr/>
             <p:nvPr/>
           </p:nvSpPr>
           <p:spPr>
             <a:xfrm>
-              <a:off x="2086980" y="2987681"/>
+              <a:off x="2080569" y="2107608"/>
               <a:ext cx="949981" cy="304800"/>
             </a:xfrm>
             <a:prstGeom prst="rect">
@@ -4888,7 +4618,7 @@
                     <a:srgbClr val="0070C0"/>
                   </a:solidFill>
                 </a:rPr>
-                <a:t>Subelement</a:t>
+                <a:t>SBaseRef</a:t>
               </a:r>
               <a:endParaRPr lang="en-US" sz="1100" b="1" dirty="0">
                 <a:solidFill>
@@ -4900,13 +4630,13 @@
         </p:sp>
         <p:sp>
           <p:nvSpPr>
-            <p:cNvPr id="80" name="Isosceles Triangle 79"/>
+            <p:cNvPr id="141" name="Isosceles Triangle 140"/>
             <p:cNvSpPr/>
             <p:nvPr/>
           </p:nvSpPr>
           <p:spPr>
             <a:xfrm>
-              <a:off x="2482370" y="3292481"/>
+              <a:off x="2475959" y="2412408"/>
               <a:ext cx="159199" cy="114300"/>
             </a:xfrm>
             <a:prstGeom prst="triangle">
@@ -4950,16 +4680,16 @@
         </p:sp>
         <p:cxnSp>
           <p:nvCxnSpPr>
-            <p:cNvPr id="81" name="Elbow Connector 80"/>
+            <p:cNvPr id="142" name="Elbow Connector 141"/>
             <p:cNvCxnSpPr>
-              <a:stCxn id="72" idx="3"/>
-              <a:endCxn id="80" idx="3"/>
+              <a:stCxn id="135" idx="3"/>
+              <a:endCxn id="141" idx="3"/>
             </p:cNvCxnSpPr>
             <p:nvPr/>
           </p:nvCxnSpPr>
           <p:spPr>
             <a:xfrm flipV="1">
-              <a:off x="2027790" y="3406781"/>
+              <a:off x="2021379" y="2526708"/>
               <a:ext cx="534180" cy="200240"/>
             </a:xfrm>
             <a:prstGeom prst="bentConnector2">
@@ -4988,13 +4718,13 @@
         </p:cxnSp>
         <p:cxnSp>
           <p:nvCxnSpPr>
-            <p:cNvPr id="82" name="Straight Connector 81"/>
+            <p:cNvPr id="143" name="Straight Connector 142"/>
             <p:cNvCxnSpPr/>
             <p:nvPr/>
           </p:nvCxnSpPr>
           <p:spPr>
             <a:xfrm>
-              <a:off x="378821" y="3594947"/>
+              <a:off x="372410" y="2714874"/>
               <a:ext cx="1648969" cy="0"/>
             </a:xfrm>
             <a:prstGeom prst="line">

--- a/sbml-level-3/version-1/comp/Submodel.pptx
+++ b/sbml-level-3/version-1/comp/Submodel.pptx
@@ -192,7 +192,7 @@
           <a:p>
             <a:fld id="{7754A941-C6C2-4027-B1F4-A5E937B2245F}" type="datetimeFigureOut">
               <a:rPr lang="en-US" smtClean="0"/>
-              <a:t>4/27/2011</a:t>
+              <a:t>5/10/2011</a:t>
             </a:fld>
             <a:endParaRPr lang="en-US"/>
           </a:p>
@@ -730,7 +730,7 @@
           <a:p>
             <a:fld id="{F0172217-DC24-48CD-AE89-68C8C8D878B4}" type="datetimeFigureOut">
               <a:rPr lang="en-US" smtClean="0"/>
-              <a:t>4/27/2011</a:t>
+              <a:t>5/10/2011</a:t>
             </a:fld>
             <a:endParaRPr lang="en-US"/>
           </a:p>
@@ -900,7 +900,7 @@
           <a:p>
             <a:fld id="{F0172217-DC24-48CD-AE89-68C8C8D878B4}" type="datetimeFigureOut">
               <a:rPr lang="en-US" smtClean="0"/>
-              <a:t>4/27/2011</a:t>
+              <a:t>5/10/2011</a:t>
             </a:fld>
             <a:endParaRPr lang="en-US"/>
           </a:p>
@@ -1080,7 +1080,7 @@
           <a:p>
             <a:fld id="{F0172217-DC24-48CD-AE89-68C8C8D878B4}" type="datetimeFigureOut">
               <a:rPr lang="en-US" smtClean="0"/>
-              <a:t>4/27/2011</a:t>
+              <a:t>5/10/2011</a:t>
             </a:fld>
             <a:endParaRPr lang="en-US"/>
           </a:p>
@@ -1250,7 +1250,7 @@
           <a:p>
             <a:fld id="{F0172217-DC24-48CD-AE89-68C8C8D878B4}" type="datetimeFigureOut">
               <a:rPr lang="en-US" smtClean="0"/>
-              <a:t>4/27/2011</a:t>
+              <a:t>5/10/2011</a:t>
             </a:fld>
             <a:endParaRPr lang="en-US"/>
           </a:p>
@@ -1496,7 +1496,7 @@
           <a:p>
             <a:fld id="{F0172217-DC24-48CD-AE89-68C8C8D878B4}" type="datetimeFigureOut">
               <a:rPr lang="en-US" smtClean="0"/>
-              <a:t>4/27/2011</a:t>
+              <a:t>5/10/2011</a:t>
             </a:fld>
             <a:endParaRPr lang="en-US"/>
           </a:p>
@@ -1784,7 +1784,7 @@
           <a:p>
             <a:fld id="{F0172217-DC24-48CD-AE89-68C8C8D878B4}" type="datetimeFigureOut">
               <a:rPr lang="en-US" smtClean="0"/>
-              <a:t>4/27/2011</a:t>
+              <a:t>5/10/2011</a:t>
             </a:fld>
             <a:endParaRPr lang="en-US"/>
           </a:p>
@@ -2206,7 +2206,7 @@
           <a:p>
             <a:fld id="{F0172217-DC24-48CD-AE89-68C8C8D878B4}" type="datetimeFigureOut">
               <a:rPr lang="en-US" smtClean="0"/>
-              <a:t>4/27/2011</a:t>
+              <a:t>5/10/2011</a:t>
             </a:fld>
             <a:endParaRPr lang="en-US"/>
           </a:p>
@@ -2324,7 +2324,7 @@
           <a:p>
             <a:fld id="{F0172217-DC24-48CD-AE89-68C8C8D878B4}" type="datetimeFigureOut">
               <a:rPr lang="en-US" smtClean="0"/>
-              <a:t>4/27/2011</a:t>
+              <a:t>5/10/2011</a:t>
             </a:fld>
             <a:endParaRPr lang="en-US"/>
           </a:p>
@@ -2419,7 +2419,7 @@
           <a:p>
             <a:fld id="{F0172217-DC24-48CD-AE89-68C8C8D878B4}" type="datetimeFigureOut">
               <a:rPr lang="en-US" smtClean="0"/>
-              <a:t>4/27/2011</a:t>
+              <a:t>5/10/2011</a:t>
             </a:fld>
             <a:endParaRPr lang="en-US"/>
           </a:p>
@@ -2696,7 +2696,7 @@
           <a:p>
             <a:fld id="{F0172217-DC24-48CD-AE89-68C8C8D878B4}" type="datetimeFigureOut">
               <a:rPr lang="en-US" smtClean="0"/>
-              <a:t>4/27/2011</a:t>
+              <a:t>5/10/2011</a:t>
             </a:fld>
             <a:endParaRPr lang="en-US"/>
           </a:p>
@@ -2949,7 +2949,7 @@
           <a:p>
             <a:fld id="{F0172217-DC24-48CD-AE89-68C8C8D878B4}" type="datetimeFigureOut">
               <a:rPr lang="en-US" smtClean="0"/>
-              <a:t>4/27/2011</a:t>
+              <a:t>5/10/2011</a:t>
             </a:fld>
             <a:endParaRPr lang="en-US"/>
           </a:p>
@@ -3162,7 +3162,7 @@
           <a:p>
             <a:fld id="{F0172217-DC24-48CD-AE89-68C8C8D878B4}" type="datetimeFigureOut">
               <a:rPr lang="en-US" smtClean="0"/>
-              <a:t>4/27/2011</a:t>
+              <a:t>5/10/2011</a:t>
             </a:fld>
             <a:endParaRPr lang="en-US"/>
           </a:p>
@@ -3662,7 +3662,7 @@
                 <a:t>modelRef</a:t>
               </a:r>
               <a:r>
-                <a:rPr lang="en-US" sz="900" dirty="0" smtClean="0">
+                <a:rPr lang="en-US" sz="900" smtClean="0">
                   <a:solidFill>
                     <a:srgbClr val="0070C0"/>
                   </a:solidFill>
@@ -3670,12 +3670,12 @@
                 <a:t>: </a:t>
               </a:r>
               <a:r>
-                <a:rPr lang="en-US" sz="900" dirty="0" err="1" smtClean="0">
+                <a:rPr lang="en-US" sz="900" smtClean="0">
                   <a:solidFill>
                     <a:srgbClr val="0070C0"/>
                   </a:solidFill>
                 </a:rPr>
-                <a:t>SidRef</a:t>
+                <a:t>SIdRef</a:t>
               </a:r>
               <a:endParaRPr lang="en-US" sz="900" dirty="0" smtClean="0">
                 <a:solidFill>

--- a/sbml-level-3/version-1/comp/Submodel.pptx
+++ b/sbml-level-3/version-1/comp/Submodel.pptx
@@ -192,7 +192,7 @@
           <a:p>
             <a:fld id="{7754A941-C6C2-4027-B1F4-A5E937B2245F}" type="datetimeFigureOut">
               <a:rPr lang="en-US" smtClean="0"/>
-              <a:t>5/10/2011</a:t>
+              <a:t>5/11/2011</a:t>
             </a:fld>
             <a:endParaRPr lang="en-US"/>
           </a:p>
@@ -730,7 +730,7 @@
           <a:p>
             <a:fld id="{F0172217-DC24-48CD-AE89-68C8C8D878B4}" type="datetimeFigureOut">
               <a:rPr lang="en-US" smtClean="0"/>
-              <a:t>5/10/2011</a:t>
+              <a:t>5/11/2011</a:t>
             </a:fld>
             <a:endParaRPr lang="en-US"/>
           </a:p>
@@ -900,7 +900,7 @@
           <a:p>
             <a:fld id="{F0172217-DC24-48CD-AE89-68C8C8D878B4}" type="datetimeFigureOut">
               <a:rPr lang="en-US" smtClean="0"/>
-              <a:t>5/10/2011</a:t>
+              <a:t>5/11/2011</a:t>
             </a:fld>
             <a:endParaRPr lang="en-US"/>
           </a:p>
@@ -1080,7 +1080,7 @@
           <a:p>
             <a:fld id="{F0172217-DC24-48CD-AE89-68C8C8D878B4}" type="datetimeFigureOut">
               <a:rPr lang="en-US" smtClean="0"/>
-              <a:t>5/10/2011</a:t>
+              <a:t>5/11/2011</a:t>
             </a:fld>
             <a:endParaRPr lang="en-US"/>
           </a:p>
@@ -1250,7 +1250,7 @@
           <a:p>
             <a:fld id="{F0172217-DC24-48CD-AE89-68C8C8D878B4}" type="datetimeFigureOut">
               <a:rPr lang="en-US" smtClean="0"/>
-              <a:t>5/10/2011</a:t>
+              <a:t>5/11/2011</a:t>
             </a:fld>
             <a:endParaRPr lang="en-US"/>
           </a:p>
@@ -1496,7 +1496,7 @@
           <a:p>
             <a:fld id="{F0172217-DC24-48CD-AE89-68C8C8D878B4}" type="datetimeFigureOut">
               <a:rPr lang="en-US" smtClean="0"/>
-              <a:t>5/10/2011</a:t>
+              <a:t>5/11/2011</a:t>
             </a:fld>
             <a:endParaRPr lang="en-US"/>
           </a:p>
@@ -1784,7 +1784,7 @@
           <a:p>
             <a:fld id="{F0172217-DC24-48CD-AE89-68C8C8D878B4}" type="datetimeFigureOut">
               <a:rPr lang="en-US" smtClean="0"/>
-              <a:t>5/10/2011</a:t>
+              <a:t>5/11/2011</a:t>
             </a:fld>
             <a:endParaRPr lang="en-US"/>
           </a:p>
@@ -2206,7 +2206,7 @@
           <a:p>
             <a:fld id="{F0172217-DC24-48CD-AE89-68C8C8D878B4}" type="datetimeFigureOut">
               <a:rPr lang="en-US" smtClean="0"/>
-              <a:t>5/10/2011</a:t>
+              <a:t>5/11/2011</a:t>
             </a:fld>
             <a:endParaRPr lang="en-US"/>
           </a:p>
@@ -2324,7 +2324,7 @@
           <a:p>
             <a:fld id="{F0172217-DC24-48CD-AE89-68C8C8D878B4}" type="datetimeFigureOut">
               <a:rPr lang="en-US" smtClean="0"/>
-              <a:t>5/10/2011</a:t>
+              <a:t>5/11/2011</a:t>
             </a:fld>
             <a:endParaRPr lang="en-US"/>
           </a:p>
@@ -2419,7 +2419,7 @@
           <a:p>
             <a:fld id="{F0172217-DC24-48CD-AE89-68C8C8D878B4}" type="datetimeFigureOut">
               <a:rPr lang="en-US" smtClean="0"/>
-              <a:t>5/10/2011</a:t>
+              <a:t>5/11/2011</a:t>
             </a:fld>
             <a:endParaRPr lang="en-US"/>
           </a:p>
@@ -2696,7 +2696,7 @@
           <a:p>
             <a:fld id="{F0172217-DC24-48CD-AE89-68C8C8D878B4}" type="datetimeFigureOut">
               <a:rPr lang="en-US" smtClean="0"/>
-              <a:t>5/10/2011</a:t>
+              <a:t>5/11/2011</a:t>
             </a:fld>
             <a:endParaRPr lang="en-US"/>
           </a:p>
@@ -2949,7 +2949,7 @@
           <a:p>
             <a:fld id="{F0172217-DC24-48CD-AE89-68C8C8D878B4}" type="datetimeFigureOut">
               <a:rPr lang="en-US" smtClean="0"/>
-              <a:t>5/10/2011</a:t>
+              <a:t>5/11/2011</a:t>
             </a:fld>
             <a:endParaRPr lang="en-US"/>
           </a:p>
@@ -3162,7 +3162,7 @@
           <a:p>
             <a:fld id="{F0172217-DC24-48CD-AE89-68C8C8D878B4}" type="datetimeFigureOut">
               <a:rPr lang="en-US" smtClean="0"/>
-              <a:t>5/10/2011</a:t>
+              <a:t>5/11/2011</a:t>
             </a:fld>
             <a:endParaRPr lang="en-US"/>
           </a:p>
@@ -3667,15 +3667,7 @@
                     <a:srgbClr val="0070C0"/>
                   </a:solidFill>
                 </a:rPr>
-                <a:t>: </a:t>
-              </a:r>
-              <a:r>
-                <a:rPr lang="en-US" sz="900" smtClean="0">
-                  <a:solidFill>
-                    <a:srgbClr val="0070C0"/>
-                  </a:solidFill>
-                </a:rPr>
-                <a:t>SIdRef</a:t>
+                <a:t>: SIdRef</a:t>
               </a:r>
               <a:endParaRPr lang="en-US" sz="900" dirty="0" smtClean="0">
                 <a:solidFill>
